--- a/presentations/2-forces_at_play_in_protein_interactions-2021.pptx
+++ b/presentations/2-forces_at_play_in_protein_interactions-2021.pptx
@@ -5,49 +5,48 @@
     <p:sldMasterId id="2147483648" r:id="rId1"/>
   </p:sldMasterIdLst>
   <p:notesMasterIdLst>
-    <p:notesMasterId r:id="rId42"/>
+    <p:notesMasterId r:id="rId41"/>
   </p:notesMasterIdLst>
   <p:sldIdLst>
     <p:sldId id="256" r:id="rId2"/>
-    <p:sldId id="257" r:id="rId3"/>
-    <p:sldId id="368" r:id="rId4"/>
-    <p:sldId id="399" r:id="rId5"/>
-    <p:sldId id="400" r:id="rId6"/>
-    <p:sldId id="401" r:id="rId7"/>
-    <p:sldId id="402" r:id="rId8"/>
-    <p:sldId id="403" r:id="rId9"/>
-    <p:sldId id="404" r:id="rId10"/>
-    <p:sldId id="405" r:id="rId11"/>
-    <p:sldId id="406" r:id="rId12"/>
-    <p:sldId id="410" r:id="rId13"/>
-    <p:sldId id="407" r:id="rId14"/>
-    <p:sldId id="408" r:id="rId15"/>
-    <p:sldId id="373" r:id="rId16"/>
-    <p:sldId id="374" r:id="rId17"/>
-    <p:sldId id="369" r:id="rId18"/>
-    <p:sldId id="409" r:id="rId19"/>
-    <p:sldId id="351" r:id="rId20"/>
-    <p:sldId id="348" r:id="rId21"/>
-    <p:sldId id="352" r:id="rId22"/>
-    <p:sldId id="411" r:id="rId23"/>
-    <p:sldId id="353" r:id="rId24"/>
-    <p:sldId id="378" r:id="rId25"/>
-    <p:sldId id="379" r:id="rId26"/>
-    <p:sldId id="354" r:id="rId27"/>
-    <p:sldId id="356" r:id="rId28"/>
-    <p:sldId id="357" r:id="rId29"/>
-    <p:sldId id="355" r:id="rId30"/>
-    <p:sldId id="358" r:id="rId31"/>
-    <p:sldId id="359" r:id="rId32"/>
-    <p:sldId id="390" r:id="rId33"/>
-    <p:sldId id="391" r:id="rId34"/>
-    <p:sldId id="397" r:id="rId35"/>
-    <p:sldId id="360" r:id="rId36"/>
-    <p:sldId id="361" r:id="rId37"/>
-    <p:sldId id="362" r:id="rId38"/>
-    <p:sldId id="392" r:id="rId39"/>
-    <p:sldId id="413" r:id="rId40"/>
-    <p:sldId id="302" r:id="rId41"/>
+    <p:sldId id="368" r:id="rId3"/>
+    <p:sldId id="399" r:id="rId4"/>
+    <p:sldId id="400" r:id="rId5"/>
+    <p:sldId id="401" r:id="rId6"/>
+    <p:sldId id="402" r:id="rId7"/>
+    <p:sldId id="403" r:id="rId8"/>
+    <p:sldId id="404" r:id="rId9"/>
+    <p:sldId id="405" r:id="rId10"/>
+    <p:sldId id="406" r:id="rId11"/>
+    <p:sldId id="410" r:id="rId12"/>
+    <p:sldId id="407" r:id="rId13"/>
+    <p:sldId id="408" r:id="rId14"/>
+    <p:sldId id="373" r:id="rId15"/>
+    <p:sldId id="374" r:id="rId16"/>
+    <p:sldId id="369" r:id="rId17"/>
+    <p:sldId id="409" r:id="rId18"/>
+    <p:sldId id="351" r:id="rId19"/>
+    <p:sldId id="348" r:id="rId20"/>
+    <p:sldId id="352" r:id="rId21"/>
+    <p:sldId id="411" r:id="rId22"/>
+    <p:sldId id="353" r:id="rId23"/>
+    <p:sldId id="378" r:id="rId24"/>
+    <p:sldId id="379" r:id="rId25"/>
+    <p:sldId id="354" r:id="rId26"/>
+    <p:sldId id="356" r:id="rId27"/>
+    <p:sldId id="357" r:id="rId28"/>
+    <p:sldId id="355" r:id="rId29"/>
+    <p:sldId id="358" r:id="rId30"/>
+    <p:sldId id="359" r:id="rId31"/>
+    <p:sldId id="390" r:id="rId32"/>
+    <p:sldId id="391" r:id="rId33"/>
+    <p:sldId id="397" r:id="rId34"/>
+    <p:sldId id="360" r:id="rId35"/>
+    <p:sldId id="361" r:id="rId36"/>
+    <p:sldId id="362" r:id="rId37"/>
+    <p:sldId id="392" r:id="rId38"/>
+    <p:sldId id="413" r:id="rId39"/>
+    <p:sldId id="302" r:id="rId40"/>
   </p:sldIdLst>
   <p:sldSz cx="12192000" cy="6858000"/>
   <p:notesSz cx="6858000" cy="9144000"/>
@@ -235,7 +234,7 @@
           </a:lstStyle>
           <a:p>
             <a:fld id="{90E24C0C-6569-BD45-A72F-043D6BC01BE7}" type="datetimeFigureOut">
-              <a:t>05/05/2020</a:t>
+              <a:t>27/04/21</a:t>
             </a:fld>
             <a:endParaRPr lang="en-IT"/>
           </a:p>
@@ -734,7 +733,7 @@
           <a:lstStyle/>
           <a:p>
             <a:fld id="{AE29C165-7518-B248-B7AC-FCD5CB29AE65}" type="datetimeFigureOut">
-              <a:t>05/05/2020</a:t>
+              <a:t>27/04/21</a:t>
             </a:fld>
             <a:endParaRPr lang="en-IT"/>
           </a:p>
@@ -932,7 +931,7 @@
           <a:lstStyle/>
           <a:p>
             <a:fld id="{AE29C165-7518-B248-B7AC-FCD5CB29AE65}" type="datetimeFigureOut">
-              <a:t>05/05/2020</a:t>
+              <a:t>27/04/21</a:t>
             </a:fld>
             <a:endParaRPr lang="en-IT"/>
           </a:p>
@@ -1140,7 +1139,7 @@
           <a:lstStyle/>
           <a:p>
             <a:fld id="{AE29C165-7518-B248-B7AC-FCD5CB29AE65}" type="datetimeFigureOut">
-              <a:t>05/05/2020</a:t>
+              <a:t>27/04/21</a:t>
             </a:fld>
             <a:endParaRPr lang="en-IT"/>
           </a:p>
@@ -1338,7 +1337,7 @@
           <a:lstStyle/>
           <a:p>
             <a:fld id="{AE29C165-7518-B248-B7AC-FCD5CB29AE65}" type="datetimeFigureOut">
-              <a:t>05/05/2020</a:t>
+              <a:t>27/04/21</a:t>
             </a:fld>
             <a:endParaRPr lang="en-IT"/>
           </a:p>
@@ -1612,7 +1611,7 @@
           <a:lstStyle/>
           <a:p>
             <a:fld id="{AE29C165-7518-B248-B7AC-FCD5CB29AE65}" type="datetimeFigureOut">
-              <a:t>05/05/2020</a:t>
+              <a:t>27/04/21</a:t>
             </a:fld>
             <a:endParaRPr lang="en-IT"/>
           </a:p>
@@ -1878,7 +1877,7 @@
           <a:lstStyle/>
           <a:p>
             <a:fld id="{AE29C165-7518-B248-B7AC-FCD5CB29AE65}" type="datetimeFigureOut">
-              <a:t>05/05/2020</a:t>
+              <a:t>27/04/21</a:t>
             </a:fld>
             <a:endParaRPr lang="en-IT"/>
           </a:p>
@@ -2291,7 +2290,7 @@
           <a:lstStyle/>
           <a:p>
             <a:fld id="{AE29C165-7518-B248-B7AC-FCD5CB29AE65}" type="datetimeFigureOut">
-              <a:t>05/05/2020</a:t>
+              <a:t>27/04/21</a:t>
             </a:fld>
             <a:endParaRPr lang="en-IT"/>
           </a:p>
@@ -2431,7 +2430,7 @@
           <a:lstStyle/>
           <a:p>
             <a:fld id="{AE29C165-7518-B248-B7AC-FCD5CB29AE65}" type="datetimeFigureOut">
-              <a:t>05/05/2020</a:t>
+              <a:t>27/04/21</a:t>
             </a:fld>
             <a:endParaRPr lang="en-IT"/>
           </a:p>
@@ -2542,7 +2541,7 @@
           <a:lstStyle/>
           <a:p>
             <a:fld id="{AE29C165-7518-B248-B7AC-FCD5CB29AE65}" type="datetimeFigureOut">
-              <a:t>05/05/2020</a:t>
+              <a:t>27/04/21</a:t>
             </a:fld>
             <a:endParaRPr lang="en-IT"/>
           </a:p>
@@ -2853,7 +2852,7 @@
           <a:lstStyle/>
           <a:p>
             <a:fld id="{AE29C165-7518-B248-B7AC-FCD5CB29AE65}" type="datetimeFigureOut">
-              <a:t>05/05/2020</a:t>
+              <a:t>27/04/21</a:t>
             </a:fld>
             <a:endParaRPr lang="en-IT"/>
           </a:p>
@@ -3140,7 +3139,7 @@
           <a:lstStyle/>
           <a:p>
             <a:fld id="{AE29C165-7518-B248-B7AC-FCD5CB29AE65}" type="datetimeFigureOut">
-              <a:t>05/05/2020</a:t>
+              <a:t>27/04/21</a:t>
             </a:fld>
             <a:endParaRPr lang="en-IT"/>
           </a:p>
@@ -3381,7 +3380,7 @@
           </a:lstStyle>
           <a:p>
             <a:fld id="{AE29C165-7518-B248-B7AC-FCD5CB29AE65}" type="datetimeFigureOut">
-              <a:t>05/05/2020</a:t>
+              <a:t>27/04/21</a:t>
             </a:fld>
             <a:endParaRPr lang="en-IT"/>
           </a:p>
@@ -3989,554 +3988,14 @@
       </p:grpSpPr>
       <p:sp>
         <p:nvSpPr>
-          <p:cNvPr id="61442" name="Rectangle 2"/>
-          <p:cNvSpPr>
-            <a:spLocks noChangeArrowheads="1"/>
-          </p:cNvSpPr>
-          <p:nvPr/>
-        </p:nvSpPr>
-        <p:spPr bwMode="auto">
-          <a:xfrm>
-            <a:off x="4038601" y="381001"/>
-            <a:ext cx="3736975" cy="771525"/>
-          </a:xfrm>
-          <a:prstGeom prst="rect">
-            <a:avLst/>
-          </a:prstGeom>
-          <a:noFill/>
-          <a:ln w="9525">
-            <a:solidFill>
-              <a:schemeClr val="tx1"/>
-            </a:solidFill>
-            <a:miter lim="800000"/>
-            <a:headEnd/>
-            <a:tailEnd/>
-          </a:ln>
-        </p:spPr>
-        <p:txBody>
-          <a:bodyPr wrap="none">
-            <a:prstTxWarp prst="textNoShape">
-              <a:avLst/>
-            </a:prstTxWarp>
-            <a:spAutoFit/>
-          </a:bodyPr>
-          <a:lstStyle/>
-          <a:p>
-            <a:r>
-              <a:rPr lang="en-US" sz="4400">
-                <a:latin typeface="Times" pitchFamily="-84" charset="0"/>
-                <a:sym typeface="Symbol" pitchFamily="-84" charset="2"/>
-              </a:rPr>
-              <a:t>G = H - TS</a:t>
-            </a:r>
-            <a:endParaRPr lang="en-US" sz="2400">
-              <a:latin typeface="Times" pitchFamily="-84" charset="0"/>
-              <a:sym typeface="Symbol" pitchFamily="-84" charset="2"/>
-            </a:endParaRPr>
-          </a:p>
-        </p:txBody>
-      </p:sp>
-      <p:sp>
-        <p:nvSpPr>
-          <p:cNvPr id="61443" name="Line 3"/>
-          <p:cNvSpPr>
-            <a:spLocks noChangeShapeType="1"/>
-          </p:cNvSpPr>
-          <p:nvPr/>
-        </p:nvSpPr>
-        <p:spPr bwMode="auto">
-          <a:xfrm flipH="1">
-            <a:off x="4876800" y="1066800"/>
-            <a:ext cx="685800" cy="533400"/>
-          </a:xfrm>
-          <a:prstGeom prst="line">
-            <a:avLst/>
-          </a:prstGeom>
-          <a:noFill/>
-          <a:ln w="9525">
-            <a:solidFill>
-              <a:schemeClr val="tx1"/>
-            </a:solidFill>
-            <a:round/>
-            <a:headEnd/>
-            <a:tailEnd type="triangle" w="med" len="med"/>
-          </a:ln>
-        </p:spPr>
-        <p:txBody>
-          <a:bodyPr wrap="none" anchor="ctr">
-            <a:prstTxWarp prst="textNoShape">
-              <a:avLst/>
-            </a:prstTxWarp>
-          </a:bodyPr>
-          <a:lstStyle/>
-          <a:p>
-            <a:endParaRPr lang="it-IT"/>
-          </a:p>
-        </p:txBody>
-      </p:sp>
-      <p:sp>
-        <p:nvSpPr>
-          <p:cNvPr id="61444" name="Rectangle 4"/>
-          <p:cNvSpPr>
-            <a:spLocks noChangeArrowheads="1"/>
-          </p:cNvSpPr>
-          <p:nvPr/>
-        </p:nvSpPr>
-        <p:spPr bwMode="auto">
-          <a:xfrm>
-            <a:off x="2209800" y="1600200"/>
-            <a:ext cx="6080062" cy="923330"/>
-          </a:xfrm>
-          <a:prstGeom prst="rect">
-            <a:avLst/>
-          </a:prstGeom>
-          <a:noFill/>
-          <a:ln w="9525">
-            <a:noFill/>
-            <a:miter lim="800000"/>
-            <a:headEnd/>
-            <a:tailEnd/>
-          </a:ln>
-        </p:spPr>
-        <p:txBody>
-          <a:bodyPr wrap="none">
-            <a:prstTxWarp prst="textNoShape">
-              <a:avLst/>
-            </a:prstTxWarp>
-            <a:spAutoFit/>
-          </a:bodyPr>
-          <a:lstStyle/>
-          <a:p>
-            <a:pPr marL="457200" indent="-457200">
-              <a:buFont typeface="Times" pitchFamily="-84" charset="0"/>
-              <a:buAutoNum type="alphaUcPeriod"/>
-            </a:pPr>
-            <a:r>
-              <a:rPr lang="en-US" dirty="0"/>
-              <a:t>covalent bond breaking or making</a:t>
-            </a:r>
-          </a:p>
-          <a:p>
-            <a:pPr marL="457200" indent="-457200">
-              <a:buFont typeface="Times" pitchFamily="-84" charset="0"/>
-              <a:buAutoNum type="alphaUcPeriod"/>
-            </a:pPr>
-            <a:r>
-              <a:rPr lang="en-US" dirty="0"/>
-              <a:t>Variation in the electrostatic or van der Waals interactions</a:t>
-            </a:r>
-          </a:p>
-          <a:p>
-            <a:pPr marL="457200" indent="-457200">
-              <a:buFont typeface="Times" pitchFamily="-84" charset="0"/>
-              <a:buAutoNum type="alphaUcPeriod"/>
-            </a:pPr>
-            <a:r>
-              <a:rPr lang="en-US" dirty="0"/>
-              <a:t>Variations induced by the heat in the atomic motions</a:t>
-            </a:r>
-          </a:p>
-        </p:txBody>
-      </p:sp>
-      <p:sp>
-        <p:nvSpPr>
-          <p:cNvPr id="61445" name="Rectangle 5"/>
-          <p:cNvSpPr>
-            <a:spLocks noChangeArrowheads="1"/>
-          </p:cNvSpPr>
-          <p:nvPr/>
-        </p:nvSpPr>
-        <p:spPr bwMode="auto">
-          <a:xfrm>
-            <a:off x="4700671" y="3501008"/>
-            <a:ext cx="2565126" cy="523220"/>
-          </a:xfrm>
-          <a:prstGeom prst="rect">
-            <a:avLst/>
-          </a:prstGeom>
-          <a:noFill/>
-          <a:ln w="9525">
-            <a:noFill/>
-            <a:miter lim="800000"/>
-            <a:headEnd/>
-            <a:tailEnd/>
-          </a:ln>
-        </p:spPr>
-        <p:txBody>
-          <a:bodyPr wrap="none">
-            <a:prstTxWarp prst="textNoShape">
-              <a:avLst/>
-            </a:prstTxWarp>
-            <a:spAutoFit/>
-          </a:bodyPr>
-          <a:lstStyle/>
-          <a:p>
-            <a:r>
-              <a:rPr lang="en-US" sz="2800" b="1" dirty="0">
-                <a:latin typeface="Times" pitchFamily="-84" charset="0"/>
-                <a:sym typeface="Symbol" pitchFamily="-84" charset="2"/>
-              </a:rPr>
-              <a:t>Q</a:t>
-            </a:r>
-            <a:r>
-              <a:rPr lang="en-US" sz="2800" b="1" baseline="-25000" dirty="0">
-                <a:latin typeface="Times" pitchFamily="-84" charset="0"/>
-                <a:sym typeface="Symbol" pitchFamily="-84" charset="2"/>
-              </a:rPr>
-              <a:t>(p)</a:t>
-            </a:r>
-            <a:r>
-              <a:rPr lang="en-US" sz="2800" b="1" dirty="0">
-                <a:latin typeface="Times" pitchFamily="-84" charset="0"/>
-                <a:sym typeface="Symbol" pitchFamily="-84" charset="2"/>
-              </a:rPr>
-              <a:t> = H ≈ E </a:t>
-            </a:r>
-          </a:p>
-        </p:txBody>
-      </p:sp>
-      <p:sp>
-        <p:nvSpPr>
-          <p:cNvPr id="61446" name="Rectangle 6"/>
-          <p:cNvSpPr>
-            <a:spLocks noChangeArrowheads="1"/>
-          </p:cNvSpPr>
-          <p:nvPr/>
-        </p:nvSpPr>
-        <p:spPr bwMode="auto">
-          <a:xfrm>
-            <a:off x="2057401" y="2708921"/>
-            <a:ext cx="8264525" cy="646331"/>
-          </a:xfrm>
-          <a:prstGeom prst="rect">
-            <a:avLst/>
-          </a:prstGeom>
-          <a:noFill/>
-          <a:ln w="9525">
-            <a:noFill/>
-            <a:miter lim="800000"/>
-            <a:headEnd/>
-            <a:tailEnd/>
-          </a:ln>
-        </p:spPr>
-        <p:txBody>
-          <a:bodyPr>
-            <a:prstTxWarp prst="textNoShape">
-              <a:avLst/>
-            </a:prstTxWarp>
-            <a:spAutoFit/>
-          </a:bodyPr>
-          <a:lstStyle/>
-          <a:p>
-            <a:r>
-              <a:rPr lang="en-US" dirty="0"/>
-              <a:t>These variations at constant pressure entail heat transfer between the system and the environment. Therefore, we can write:</a:t>
-            </a:r>
-          </a:p>
-        </p:txBody>
-      </p:sp>
-      <p:sp>
-        <p:nvSpPr>
-          <p:cNvPr id="61447" name="Rectangle 7"/>
-          <p:cNvSpPr>
-            <a:spLocks noChangeArrowheads="1"/>
-          </p:cNvSpPr>
-          <p:nvPr/>
-        </p:nvSpPr>
-        <p:spPr bwMode="auto">
-          <a:xfrm>
-            <a:off x="3215680" y="5085185"/>
-            <a:ext cx="5527224" cy="461665"/>
-          </a:xfrm>
-          <a:prstGeom prst="rect">
-            <a:avLst/>
-          </a:prstGeom>
-          <a:noFill/>
-          <a:ln w="9525">
-            <a:noFill/>
-            <a:miter lim="800000"/>
-            <a:headEnd/>
-            <a:tailEnd/>
-          </a:ln>
-        </p:spPr>
-        <p:txBody>
-          <a:bodyPr wrap="none">
-            <a:prstTxWarp prst="textNoShape">
-              <a:avLst/>
-            </a:prstTxWarp>
-            <a:spAutoFit/>
-          </a:bodyPr>
-          <a:lstStyle/>
-          <a:p>
-            <a:r>
-              <a:rPr lang="en-US" sz="2400" b="1" dirty="0">
-                <a:latin typeface="Arial"/>
-                <a:cs typeface="Arial"/>
-                <a:sym typeface="Symbol" pitchFamily="-84" charset="2"/>
-              </a:rPr>
-              <a:t>Q</a:t>
-            </a:r>
-            <a:r>
-              <a:rPr lang="en-US" sz="2400" b="1" baseline="-25000" dirty="0">
-                <a:latin typeface="Arial"/>
-                <a:cs typeface="Arial"/>
-                <a:sym typeface="Symbol" pitchFamily="-84" charset="2"/>
-              </a:rPr>
-              <a:t>(p)</a:t>
-            </a:r>
-            <a:r>
-              <a:rPr lang="en-US" sz="2400" b="1" dirty="0">
-                <a:latin typeface="Arial"/>
-                <a:cs typeface="Arial"/>
-                <a:sym typeface="Symbol" pitchFamily="-84" charset="2"/>
-              </a:rPr>
-              <a:t> can be experimentally measured</a:t>
-            </a:r>
-            <a:endParaRPr lang="en-US" sz="2400" b="1" dirty="0">
-              <a:latin typeface="Arial"/>
-              <a:cs typeface="Arial"/>
-            </a:endParaRPr>
-          </a:p>
-        </p:txBody>
-      </p:sp>
-      <p:sp>
-        <p:nvSpPr>
-          <p:cNvPr id="61448" name="Rectangle 8"/>
-          <p:cNvSpPr>
-            <a:spLocks noChangeArrowheads="1"/>
-          </p:cNvSpPr>
-          <p:nvPr/>
-        </p:nvSpPr>
-        <p:spPr bwMode="auto">
-          <a:xfrm>
-            <a:off x="1703512" y="4077073"/>
-            <a:ext cx="8820472" cy="646331"/>
-          </a:xfrm>
-          <a:prstGeom prst="rect">
-            <a:avLst/>
-          </a:prstGeom>
-          <a:solidFill>
-            <a:srgbClr val="CCFFFF"/>
-          </a:solidFill>
-          <a:ln w="9525">
-            <a:noFill/>
-            <a:miter lim="800000"/>
-            <a:headEnd/>
-            <a:tailEnd/>
-          </a:ln>
-        </p:spPr>
-        <p:txBody>
-          <a:bodyPr wrap="square">
-            <a:prstTxWarp prst="textNoShape">
-              <a:avLst/>
-            </a:prstTxWarp>
-            <a:spAutoFit/>
-          </a:bodyPr>
-          <a:lstStyle/>
-          <a:p>
-            <a:r>
-              <a:rPr lang="en-US" dirty="0"/>
-              <a:t>Therefore, </a:t>
-            </a:r>
-            <a:r>
-              <a:rPr lang="en-US" u="sng" dirty="0"/>
-              <a:t>at constant pressure and volume</a:t>
-            </a:r>
-            <a:r>
-              <a:rPr lang="en-US" dirty="0"/>
-              <a:t>, the enthalpy variation coincides with both the heat and the variation of internal energy occurred during the process.</a:t>
-            </a:r>
-          </a:p>
-        </p:txBody>
-      </p:sp>
-      <p:sp>
-        <p:nvSpPr>
-          <p:cNvPr id="12" name="Rectangle 9"/>
-          <p:cNvSpPr>
-            <a:spLocks noChangeArrowheads="1"/>
-          </p:cNvSpPr>
-          <p:nvPr/>
-        </p:nvSpPr>
-        <p:spPr bwMode="auto">
-          <a:xfrm>
-            <a:off x="4304634" y="5733257"/>
-            <a:ext cx="4597221" cy="461665"/>
-          </a:xfrm>
-          <a:prstGeom prst="rect">
-            <a:avLst/>
-          </a:prstGeom>
-          <a:noFill/>
-          <a:ln w="9525">
-            <a:noFill/>
-            <a:miter lim="800000"/>
-            <a:headEnd/>
-            <a:tailEnd/>
-          </a:ln>
-        </p:spPr>
-        <p:txBody>
-          <a:bodyPr wrap="none">
-            <a:prstTxWarp prst="textNoShape">
-              <a:avLst/>
-            </a:prstTxWarp>
-            <a:spAutoFit/>
-          </a:bodyPr>
-          <a:lstStyle/>
-          <a:p>
-            <a:r>
-              <a:rPr lang="en-US" sz="2400" dirty="0">
-                <a:sym typeface="Symbol" pitchFamily="-84" charset="2"/>
-              </a:rPr>
-              <a:t>H &gt; 0 in a reaction </a:t>
-            </a:r>
-            <a:r>
-              <a:rPr lang="en-US" sz="2400" b="1" dirty="0">
-                <a:sym typeface="Symbol" pitchFamily="-84" charset="2"/>
-              </a:rPr>
-              <a:t>adsorbing</a:t>
-            </a:r>
-            <a:r>
-              <a:rPr lang="en-US" sz="2400" dirty="0">
-                <a:sym typeface="Symbol" pitchFamily="-84" charset="2"/>
-              </a:rPr>
-              <a:t> heat</a:t>
-            </a:r>
-          </a:p>
-        </p:txBody>
-      </p:sp>
-      <p:sp>
-        <p:nvSpPr>
-          <p:cNvPr id="13" name="Rectangle 10"/>
-          <p:cNvSpPr>
-            <a:spLocks noChangeArrowheads="1"/>
-          </p:cNvSpPr>
-          <p:nvPr/>
-        </p:nvSpPr>
-        <p:spPr bwMode="auto">
-          <a:xfrm>
-            <a:off x="4312571" y="6190457"/>
-            <a:ext cx="4484754" cy="461665"/>
-          </a:xfrm>
-          <a:prstGeom prst="rect">
-            <a:avLst/>
-          </a:prstGeom>
-          <a:noFill/>
-          <a:ln w="9525">
-            <a:noFill/>
-            <a:miter lim="800000"/>
-            <a:headEnd/>
-            <a:tailEnd/>
-          </a:ln>
-        </p:spPr>
-        <p:txBody>
-          <a:bodyPr wrap="none">
-            <a:prstTxWarp prst="textNoShape">
-              <a:avLst/>
-            </a:prstTxWarp>
-            <a:spAutoFit/>
-          </a:bodyPr>
-          <a:lstStyle/>
-          <a:p>
-            <a:r>
-              <a:rPr lang="en-US" sz="2400" dirty="0">
-                <a:sym typeface="Symbol" pitchFamily="-84" charset="2"/>
-              </a:rPr>
-              <a:t>H &lt; 0 in a reaction </a:t>
-            </a:r>
-            <a:r>
-              <a:rPr lang="en-US" sz="2400" b="1" dirty="0">
-                <a:sym typeface="Symbol" pitchFamily="-84" charset="2"/>
-              </a:rPr>
-              <a:t>releasing</a:t>
-            </a:r>
-            <a:r>
-              <a:rPr lang="en-US" sz="2400" dirty="0">
-                <a:sym typeface="Symbol" pitchFamily="-84" charset="2"/>
-              </a:rPr>
-              <a:t> heat</a:t>
-            </a:r>
-          </a:p>
-        </p:txBody>
-      </p:sp>
-      <p:sp>
-        <p:nvSpPr>
-          <p:cNvPr id="14" name="Rectangle 11"/>
-          <p:cNvSpPr>
-            <a:spLocks noChangeArrowheads="1"/>
-          </p:cNvSpPr>
-          <p:nvPr/>
-        </p:nvSpPr>
-        <p:spPr bwMode="auto">
-          <a:xfrm>
-            <a:off x="2068693" y="6019800"/>
-            <a:ext cx="1579087" cy="369332"/>
-          </a:xfrm>
-          <a:prstGeom prst="rect">
-            <a:avLst/>
-          </a:prstGeom>
-          <a:noFill/>
-          <a:ln w="9525">
-            <a:noFill/>
-            <a:miter lim="800000"/>
-            <a:headEnd/>
-            <a:tailEnd/>
-          </a:ln>
-        </p:spPr>
-        <p:txBody>
-          <a:bodyPr wrap="none">
-            <a:prstTxWarp prst="textNoShape">
-              <a:avLst/>
-            </a:prstTxWarp>
-            <a:spAutoFit/>
-          </a:bodyPr>
-          <a:lstStyle/>
-          <a:p>
-            <a:r>
-              <a:rPr lang="en-US" dirty="0"/>
-              <a:t>Conventionally</a:t>
-            </a:r>
-          </a:p>
-        </p:txBody>
-      </p:sp>
-    </p:spTree>
-    <p:extLst>
-      <p:ext uri="{BB962C8B-B14F-4D97-AF65-F5344CB8AC3E}">
-        <p14:creationId xmlns:p14="http://schemas.microsoft.com/office/powerpoint/2010/main" val="4126286161"/>
-      </p:ext>
-    </p:extLst>
-  </p:cSld>
-  <p:clrMapOvr>
-    <a:masterClrMapping/>
-  </p:clrMapOvr>
-</p:sld>
-</file>
-
-<file path=ppt/slides/slide11.xml><?xml version="1.0" encoding="utf-8"?>
-<p:sld xmlns:a="http://schemas.openxmlformats.org/drawingml/2006/main" xmlns:r="http://schemas.openxmlformats.org/officeDocument/2006/relationships" xmlns:p="http://schemas.openxmlformats.org/presentationml/2006/main">
-  <p:cSld>
-    <p:spTree>
-      <p:nvGrpSpPr>
-        <p:cNvPr id="1" name=""/>
-        <p:cNvGrpSpPr/>
-        <p:nvPr/>
-      </p:nvGrpSpPr>
-      <p:grpSpPr>
-        <a:xfrm>
-          <a:off x="0" y="0"/>
-          <a:ext cx="0" cy="0"/>
-          <a:chOff x="0" y="0"/>
-          <a:chExt cx="0" cy="0"/>
-        </a:xfrm>
-      </p:grpSpPr>
-      <p:sp>
-        <p:nvSpPr>
           <p:cNvPr id="2" name="Rectangle 1"/>
           <p:cNvSpPr/>
           <p:nvPr/>
         </p:nvSpPr>
         <p:spPr>
           <a:xfrm>
-            <a:off x="2063552" y="1536174"/>
-            <a:ext cx="8424936" cy="1754326"/>
+            <a:off x="1043644" y="332943"/>
+            <a:ext cx="10409802" cy="3539430"/>
           </a:xfrm>
           <a:prstGeom prst="rect">
             <a:avLst/>
@@ -4549,82 +4008,115 @@
           <a:lstStyle/>
           <a:p>
             <a:r>
-              <a:rPr lang="en-US" dirty="0"/>
+              <a:rPr lang="en-US" sz="3200" dirty="0">
+                <a:latin typeface="Corbel" panose="020B0503020204020204" pitchFamily="34" charset="0"/>
+              </a:rPr>
               <a:t>Energy is </a:t>
             </a:r>
             <a:r>
-              <a:rPr lang="en-US" b="1" dirty="0"/>
+              <a:rPr lang="en-US" sz="3200" b="1" dirty="0">
+                <a:latin typeface="Corbel" panose="020B0503020204020204" pitchFamily="34" charset="0"/>
+              </a:rPr>
               <a:t>released </a:t>
             </a:r>
             <a:r>
-              <a:rPr lang="en-US" dirty="0"/>
+              <a:rPr lang="en-US" sz="3200" dirty="0">
+                <a:latin typeface="Corbel" panose="020B0503020204020204" pitchFamily="34" charset="0"/>
+              </a:rPr>
               <a:t>to </a:t>
             </a:r>
             <a:r>
-              <a:rPr lang="en-US" u="sng" dirty="0"/>
+              <a:rPr lang="en-US" sz="3200" u="sng" dirty="0">
+                <a:latin typeface="Corbel" panose="020B0503020204020204" pitchFamily="34" charset="0"/>
+              </a:rPr>
               <a:t>make bonds</a:t>
             </a:r>
             <a:r>
-              <a:rPr lang="en-US" dirty="0"/>
+              <a:rPr lang="en-US" sz="3200" dirty="0">
+                <a:latin typeface="Corbel" panose="020B0503020204020204" pitchFamily="34" charset="0"/>
+              </a:rPr>
               <a:t>. The enthalpy change is </a:t>
             </a:r>
             <a:r>
-              <a:rPr lang="en-US" b="1" dirty="0"/>
+              <a:rPr lang="en-US" sz="3200" b="1" dirty="0">
+                <a:latin typeface="Corbel" panose="020B0503020204020204" pitchFamily="34" charset="0"/>
+              </a:rPr>
               <a:t>negative </a:t>
             </a:r>
             <a:r>
-              <a:rPr lang="en-US" dirty="0"/>
+              <a:rPr lang="en-US" sz="3200" dirty="0">
+                <a:latin typeface="Corbel" panose="020B0503020204020204" pitchFamily="34" charset="0"/>
+              </a:rPr>
               <a:t>because the system is </a:t>
             </a:r>
             <a:r>
-              <a:rPr lang="en-US" b="1" dirty="0"/>
+              <a:rPr lang="en-US" sz="3200" b="1" dirty="0">
+                <a:latin typeface="Corbel" panose="020B0503020204020204" pitchFamily="34" charset="0"/>
+              </a:rPr>
               <a:t>releasing</a:t>
             </a:r>
             <a:r>
-              <a:rPr lang="en-US" dirty="0"/>
-              <a:t> energy when forming bond.</a:t>
-            </a:r>
-          </a:p>
-          <a:p>
-            <a:endParaRPr lang="en-US" dirty="0"/>
-          </a:p>
-          <a:p>
-            <a:endParaRPr lang="en-US" dirty="0"/>
-          </a:p>
-          <a:p>
-            <a:r>
-              <a:rPr lang="en-US" dirty="0"/>
+              <a:rPr lang="en-US" sz="3200" dirty="0">
+                <a:latin typeface="Corbel" panose="020B0503020204020204" pitchFamily="34" charset="0"/>
+              </a:rPr>
+              <a:t> energy when forming bonds:</a:t>
+            </a:r>
+          </a:p>
+          <a:p>
+            <a:endParaRPr lang="en-US" sz="3200" dirty="0">
+              <a:latin typeface="Corbel" panose="020B0503020204020204" pitchFamily="34" charset="0"/>
+            </a:endParaRPr>
+          </a:p>
+          <a:p>
+            <a:r>
+              <a:rPr lang="en-US" sz="3200" dirty="0">
+                <a:latin typeface="Corbel" panose="020B0503020204020204" pitchFamily="34" charset="0"/>
+              </a:rPr>
               <a:t> </a:t>
             </a:r>
           </a:p>
           <a:p>
             <a:pPr algn="just"/>
             <a:r>
-              <a:rPr lang="en-US" dirty="0"/>
+              <a:rPr lang="en-US" sz="3200" dirty="0">
+                <a:latin typeface="Corbel" panose="020B0503020204020204" pitchFamily="34" charset="0"/>
+              </a:rPr>
               <a:t>Energy is </a:t>
             </a:r>
             <a:r>
-              <a:rPr lang="en-US" b="1" dirty="0"/>
+              <a:rPr lang="en-US" sz="3200" b="1" dirty="0">
+                <a:latin typeface="Corbel" panose="020B0503020204020204" pitchFamily="34" charset="0"/>
+              </a:rPr>
               <a:t>required </a:t>
             </a:r>
             <a:r>
-              <a:rPr lang="en-US" dirty="0"/>
+              <a:rPr lang="en-US" sz="3200" dirty="0">
+                <a:latin typeface="Corbel" panose="020B0503020204020204" pitchFamily="34" charset="0"/>
+              </a:rPr>
               <a:t>to </a:t>
             </a:r>
             <a:r>
-              <a:rPr lang="en-US" u="sng" dirty="0"/>
+              <a:rPr lang="en-US" sz="3200" u="sng" dirty="0">
+                <a:latin typeface="Corbel" panose="020B0503020204020204" pitchFamily="34" charset="0"/>
+              </a:rPr>
               <a:t>break bonds</a:t>
             </a:r>
             <a:r>
-              <a:rPr lang="en-US" dirty="0"/>
+              <a:rPr lang="en-US" sz="3200" dirty="0">
+                <a:latin typeface="Corbel" panose="020B0503020204020204" pitchFamily="34" charset="0"/>
+              </a:rPr>
               <a:t>. The enthalpy change for breaking bonds is </a:t>
             </a:r>
             <a:r>
-              <a:rPr lang="en-US" b="1" dirty="0"/>
+              <a:rPr lang="en-US" sz="3200" b="1" dirty="0">
+                <a:latin typeface="Corbel" panose="020B0503020204020204" pitchFamily="34" charset="0"/>
+              </a:rPr>
               <a:t>positive</a:t>
             </a:r>
             <a:r>
-              <a:rPr lang="en-US" dirty="0"/>
+              <a:rPr lang="en-US" sz="3200" dirty="0">
+                <a:latin typeface="Corbel" panose="020B0503020204020204" pitchFamily="34" charset="0"/>
+              </a:rPr>
               <a:t>.</a:t>
             </a:r>
           </a:p>
@@ -4638,8 +4130,8 @@
         </p:nvSpPr>
         <p:spPr>
           <a:xfrm>
-            <a:off x="5375920" y="2348880"/>
-            <a:ext cx="1274708" cy="523220"/>
+            <a:off x="5282135" y="1973742"/>
+            <a:ext cx="1422184" cy="584775"/>
           </a:xfrm>
           <a:prstGeom prst="rect">
             <a:avLst/>
@@ -4652,12 +4144,30 @@
           <a:lstStyle/>
           <a:p>
             <a:r>
-              <a:rPr lang="en-US" sz="2800" b="1" dirty="0">
+              <a:rPr lang="en-US" sz="3200" b="1" dirty="0">
+                <a:latin typeface="Corbel" panose="020B0503020204020204" pitchFamily="34" charset="0"/>
                 <a:sym typeface="Symbol" pitchFamily="-84" charset="2"/>
               </a:rPr>
-              <a:t>H &lt; 0 </a:t>
-            </a:r>
-            <a:endParaRPr lang="en-US" sz="2800" b="1" dirty="0"/>
+              <a:t>H &lt; </a:t>
+            </a:r>
+            <a:r>
+              <a:rPr lang="en-US" sz="3200" b="1" dirty="0">
+                <a:latin typeface="Arial" panose="020B0604020202020204" pitchFamily="34" charset="0"/>
+                <a:cs typeface="Arial" panose="020B0604020202020204" pitchFamily="34" charset="0"/>
+                <a:sym typeface="Symbol" pitchFamily="-84" charset="2"/>
+              </a:rPr>
+              <a:t>0</a:t>
+            </a:r>
+            <a:r>
+              <a:rPr lang="en-US" sz="3200" b="1" dirty="0">
+                <a:latin typeface="Corbel" panose="020B0503020204020204" pitchFamily="34" charset="0"/>
+                <a:sym typeface="Symbol" pitchFamily="-84" charset="2"/>
+              </a:rPr>
+              <a:t> </a:t>
+            </a:r>
+            <a:endParaRPr lang="en-US" sz="3200" b="1" dirty="0">
+              <a:latin typeface="Corbel" panose="020B0503020204020204" pitchFamily="34" charset="0"/>
+            </a:endParaRPr>
           </a:p>
         </p:txBody>
       </p:sp>
@@ -4669,8 +4179,8 @@
         </p:nvSpPr>
         <p:spPr>
           <a:xfrm>
-            <a:off x="5375920" y="3789040"/>
-            <a:ext cx="1274708" cy="523220"/>
+            <a:off x="5082843" y="4551040"/>
+            <a:ext cx="1422184" cy="584775"/>
           </a:xfrm>
           <a:prstGeom prst="rect">
             <a:avLst/>
@@ -4683,12 +4193,30 @@
           <a:lstStyle/>
           <a:p>
             <a:r>
-              <a:rPr lang="en-US" sz="2800" b="1" dirty="0">
+              <a:rPr lang="en-US" sz="3200" b="1" dirty="0">
+                <a:latin typeface="Corbel" panose="020B0503020204020204" pitchFamily="34" charset="0"/>
                 <a:sym typeface="Symbol" pitchFamily="-84" charset="2"/>
               </a:rPr>
-              <a:t>H &gt; 0 </a:t>
-            </a:r>
-            <a:endParaRPr lang="en-US" sz="2800" b="1" dirty="0"/>
+              <a:t>H &gt; </a:t>
+            </a:r>
+            <a:r>
+              <a:rPr lang="en-US" sz="3200" b="1" dirty="0">
+                <a:latin typeface="Arial" panose="020B0604020202020204" pitchFamily="34" charset="0"/>
+                <a:cs typeface="Arial" panose="020B0604020202020204" pitchFamily="34" charset="0"/>
+                <a:sym typeface="Symbol" pitchFamily="-84" charset="2"/>
+              </a:rPr>
+              <a:t>0</a:t>
+            </a:r>
+            <a:r>
+              <a:rPr lang="en-US" sz="3200" b="1" dirty="0">
+                <a:latin typeface="Corbel" panose="020B0503020204020204" pitchFamily="34" charset="0"/>
+                <a:sym typeface="Symbol" pitchFamily="-84" charset="2"/>
+              </a:rPr>
+              <a:t> </a:t>
+            </a:r>
+            <a:endParaRPr lang="en-US" sz="3200" b="1" dirty="0">
+              <a:latin typeface="Corbel" panose="020B0503020204020204" pitchFamily="34" charset="0"/>
+            </a:endParaRPr>
           </a:p>
         </p:txBody>
       </p:sp>
@@ -4705,7 +4233,7 @@
 </p:sld>
 </file>
 
-<file path=ppt/slides/slide12.xml><?xml version="1.0" encoding="utf-8"?>
+<file path=ppt/slides/slide11.xml><?xml version="1.0" encoding="utf-8"?>
 <p:sld xmlns:a="http://schemas.openxmlformats.org/drawingml/2006/main" xmlns:r="http://schemas.openxmlformats.org/officeDocument/2006/relationships" xmlns:p="http://schemas.openxmlformats.org/presentationml/2006/main">
   <p:cSld>
     <p:spTree>
@@ -5401,6 +4929,639 @@
 </p:sld>
 </file>
 
+<file path=ppt/slides/slide12.xml><?xml version="1.0" encoding="utf-8"?>
+<p:sld xmlns:a="http://schemas.openxmlformats.org/drawingml/2006/main" xmlns:r="http://schemas.openxmlformats.org/officeDocument/2006/relationships" xmlns:p="http://schemas.openxmlformats.org/presentationml/2006/main">
+  <p:cSld>
+    <p:spTree>
+      <p:nvGrpSpPr>
+        <p:cNvPr id="1" name=""/>
+        <p:cNvGrpSpPr/>
+        <p:nvPr/>
+      </p:nvGrpSpPr>
+      <p:grpSpPr>
+        <a:xfrm>
+          <a:off x="0" y="0"/>
+          <a:ext cx="0" cy="0"/>
+          <a:chOff x="0" y="0"/>
+          <a:chExt cx="0" cy="0"/>
+        </a:xfrm>
+      </p:grpSpPr>
+      <p:sp>
+        <p:nvSpPr>
+          <p:cNvPr id="62466" name="Rectangle 2"/>
+          <p:cNvSpPr>
+            <a:spLocks noChangeArrowheads="1"/>
+          </p:cNvSpPr>
+          <p:nvPr/>
+        </p:nvSpPr>
+        <p:spPr bwMode="auto">
+          <a:xfrm>
+            <a:off x="5087997" y="205480"/>
+            <a:ext cx="1700337" cy="523220"/>
+          </a:xfrm>
+          <a:prstGeom prst="rect">
+            <a:avLst/>
+          </a:prstGeom>
+          <a:noFill/>
+          <a:ln w="9525">
+            <a:noFill/>
+            <a:miter lim="800000"/>
+            <a:headEnd/>
+            <a:tailEnd/>
+          </a:ln>
+        </p:spPr>
+        <p:txBody>
+          <a:bodyPr wrap="none">
+            <a:prstTxWarp prst="textNoShape">
+              <a:avLst/>
+            </a:prstTxWarp>
+            <a:spAutoFit/>
+          </a:bodyPr>
+          <a:lstStyle/>
+          <a:p>
+            <a:r>
+              <a:rPr lang="en-US" sz="2800" b="1" dirty="0">
+                <a:latin typeface="Corbel" panose="020B0503020204020204" pitchFamily="34" charset="0"/>
+              </a:rPr>
+              <a:t>Entropy S</a:t>
+            </a:r>
+          </a:p>
+        </p:txBody>
+      </p:sp>
+      <p:sp>
+        <p:nvSpPr>
+          <p:cNvPr id="62467" name="Line 3"/>
+          <p:cNvSpPr>
+            <a:spLocks noChangeShapeType="1"/>
+          </p:cNvSpPr>
+          <p:nvPr/>
+        </p:nvSpPr>
+        <p:spPr bwMode="auto">
+          <a:xfrm>
+            <a:off x="1524000" y="908720"/>
+            <a:ext cx="9144000" cy="0"/>
+          </a:xfrm>
+          <a:prstGeom prst="line">
+            <a:avLst/>
+          </a:prstGeom>
+          <a:noFill/>
+          <a:ln w="25400">
+            <a:solidFill>
+              <a:srgbClr val="800000"/>
+            </a:solidFill>
+            <a:round/>
+            <a:headEnd/>
+            <a:tailEnd/>
+          </a:ln>
+        </p:spPr>
+        <p:txBody>
+          <a:bodyPr wrap="none" anchor="ctr">
+            <a:prstTxWarp prst="textNoShape">
+              <a:avLst/>
+            </a:prstTxWarp>
+          </a:bodyPr>
+          <a:lstStyle/>
+          <a:p>
+            <a:endParaRPr lang="it-IT">
+              <a:latin typeface="Corbel" panose="020B0503020204020204" pitchFamily="34" charset="0"/>
+            </a:endParaRPr>
+          </a:p>
+        </p:txBody>
+      </p:sp>
+      <p:sp>
+        <p:nvSpPr>
+          <p:cNvPr id="62468" name="Rectangle 4"/>
+          <p:cNvSpPr>
+            <a:spLocks noChangeArrowheads="1"/>
+          </p:cNvSpPr>
+          <p:nvPr/>
+        </p:nvSpPr>
+        <p:spPr bwMode="auto">
+          <a:xfrm>
+            <a:off x="5029200" y="1066801"/>
+            <a:ext cx="1821332" cy="584775"/>
+          </a:xfrm>
+          <a:prstGeom prst="rect">
+            <a:avLst/>
+          </a:prstGeom>
+          <a:noFill/>
+          <a:ln w="9525">
+            <a:noFill/>
+            <a:miter lim="800000"/>
+            <a:headEnd/>
+            <a:tailEnd/>
+          </a:ln>
+        </p:spPr>
+        <p:txBody>
+          <a:bodyPr wrap="none">
+            <a:prstTxWarp prst="textNoShape">
+              <a:avLst/>
+            </a:prstTxWarp>
+            <a:spAutoFit/>
+          </a:bodyPr>
+          <a:lstStyle/>
+          <a:p>
+            <a:r>
+              <a:rPr lang="en-US" sz="3200" dirty="0">
+                <a:latin typeface="Corbel" panose="020B0503020204020204" pitchFamily="34" charset="0"/>
+              </a:rPr>
+              <a:t>S = </a:t>
+            </a:r>
+            <a:r>
+              <a:rPr lang="en-US" sz="3200" dirty="0" err="1">
+                <a:latin typeface="Corbel" panose="020B0503020204020204" pitchFamily="34" charset="0"/>
+              </a:rPr>
+              <a:t>k</a:t>
+            </a:r>
+            <a:r>
+              <a:rPr lang="en-US" sz="3200" baseline="-25000" dirty="0" err="1">
+                <a:latin typeface="Corbel" panose="020B0503020204020204" pitchFamily="34" charset="0"/>
+              </a:rPr>
+              <a:t>B</a:t>
+            </a:r>
+            <a:r>
+              <a:rPr lang="en-US" sz="3200" dirty="0">
+                <a:latin typeface="Corbel" panose="020B0503020204020204" pitchFamily="34" charset="0"/>
+              </a:rPr>
+              <a:t> </a:t>
+            </a:r>
+            <a:r>
+              <a:rPr lang="en-US" sz="3200" dirty="0" err="1">
+                <a:latin typeface="Corbel" panose="020B0503020204020204" pitchFamily="34" charset="0"/>
+              </a:rPr>
+              <a:t>ln</a:t>
+            </a:r>
+            <a:r>
+              <a:rPr lang="en-US" sz="3200" dirty="0">
+                <a:latin typeface="Corbel" panose="020B0503020204020204" pitchFamily="34" charset="0"/>
+                <a:sym typeface="Symbol" pitchFamily="-84" charset="2"/>
+              </a:rPr>
+              <a:t></a:t>
+            </a:r>
+            <a:endParaRPr lang="en-US" sz="3200" dirty="0">
+              <a:latin typeface="Corbel" panose="020B0503020204020204" pitchFamily="34" charset="0"/>
+            </a:endParaRPr>
+          </a:p>
+        </p:txBody>
+      </p:sp>
+      <p:sp>
+        <p:nvSpPr>
+          <p:cNvPr id="62469" name="Rectangle 5"/>
+          <p:cNvSpPr>
+            <a:spLocks noChangeArrowheads="1"/>
+          </p:cNvSpPr>
+          <p:nvPr/>
+        </p:nvSpPr>
+        <p:spPr bwMode="auto">
+          <a:xfrm>
+            <a:off x="1631504" y="1844825"/>
+            <a:ext cx="8515665" cy="461665"/>
+          </a:xfrm>
+          <a:prstGeom prst="rect">
+            <a:avLst/>
+          </a:prstGeom>
+          <a:noFill/>
+          <a:ln w="9525">
+            <a:noFill/>
+            <a:miter lim="800000"/>
+            <a:headEnd/>
+            <a:tailEnd/>
+          </a:ln>
+        </p:spPr>
+        <p:txBody>
+          <a:bodyPr wrap="none">
+            <a:prstTxWarp prst="textNoShape">
+              <a:avLst/>
+            </a:prstTxWarp>
+            <a:spAutoFit/>
+          </a:bodyPr>
+          <a:lstStyle/>
+          <a:p>
+            <a:r>
+              <a:rPr lang="en-US" sz="2400" dirty="0">
+                <a:latin typeface="Corbel" panose="020B0503020204020204" pitchFamily="34" charset="0"/>
+                <a:sym typeface="Symbol" pitchFamily="-84" charset="2"/>
+              </a:rPr>
+              <a:t> = number of possible configurations of the system (microstates)</a:t>
+            </a:r>
+          </a:p>
+        </p:txBody>
+      </p:sp>
+      <p:sp>
+        <p:nvSpPr>
+          <p:cNvPr id="62470" name="Rectangle 6"/>
+          <p:cNvSpPr>
+            <a:spLocks noChangeArrowheads="1"/>
+          </p:cNvSpPr>
+          <p:nvPr/>
+        </p:nvSpPr>
+        <p:spPr bwMode="auto">
+          <a:xfrm>
+            <a:off x="1184257" y="2683639"/>
+            <a:ext cx="9612923" cy="461665"/>
+          </a:xfrm>
+          <a:prstGeom prst="rect">
+            <a:avLst/>
+          </a:prstGeom>
+          <a:solidFill>
+            <a:srgbClr val="FFFF99"/>
+          </a:solidFill>
+          <a:ln w="9525">
+            <a:noFill/>
+            <a:miter lim="800000"/>
+            <a:headEnd/>
+            <a:tailEnd/>
+          </a:ln>
+        </p:spPr>
+        <p:txBody>
+          <a:bodyPr wrap="square">
+            <a:prstTxWarp prst="textNoShape">
+              <a:avLst/>
+            </a:prstTxWarp>
+            <a:spAutoFit/>
+          </a:bodyPr>
+          <a:lstStyle/>
+          <a:p>
+            <a:r>
+              <a:rPr lang="en-US" sz="2400" dirty="0">
+                <a:latin typeface="Corbel" panose="020B0503020204020204" pitchFamily="34" charset="0"/>
+              </a:rPr>
+              <a:t>The number of possible states is inversely proportional to the system order</a:t>
+            </a:r>
+          </a:p>
+        </p:txBody>
+      </p:sp>
+      <p:sp>
+        <p:nvSpPr>
+          <p:cNvPr id="62471" name="Rectangle 7"/>
+          <p:cNvSpPr>
+            <a:spLocks noChangeArrowheads="1"/>
+          </p:cNvSpPr>
+          <p:nvPr/>
+        </p:nvSpPr>
+        <p:spPr bwMode="auto">
+          <a:xfrm>
+            <a:off x="1151903" y="3597444"/>
+            <a:ext cx="9645277" cy="830997"/>
+          </a:xfrm>
+          <a:prstGeom prst="rect">
+            <a:avLst/>
+          </a:prstGeom>
+          <a:noFill/>
+          <a:ln w="9525">
+            <a:noFill/>
+            <a:miter lim="800000"/>
+            <a:headEnd/>
+            <a:tailEnd/>
+          </a:ln>
+        </p:spPr>
+        <p:txBody>
+          <a:bodyPr wrap="square">
+            <a:prstTxWarp prst="textNoShape">
+              <a:avLst/>
+            </a:prstTxWarp>
+            <a:spAutoFit/>
+          </a:bodyPr>
+          <a:lstStyle/>
+          <a:p>
+            <a:r>
+              <a:rPr lang="en-US" sz="2400" dirty="0">
+                <a:latin typeface="Corbel" panose="020B0503020204020204" pitchFamily="34" charset="0"/>
+              </a:rPr>
+              <a:t>In classic thermodynamics</a:t>
+            </a:r>
+            <a:r>
+              <a:rPr lang="en-US" sz="2400" u="sng" dirty="0">
+                <a:latin typeface="Corbel" panose="020B0503020204020204" pitchFamily="34" charset="0"/>
+              </a:rPr>
+              <a:t>, at constant temperature</a:t>
+            </a:r>
+            <a:r>
+              <a:rPr lang="en-US" sz="2400" dirty="0">
+                <a:latin typeface="Corbel" panose="020B0503020204020204" pitchFamily="34" charset="0"/>
+              </a:rPr>
+              <a:t>, entropy and enthalpy fulfill the following relation: </a:t>
+            </a:r>
+            <a:endParaRPr lang="en-US" sz="2400" b="1" dirty="0">
+              <a:latin typeface="Corbel" panose="020B0503020204020204" pitchFamily="34" charset="0"/>
+              <a:sym typeface="Symbol" pitchFamily="-84" charset="2"/>
+            </a:endParaRPr>
+          </a:p>
+        </p:txBody>
+      </p:sp>
+      <p:sp>
+        <p:nvSpPr>
+          <p:cNvPr id="62472" name="Rectangle 8"/>
+          <p:cNvSpPr>
+            <a:spLocks noChangeArrowheads="1"/>
+          </p:cNvSpPr>
+          <p:nvPr/>
+        </p:nvSpPr>
+        <p:spPr bwMode="auto">
+          <a:xfrm>
+            <a:off x="4511824" y="5229200"/>
+            <a:ext cx="1872208" cy="523220"/>
+          </a:xfrm>
+          <a:prstGeom prst="rect">
+            <a:avLst/>
+          </a:prstGeom>
+          <a:noFill/>
+          <a:ln w="9525">
+            <a:noFill/>
+            <a:miter lim="800000"/>
+            <a:headEnd/>
+            <a:tailEnd/>
+          </a:ln>
+        </p:spPr>
+        <p:txBody>
+          <a:bodyPr wrap="square">
+            <a:prstTxWarp prst="textNoShape">
+              <a:avLst/>
+            </a:prstTxWarp>
+            <a:spAutoFit/>
+          </a:bodyPr>
+          <a:lstStyle/>
+          <a:p>
+            <a:r>
+              <a:rPr lang="en-US" sz="2800" b="1" dirty="0">
+                <a:latin typeface="Corbel" panose="020B0503020204020204" pitchFamily="34" charset="0"/>
+                <a:sym typeface="Symbol" pitchFamily="-84" charset="2"/>
+              </a:rPr>
+              <a:t>S = 	       = </a:t>
+            </a:r>
+          </a:p>
+        </p:txBody>
+      </p:sp>
+      <p:sp>
+        <p:nvSpPr>
+          <p:cNvPr id="62473" name="Line 9"/>
+          <p:cNvSpPr>
+            <a:spLocks noChangeShapeType="1"/>
+          </p:cNvSpPr>
+          <p:nvPr/>
+        </p:nvSpPr>
+        <p:spPr bwMode="auto">
+          <a:xfrm>
+            <a:off x="6346497" y="5597163"/>
+            <a:ext cx="381000" cy="0"/>
+          </a:xfrm>
+          <a:prstGeom prst="line">
+            <a:avLst/>
+          </a:prstGeom>
+          <a:noFill/>
+          <a:ln w="19050">
+            <a:solidFill>
+              <a:schemeClr val="tx1"/>
+            </a:solidFill>
+            <a:round/>
+            <a:headEnd/>
+            <a:tailEnd/>
+          </a:ln>
+        </p:spPr>
+        <p:txBody>
+          <a:bodyPr wrap="none" anchor="ctr">
+            <a:prstTxWarp prst="textNoShape">
+              <a:avLst/>
+            </a:prstTxWarp>
+          </a:bodyPr>
+          <a:lstStyle/>
+          <a:p>
+            <a:endParaRPr lang="it-IT" sz="2800">
+              <a:latin typeface="Corbel" panose="020B0503020204020204" pitchFamily="34" charset="0"/>
+            </a:endParaRPr>
+          </a:p>
+        </p:txBody>
+      </p:sp>
+      <p:sp>
+        <p:nvSpPr>
+          <p:cNvPr id="62474" name="Rectangle 10"/>
+          <p:cNvSpPr>
+            <a:spLocks noChangeArrowheads="1"/>
+          </p:cNvSpPr>
+          <p:nvPr/>
+        </p:nvSpPr>
+        <p:spPr bwMode="auto">
+          <a:xfrm>
+            <a:off x="6357610" y="5517232"/>
+            <a:ext cx="389850" cy="523220"/>
+          </a:xfrm>
+          <a:prstGeom prst="rect">
+            <a:avLst/>
+          </a:prstGeom>
+          <a:noFill/>
+          <a:ln w="9525">
+            <a:noFill/>
+            <a:miter lim="800000"/>
+            <a:headEnd/>
+            <a:tailEnd/>
+          </a:ln>
+        </p:spPr>
+        <p:txBody>
+          <a:bodyPr wrap="none">
+            <a:prstTxWarp prst="textNoShape">
+              <a:avLst/>
+            </a:prstTxWarp>
+            <a:spAutoFit/>
+          </a:bodyPr>
+          <a:lstStyle/>
+          <a:p>
+            <a:r>
+              <a:rPr lang="en-US" sz="2800" b="1" dirty="0">
+                <a:latin typeface="Corbel" panose="020B0503020204020204" pitchFamily="34" charset="0"/>
+              </a:rPr>
+              <a:t>T</a:t>
+            </a:r>
+          </a:p>
+        </p:txBody>
+      </p:sp>
+      <p:sp>
+        <p:nvSpPr>
+          <p:cNvPr id="62475" name="Rectangle 11"/>
+          <p:cNvSpPr>
+            <a:spLocks noChangeArrowheads="1"/>
+          </p:cNvSpPr>
+          <p:nvPr/>
+        </p:nvSpPr>
+        <p:spPr bwMode="auto">
+          <a:xfrm>
+            <a:off x="6346216" y="5138064"/>
+            <a:ext cx="732573" cy="523220"/>
+          </a:xfrm>
+          <a:prstGeom prst="rect">
+            <a:avLst/>
+          </a:prstGeom>
+          <a:noFill/>
+          <a:ln w="9525">
+            <a:noFill/>
+            <a:miter lim="800000"/>
+            <a:headEnd/>
+            <a:tailEnd/>
+          </a:ln>
+        </p:spPr>
+        <p:txBody>
+          <a:bodyPr wrap="none">
+            <a:prstTxWarp prst="textNoShape">
+              <a:avLst/>
+            </a:prstTxWarp>
+            <a:spAutoFit/>
+          </a:bodyPr>
+          <a:lstStyle/>
+          <a:p>
+            <a:r>
+              <a:rPr lang="en-US" sz="2800" b="1" dirty="0">
+                <a:latin typeface="Corbel" panose="020B0503020204020204" pitchFamily="34" charset="0"/>
+                <a:sym typeface="Symbol" pitchFamily="-84" charset="2"/>
+              </a:rPr>
+              <a:t>Q</a:t>
+            </a:r>
+            <a:r>
+              <a:rPr lang="en-US" sz="2800" b="1" baseline="-25000" dirty="0">
+                <a:latin typeface="Corbel" panose="020B0503020204020204" pitchFamily="34" charset="0"/>
+                <a:sym typeface="Symbol" pitchFamily="-84" charset="2"/>
+              </a:rPr>
+              <a:t>(p)</a:t>
+            </a:r>
+          </a:p>
+        </p:txBody>
+      </p:sp>
+      <p:sp>
+        <p:nvSpPr>
+          <p:cNvPr id="62477" name="Rectangle 13"/>
+          <p:cNvSpPr>
+            <a:spLocks noChangeArrowheads="1"/>
+          </p:cNvSpPr>
+          <p:nvPr/>
+        </p:nvSpPr>
+        <p:spPr bwMode="auto">
+          <a:xfrm>
+            <a:off x="5360418" y="5135463"/>
+            <a:ext cx="654346" cy="523220"/>
+          </a:xfrm>
+          <a:prstGeom prst="rect">
+            <a:avLst/>
+          </a:prstGeom>
+          <a:noFill/>
+          <a:ln w="9525">
+            <a:noFill/>
+            <a:miter lim="800000"/>
+            <a:headEnd/>
+            <a:tailEnd/>
+          </a:ln>
+        </p:spPr>
+        <p:txBody>
+          <a:bodyPr wrap="none">
+            <a:prstTxWarp prst="textNoShape">
+              <a:avLst/>
+            </a:prstTxWarp>
+            <a:spAutoFit/>
+          </a:bodyPr>
+          <a:lstStyle/>
+          <a:p>
+            <a:r>
+              <a:rPr lang="en-US" sz="2800" b="1" dirty="0">
+                <a:latin typeface="Corbel" panose="020B0503020204020204" pitchFamily="34" charset="0"/>
+                <a:sym typeface="Symbol" pitchFamily="-84" charset="2"/>
+              </a:rPr>
+              <a:t>H</a:t>
+            </a:r>
+          </a:p>
+        </p:txBody>
+      </p:sp>
+      <p:sp>
+        <p:nvSpPr>
+          <p:cNvPr id="62478" name="Rectangle 14"/>
+          <p:cNvSpPr>
+            <a:spLocks noChangeArrowheads="1"/>
+          </p:cNvSpPr>
+          <p:nvPr/>
+        </p:nvSpPr>
+        <p:spPr bwMode="auto">
+          <a:xfrm>
+            <a:off x="5481067" y="5497413"/>
+            <a:ext cx="389850" cy="523220"/>
+          </a:xfrm>
+          <a:prstGeom prst="rect">
+            <a:avLst/>
+          </a:prstGeom>
+          <a:noFill/>
+          <a:ln w="9525">
+            <a:noFill/>
+            <a:miter lim="800000"/>
+            <a:headEnd/>
+            <a:tailEnd/>
+          </a:ln>
+        </p:spPr>
+        <p:txBody>
+          <a:bodyPr wrap="none">
+            <a:prstTxWarp prst="textNoShape">
+              <a:avLst/>
+            </a:prstTxWarp>
+            <a:spAutoFit/>
+          </a:bodyPr>
+          <a:lstStyle/>
+          <a:p>
+            <a:r>
+              <a:rPr lang="en-US" sz="2800" b="1" dirty="0">
+                <a:latin typeface="Corbel" panose="020B0503020204020204" pitchFamily="34" charset="0"/>
+              </a:rPr>
+              <a:t>T</a:t>
+            </a:r>
+          </a:p>
+        </p:txBody>
+      </p:sp>
+      <p:sp>
+        <p:nvSpPr>
+          <p:cNvPr id="62479" name="Line 15"/>
+          <p:cNvSpPr>
+            <a:spLocks noChangeShapeType="1"/>
+          </p:cNvSpPr>
+          <p:nvPr/>
+        </p:nvSpPr>
+        <p:spPr bwMode="auto">
+          <a:xfrm>
+            <a:off x="5460430" y="5589240"/>
+            <a:ext cx="381000" cy="0"/>
+          </a:xfrm>
+          <a:prstGeom prst="line">
+            <a:avLst/>
+          </a:prstGeom>
+          <a:noFill/>
+          <a:ln w="19050">
+            <a:solidFill>
+              <a:schemeClr val="tx1"/>
+            </a:solidFill>
+            <a:round/>
+            <a:headEnd/>
+            <a:tailEnd/>
+          </a:ln>
+        </p:spPr>
+        <p:txBody>
+          <a:bodyPr wrap="none" anchor="ctr">
+            <a:prstTxWarp prst="textNoShape">
+              <a:avLst/>
+            </a:prstTxWarp>
+          </a:bodyPr>
+          <a:lstStyle/>
+          <a:p>
+            <a:endParaRPr lang="it-IT" sz="2800">
+              <a:latin typeface="Corbel" panose="020B0503020204020204" pitchFamily="34" charset="0"/>
+            </a:endParaRPr>
+          </a:p>
+        </p:txBody>
+      </p:sp>
+    </p:spTree>
+    <p:extLst>
+      <p:ext uri="{BB962C8B-B14F-4D97-AF65-F5344CB8AC3E}">
+        <p14:creationId xmlns:p14="http://schemas.microsoft.com/office/powerpoint/2010/main" val="1468507585"/>
+      </p:ext>
+    </p:extLst>
+  </p:cSld>
+  <p:clrMapOvr>
+    <a:masterClrMapping/>
+  </p:clrMapOvr>
+</p:sld>
+</file>
+
 <file path=ppt/slides/slide13.xml><?xml version="1.0" encoding="utf-8"?>
 <p:sld xmlns:a="http://schemas.openxmlformats.org/drawingml/2006/main" xmlns:r="http://schemas.openxmlformats.org/officeDocument/2006/relationships" xmlns:p="http://schemas.openxmlformats.org/presentationml/2006/main">
   <p:cSld>
@@ -5420,7 +5581,7 @@
       </p:grpSpPr>
       <p:sp>
         <p:nvSpPr>
-          <p:cNvPr id="62466" name="Rectangle 2"/>
+          <p:cNvPr id="63490" name="Rectangle 2"/>
           <p:cNvSpPr>
             <a:spLocks noChangeArrowheads="1"/>
           </p:cNvSpPr>
@@ -5428,8 +5589,8 @@
         </p:nvSpPr>
         <p:spPr bwMode="auto">
           <a:xfrm>
-            <a:off x="5257801" y="241484"/>
-            <a:ext cx="1601721" cy="523220"/>
+            <a:off x="2514600" y="2514601"/>
+            <a:ext cx="6219972" cy="1200329"/>
           </a:xfrm>
           <a:prstGeom prst="rect">
             <a:avLst/>
@@ -5452,62 +5613,101 @@
           <a:lstStyle/>
           <a:p>
             <a:r>
-              <a:rPr lang="en-US" sz="2800" b="1" dirty="0"/>
-              <a:t>Entropy S</a:t>
-            </a:r>
-          </a:p>
-        </p:txBody>
-      </p:sp>
-      <p:sp>
-        <p:nvSpPr>
-          <p:cNvPr id="62467" name="Line 3"/>
-          <p:cNvSpPr>
-            <a:spLocks noChangeShapeType="1"/>
+              <a:rPr lang="en-US" sz="2400" dirty="0">
+                <a:latin typeface="Corbel" panose="020B0503020204020204" pitchFamily="34" charset="0"/>
+                <a:sym typeface="Symbol" pitchFamily="-84" charset="2"/>
+              </a:rPr>
+              <a:t>G = 0 at the equilibrium</a:t>
+            </a:r>
+          </a:p>
+          <a:p>
+            <a:r>
+              <a:rPr lang="en-US" sz="2400" dirty="0">
+                <a:latin typeface="Corbel" panose="020B0503020204020204" pitchFamily="34" charset="0"/>
+                <a:sym typeface="Symbol" pitchFamily="-84" charset="2"/>
+              </a:rPr>
+              <a:t>G &gt; 0 </a:t>
+            </a:r>
+            <a:r>
+              <a:rPr lang="en-US" sz="2400" b="1" dirty="0">
+                <a:latin typeface="Corbel" panose="020B0503020204020204" pitchFamily="34" charset="0"/>
+                <a:sym typeface="Symbol" pitchFamily="-84" charset="2"/>
+              </a:rPr>
+              <a:t>endergonic </a:t>
+            </a:r>
+            <a:r>
+              <a:rPr lang="en-US" sz="2400" dirty="0">
+                <a:latin typeface="Corbel" panose="020B0503020204020204" pitchFamily="34" charset="0"/>
+                <a:sym typeface="Symbol" pitchFamily="-84" charset="2"/>
+              </a:rPr>
+              <a:t>processes</a:t>
+            </a:r>
+            <a:r>
+              <a:rPr lang="en-US" sz="2400" b="1" dirty="0">
+                <a:latin typeface="Corbel" panose="020B0503020204020204" pitchFamily="34" charset="0"/>
+                <a:sym typeface="Symbol" pitchFamily="-84" charset="2"/>
+              </a:rPr>
+              <a:t> </a:t>
+            </a:r>
+            <a:r>
+              <a:rPr lang="en-US" sz="2400" dirty="0">
+                <a:latin typeface="Corbel" panose="020B0503020204020204" pitchFamily="34" charset="0"/>
+                <a:sym typeface="Symbol" pitchFamily="-84" charset="2"/>
+              </a:rPr>
+              <a:t>(requiring energy)</a:t>
+            </a:r>
+          </a:p>
+          <a:p>
+            <a:r>
+              <a:rPr lang="en-US" sz="2400" dirty="0">
+                <a:latin typeface="Corbel" panose="020B0503020204020204" pitchFamily="34" charset="0"/>
+                <a:sym typeface="Symbol" pitchFamily="-84" charset="2"/>
+              </a:rPr>
+              <a:t>G &lt; 0 </a:t>
+            </a:r>
+            <a:r>
+              <a:rPr lang="en-US" sz="2400" b="1" dirty="0">
+                <a:latin typeface="Corbel" panose="020B0503020204020204" pitchFamily="34" charset="0"/>
+                <a:sym typeface="Symbol" pitchFamily="-84" charset="2"/>
+              </a:rPr>
+              <a:t>exergonic </a:t>
+            </a:r>
+            <a:r>
+              <a:rPr lang="en-US" sz="2400" dirty="0">
+                <a:latin typeface="Corbel" panose="020B0503020204020204" pitchFamily="34" charset="0"/>
+                <a:sym typeface="Symbol" pitchFamily="-84" charset="2"/>
+              </a:rPr>
+              <a:t>processes</a:t>
+            </a:r>
+            <a:r>
+              <a:rPr lang="en-US" sz="2400" b="1" dirty="0">
+                <a:latin typeface="Corbel" panose="020B0503020204020204" pitchFamily="34" charset="0"/>
+                <a:sym typeface="Symbol" pitchFamily="-84" charset="2"/>
+              </a:rPr>
+              <a:t> </a:t>
+            </a:r>
+            <a:r>
+              <a:rPr lang="en-US" sz="2400" dirty="0">
+                <a:latin typeface="Corbel" panose="020B0503020204020204" pitchFamily="34" charset="0"/>
+                <a:sym typeface="Symbol" pitchFamily="-84" charset="2"/>
+              </a:rPr>
+              <a:t>(releasing energy)</a:t>
+            </a:r>
+          </a:p>
+        </p:txBody>
+      </p:sp>
+      <p:sp>
+        <p:nvSpPr>
+          <p:cNvPr id="5" name="Rectangle 4"/>
+          <p:cNvSpPr>
+            <a:spLocks noChangeArrowheads="1"/>
           </p:cNvSpPr>
           <p:nvPr/>
         </p:nvSpPr>
         <p:spPr bwMode="auto">
           <a:xfrm>
-            <a:off x="1524000" y="908720"/>
-            <a:ext cx="9144000" cy="0"/>
-          </a:xfrm>
-          <a:prstGeom prst="line">
-            <a:avLst/>
-          </a:prstGeom>
-          <a:noFill/>
-          <a:ln w="25400">
-            <a:solidFill>
-              <a:srgbClr val="800000"/>
-            </a:solidFill>
-            <a:round/>
-            <a:headEnd/>
-            <a:tailEnd/>
-          </a:ln>
-        </p:spPr>
-        <p:txBody>
-          <a:bodyPr wrap="none" anchor="ctr">
-            <a:prstTxWarp prst="textNoShape">
-              <a:avLst/>
-            </a:prstTxWarp>
-          </a:bodyPr>
-          <a:lstStyle/>
-          <a:p>
-            <a:endParaRPr lang="it-IT"/>
-          </a:p>
-        </p:txBody>
-      </p:sp>
-      <p:sp>
-        <p:nvSpPr>
-          <p:cNvPr id="62468" name="Rectangle 4"/>
-          <p:cNvSpPr>
-            <a:spLocks noChangeArrowheads="1"/>
-          </p:cNvSpPr>
-          <p:nvPr/>
-        </p:nvSpPr>
-        <p:spPr bwMode="auto">
-          <a:xfrm>
-            <a:off x="5029200" y="1066801"/>
-            <a:ext cx="1786066" cy="584775"/>
+            <a:off x="1777125" y="1428023"/>
+            <a:ext cx="8637749" cy="584775"/>
           </a:xfrm>
           <a:prstGeom prst="rect">
             <a:avLst/>
@@ -5530,38 +5730,17 @@
           <a:lstStyle/>
           <a:p>
             <a:r>
-              <a:rPr lang="en-US" sz="3200" dirty="0"/>
-              <a:t>S = </a:t>
-            </a:r>
-            <a:r>
-              <a:rPr lang="en-US" sz="3200" dirty="0" err="1"/>
-              <a:t>k</a:t>
-            </a:r>
-            <a:r>
-              <a:rPr lang="en-US" sz="3200" baseline="-25000" dirty="0" err="1"/>
-              <a:t>B</a:t>
-            </a:r>
-            <a:r>
-              <a:rPr lang="en-US" sz="3200" dirty="0"/>
-              <a:t> </a:t>
-            </a:r>
-            <a:r>
-              <a:rPr lang="en-US" sz="3200" dirty="0" err="1"/>
-              <a:t>ln</a:t>
-            </a:r>
-            <a:r>
               <a:rPr lang="en-US" sz="3200" dirty="0">
-                <a:sym typeface="Symbol" pitchFamily="-84" charset="2"/>
-              </a:rPr>
-              <a:t></a:t>
-            </a:r>
-            <a:endParaRPr lang="en-US" sz="3200" dirty="0"/>
-          </a:p>
-        </p:txBody>
-      </p:sp>
-      <p:sp>
-        <p:nvSpPr>
-          <p:cNvPr id="62469" name="Rectangle 5"/>
+                <a:latin typeface="Corbel" panose="020B0503020204020204" pitchFamily="34" charset="0"/>
+              </a:rPr>
+              <a:t>Changes of G determine the direction of a process:</a:t>
+            </a:r>
+          </a:p>
+        </p:txBody>
+      </p:sp>
+      <p:sp>
+        <p:nvSpPr>
+          <p:cNvPr id="6" name="Rectangle 3"/>
           <p:cNvSpPr>
             <a:spLocks noChangeArrowheads="1"/>
           </p:cNvSpPr>
@@ -5569,607 +5748,8 @@
         </p:nvSpPr>
         <p:spPr bwMode="auto">
           <a:xfrm>
-            <a:off x="1631504" y="1844825"/>
-            <a:ext cx="8394542" cy="461665"/>
-          </a:xfrm>
-          <a:prstGeom prst="rect">
-            <a:avLst/>
-          </a:prstGeom>
-          <a:noFill/>
-          <a:ln w="9525">
-            <a:noFill/>
-            <a:miter lim="800000"/>
-            <a:headEnd/>
-            <a:tailEnd/>
-          </a:ln>
-        </p:spPr>
-        <p:txBody>
-          <a:bodyPr wrap="none">
-            <a:prstTxWarp prst="textNoShape">
-              <a:avLst/>
-            </a:prstTxWarp>
-            <a:spAutoFit/>
-          </a:bodyPr>
-          <a:lstStyle/>
-          <a:p>
-            <a:r>
-              <a:rPr lang="en-US" sz="2400" dirty="0">
-                <a:sym typeface="Symbol" pitchFamily="-84" charset="2"/>
-              </a:rPr>
-              <a:t> = number of possible configurations of the system (microstates)</a:t>
-            </a:r>
-          </a:p>
-        </p:txBody>
-      </p:sp>
-      <p:sp>
-        <p:nvSpPr>
-          <p:cNvPr id="62470" name="Rectangle 6"/>
-          <p:cNvSpPr>
-            <a:spLocks noChangeArrowheads="1"/>
-          </p:cNvSpPr>
-          <p:nvPr/>
-        </p:nvSpPr>
-        <p:spPr bwMode="auto">
-          <a:xfrm>
-            <a:off x="2135560" y="2636913"/>
-            <a:ext cx="7920880" cy="830997"/>
-          </a:xfrm>
-          <a:prstGeom prst="rect">
-            <a:avLst/>
-          </a:prstGeom>
-          <a:solidFill>
-            <a:srgbClr val="FFFF99"/>
-          </a:solidFill>
-          <a:ln w="9525">
-            <a:noFill/>
-            <a:miter lim="800000"/>
-            <a:headEnd/>
-            <a:tailEnd/>
-          </a:ln>
-        </p:spPr>
-        <p:txBody>
-          <a:bodyPr wrap="square">
-            <a:prstTxWarp prst="textNoShape">
-              <a:avLst/>
-            </a:prstTxWarp>
-            <a:spAutoFit/>
-          </a:bodyPr>
-          <a:lstStyle/>
-          <a:p>
-            <a:r>
-              <a:rPr lang="en-US" sz="2400" dirty="0"/>
-              <a:t>The number of possible states is inversely proportional to the system order</a:t>
-            </a:r>
-          </a:p>
-        </p:txBody>
-      </p:sp>
-      <p:sp>
-        <p:nvSpPr>
-          <p:cNvPr id="62471" name="Rectangle 7"/>
-          <p:cNvSpPr>
-            <a:spLocks noChangeArrowheads="1"/>
-          </p:cNvSpPr>
-          <p:nvPr/>
-        </p:nvSpPr>
-        <p:spPr bwMode="auto">
-          <a:xfrm>
-            <a:off x="2286000" y="3883026"/>
-            <a:ext cx="7772400" cy="830997"/>
-          </a:xfrm>
-          <a:prstGeom prst="rect">
-            <a:avLst/>
-          </a:prstGeom>
-          <a:noFill/>
-          <a:ln w="9525">
-            <a:noFill/>
-            <a:miter lim="800000"/>
-            <a:headEnd/>
-            <a:tailEnd/>
-          </a:ln>
-        </p:spPr>
-        <p:txBody>
-          <a:bodyPr>
-            <a:prstTxWarp prst="textNoShape">
-              <a:avLst/>
-            </a:prstTxWarp>
-            <a:spAutoFit/>
-          </a:bodyPr>
-          <a:lstStyle/>
-          <a:p>
-            <a:r>
-              <a:rPr lang="en-US" sz="2400" dirty="0"/>
-              <a:t>In classic thermodynamics</a:t>
-            </a:r>
-            <a:r>
-              <a:rPr lang="en-US" sz="2400" u="sng" dirty="0"/>
-              <a:t>, at constant temperature</a:t>
-            </a:r>
-            <a:r>
-              <a:rPr lang="en-US" sz="2400" dirty="0"/>
-              <a:t>, entropy and enthalpy fulfill the following relation: </a:t>
-            </a:r>
-            <a:endParaRPr lang="en-US" sz="2400" b="1" dirty="0">
-              <a:sym typeface="Symbol" pitchFamily="-84" charset="2"/>
-            </a:endParaRPr>
-          </a:p>
-        </p:txBody>
-      </p:sp>
-      <p:sp>
-        <p:nvSpPr>
-          <p:cNvPr id="62472" name="Rectangle 8"/>
-          <p:cNvSpPr>
-            <a:spLocks noChangeArrowheads="1"/>
-          </p:cNvSpPr>
-          <p:nvPr/>
-        </p:nvSpPr>
-        <p:spPr bwMode="auto">
-          <a:xfrm>
-            <a:off x="4511824" y="5229200"/>
-            <a:ext cx="1872208" cy="523220"/>
-          </a:xfrm>
-          <a:prstGeom prst="rect">
-            <a:avLst/>
-          </a:prstGeom>
-          <a:noFill/>
-          <a:ln w="9525">
-            <a:noFill/>
-            <a:miter lim="800000"/>
-            <a:headEnd/>
-            <a:tailEnd/>
-          </a:ln>
-        </p:spPr>
-        <p:txBody>
-          <a:bodyPr wrap="square">
-            <a:prstTxWarp prst="textNoShape">
-              <a:avLst/>
-            </a:prstTxWarp>
-            <a:spAutoFit/>
-          </a:bodyPr>
-          <a:lstStyle/>
-          <a:p>
-            <a:r>
-              <a:rPr lang="en-US" sz="2800" b="1" dirty="0">
-                <a:sym typeface="Symbol" pitchFamily="-84" charset="2"/>
-              </a:rPr>
-              <a:t>S = 	     = </a:t>
-            </a:r>
-          </a:p>
-        </p:txBody>
-      </p:sp>
-      <p:sp>
-        <p:nvSpPr>
-          <p:cNvPr id="62473" name="Line 9"/>
-          <p:cNvSpPr>
-            <a:spLocks noChangeShapeType="1"/>
-          </p:cNvSpPr>
-          <p:nvPr/>
-        </p:nvSpPr>
-        <p:spPr bwMode="auto">
-          <a:xfrm>
-            <a:off x="6346497" y="5597163"/>
-            <a:ext cx="381000" cy="0"/>
-          </a:xfrm>
-          <a:prstGeom prst="line">
-            <a:avLst/>
-          </a:prstGeom>
-          <a:noFill/>
-          <a:ln w="19050">
-            <a:solidFill>
-              <a:schemeClr val="tx1"/>
-            </a:solidFill>
-            <a:round/>
-            <a:headEnd/>
-            <a:tailEnd/>
-          </a:ln>
-        </p:spPr>
-        <p:txBody>
-          <a:bodyPr wrap="none" anchor="ctr">
-            <a:prstTxWarp prst="textNoShape">
-              <a:avLst/>
-            </a:prstTxWarp>
-          </a:bodyPr>
-          <a:lstStyle/>
-          <a:p>
-            <a:endParaRPr lang="it-IT" sz="2800"/>
-          </a:p>
-        </p:txBody>
-      </p:sp>
-      <p:sp>
-        <p:nvSpPr>
-          <p:cNvPr id="62474" name="Rectangle 10"/>
-          <p:cNvSpPr>
-            <a:spLocks noChangeArrowheads="1"/>
-          </p:cNvSpPr>
-          <p:nvPr/>
-        </p:nvSpPr>
-        <p:spPr bwMode="auto">
-          <a:xfrm>
-            <a:off x="6357610" y="5517232"/>
-            <a:ext cx="362600" cy="523220"/>
-          </a:xfrm>
-          <a:prstGeom prst="rect">
-            <a:avLst/>
-          </a:prstGeom>
-          <a:noFill/>
-          <a:ln w="9525">
-            <a:noFill/>
-            <a:miter lim="800000"/>
-            <a:headEnd/>
-            <a:tailEnd/>
-          </a:ln>
-        </p:spPr>
-        <p:txBody>
-          <a:bodyPr wrap="none">
-            <a:prstTxWarp prst="textNoShape">
-              <a:avLst/>
-            </a:prstTxWarp>
-            <a:spAutoFit/>
-          </a:bodyPr>
-          <a:lstStyle/>
-          <a:p>
-            <a:r>
-              <a:rPr lang="en-US" sz="2800" b="1" dirty="0"/>
-              <a:t>T</a:t>
-            </a:r>
-          </a:p>
-        </p:txBody>
-      </p:sp>
-      <p:sp>
-        <p:nvSpPr>
-          <p:cNvPr id="62475" name="Rectangle 11"/>
-          <p:cNvSpPr>
-            <a:spLocks noChangeArrowheads="1"/>
-          </p:cNvSpPr>
-          <p:nvPr/>
-        </p:nvSpPr>
-        <p:spPr bwMode="auto">
-          <a:xfrm>
-            <a:off x="6334493" y="5091172"/>
-            <a:ext cx="710451" cy="523220"/>
-          </a:xfrm>
-          <a:prstGeom prst="rect">
-            <a:avLst/>
-          </a:prstGeom>
-          <a:noFill/>
-          <a:ln w="9525">
-            <a:noFill/>
-            <a:miter lim="800000"/>
-            <a:headEnd/>
-            <a:tailEnd/>
-          </a:ln>
-        </p:spPr>
-        <p:txBody>
-          <a:bodyPr wrap="none">
-            <a:prstTxWarp prst="textNoShape">
-              <a:avLst/>
-            </a:prstTxWarp>
-            <a:spAutoFit/>
-          </a:bodyPr>
-          <a:lstStyle/>
-          <a:p>
-            <a:r>
-              <a:rPr lang="en-US" sz="2800" b="1" dirty="0">
-                <a:sym typeface="Symbol" pitchFamily="-84" charset="2"/>
-              </a:rPr>
-              <a:t>Q</a:t>
-            </a:r>
-            <a:r>
-              <a:rPr lang="en-US" sz="2800" b="1" baseline="-25000" dirty="0">
-                <a:sym typeface="Symbol" pitchFamily="-84" charset="2"/>
-              </a:rPr>
-              <a:t>(p)</a:t>
-            </a:r>
-          </a:p>
-        </p:txBody>
-      </p:sp>
-      <p:sp>
-        <p:nvSpPr>
-          <p:cNvPr id="62477" name="Rectangle 13"/>
-          <p:cNvSpPr>
-            <a:spLocks noChangeArrowheads="1"/>
-          </p:cNvSpPr>
-          <p:nvPr/>
-        </p:nvSpPr>
-        <p:spPr bwMode="auto">
-          <a:xfrm>
-            <a:off x="5360418" y="5135463"/>
-            <a:ext cx="630301" cy="523220"/>
-          </a:xfrm>
-          <a:prstGeom prst="rect">
-            <a:avLst/>
-          </a:prstGeom>
-          <a:noFill/>
-          <a:ln w="9525">
-            <a:noFill/>
-            <a:miter lim="800000"/>
-            <a:headEnd/>
-            <a:tailEnd/>
-          </a:ln>
-        </p:spPr>
-        <p:txBody>
-          <a:bodyPr wrap="none">
-            <a:prstTxWarp prst="textNoShape">
-              <a:avLst/>
-            </a:prstTxWarp>
-            <a:spAutoFit/>
-          </a:bodyPr>
-          <a:lstStyle/>
-          <a:p>
-            <a:r>
-              <a:rPr lang="en-US" sz="2800" b="1" dirty="0">
-                <a:sym typeface="Symbol" pitchFamily="-84" charset="2"/>
-              </a:rPr>
-              <a:t>H</a:t>
-            </a:r>
-          </a:p>
-        </p:txBody>
-      </p:sp>
-      <p:sp>
-        <p:nvSpPr>
-          <p:cNvPr id="62478" name="Rectangle 14"/>
-          <p:cNvSpPr>
-            <a:spLocks noChangeArrowheads="1"/>
-          </p:cNvSpPr>
-          <p:nvPr/>
-        </p:nvSpPr>
-        <p:spPr bwMode="auto">
-          <a:xfrm>
-            <a:off x="5481067" y="5497413"/>
-            <a:ext cx="362600" cy="523220"/>
-          </a:xfrm>
-          <a:prstGeom prst="rect">
-            <a:avLst/>
-          </a:prstGeom>
-          <a:noFill/>
-          <a:ln w="9525">
-            <a:noFill/>
-            <a:miter lim="800000"/>
-            <a:headEnd/>
-            <a:tailEnd/>
-          </a:ln>
-        </p:spPr>
-        <p:txBody>
-          <a:bodyPr wrap="none">
-            <a:prstTxWarp prst="textNoShape">
-              <a:avLst/>
-            </a:prstTxWarp>
-            <a:spAutoFit/>
-          </a:bodyPr>
-          <a:lstStyle/>
-          <a:p>
-            <a:r>
-              <a:rPr lang="en-US" sz="2800" b="1" dirty="0"/>
-              <a:t>T</a:t>
-            </a:r>
-          </a:p>
-        </p:txBody>
-      </p:sp>
-      <p:sp>
-        <p:nvSpPr>
-          <p:cNvPr id="62479" name="Line 15"/>
-          <p:cNvSpPr>
-            <a:spLocks noChangeShapeType="1"/>
-          </p:cNvSpPr>
-          <p:nvPr/>
-        </p:nvSpPr>
-        <p:spPr bwMode="auto">
-          <a:xfrm>
-            <a:off x="5460430" y="5589240"/>
-            <a:ext cx="381000" cy="0"/>
-          </a:xfrm>
-          <a:prstGeom prst="line">
-            <a:avLst/>
-          </a:prstGeom>
-          <a:noFill/>
-          <a:ln w="19050">
-            <a:solidFill>
-              <a:schemeClr val="tx1"/>
-            </a:solidFill>
-            <a:round/>
-            <a:headEnd/>
-            <a:tailEnd/>
-          </a:ln>
-        </p:spPr>
-        <p:txBody>
-          <a:bodyPr wrap="none" anchor="ctr">
-            <a:prstTxWarp prst="textNoShape">
-              <a:avLst/>
-            </a:prstTxWarp>
-          </a:bodyPr>
-          <a:lstStyle/>
-          <a:p>
-            <a:endParaRPr lang="it-IT" sz="2800"/>
-          </a:p>
-        </p:txBody>
-      </p:sp>
-    </p:spTree>
-    <p:extLst>
-      <p:ext uri="{BB962C8B-B14F-4D97-AF65-F5344CB8AC3E}">
-        <p14:creationId xmlns:p14="http://schemas.microsoft.com/office/powerpoint/2010/main" val="1468507585"/>
-      </p:ext>
-    </p:extLst>
-  </p:cSld>
-  <p:clrMapOvr>
-    <a:masterClrMapping/>
-  </p:clrMapOvr>
-</p:sld>
-</file>
-
-<file path=ppt/slides/slide14.xml><?xml version="1.0" encoding="utf-8"?>
-<p:sld xmlns:a="http://schemas.openxmlformats.org/drawingml/2006/main" xmlns:r="http://schemas.openxmlformats.org/officeDocument/2006/relationships" xmlns:p="http://schemas.openxmlformats.org/presentationml/2006/main">
-  <p:cSld>
-    <p:spTree>
-      <p:nvGrpSpPr>
-        <p:cNvPr id="1" name=""/>
-        <p:cNvGrpSpPr/>
-        <p:nvPr/>
-      </p:nvGrpSpPr>
-      <p:grpSpPr>
-        <a:xfrm>
-          <a:off x="0" y="0"/>
-          <a:ext cx="0" cy="0"/>
-          <a:chOff x="0" y="0"/>
-          <a:chExt cx="0" cy="0"/>
-        </a:xfrm>
-      </p:grpSpPr>
-      <p:sp>
-        <p:nvSpPr>
-          <p:cNvPr id="63490" name="Rectangle 2"/>
-          <p:cNvSpPr>
-            <a:spLocks noChangeArrowheads="1"/>
-          </p:cNvSpPr>
-          <p:nvPr/>
-        </p:nvSpPr>
-        <p:spPr bwMode="auto">
-          <a:xfrm>
-            <a:off x="2514600" y="2514601"/>
-            <a:ext cx="6115200" cy="1200329"/>
-          </a:xfrm>
-          <a:prstGeom prst="rect">
-            <a:avLst/>
-          </a:prstGeom>
-          <a:noFill/>
-          <a:ln w="9525">
-            <a:noFill/>
-            <a:miter lim="800000"/>
-            <a:headEnd/>
-            <a:tailEnd/>
-          </a:ln>
-        </p:spPr>
-        <p:txBody>
-          <a:bodyPr wrap="none">
-            <a:prstTxWarp prst="textNoShape">
-              <a:avLst/>
-            </a:prstTxWarp>
-            <a:spAutoFit/>
-          </a:bodyPr>
-          <a:lstStyle/>
-          <a:p>
-            <a:r>
-              <a:rPr lang="en-US" sz="2400" dirty="0">
-                <a:sym typeface="Symbol" pitchFamily="-84" charset="2"/>
-              </a:rPr>
-              <a:t>G = 0 at the equilibrium</a:t>
-            </a:r>
-          </a:p>
-          <a:p>
-            <a:r>
-              <a:rPr lang="en-US" sz="2400" dirty="0">
-                <a:sym typeface="Symbol" pitchFamily="-84" charset="2"/>
-              </a:rPr>
-              <a:t>G &gt; 0 </a:t>
-            </a:r>
-            <a:r>
-              <a:rPr lang="en-US" sz="2400" b="1" dirty="0">
-                <a:sym typeface="Symbol" pitchFamily="-84" charset="2"/>
-              </a:rPr>
-              <a:t>endergonic </a:t>
-            </a:r>
-            <a:r>
-              <a:rPr lang="en-US" sz="2400" dirty="0">
-                <a:sym typeface="Symbol" pitchFamily="-84" charset="2"/>
-              </a:rPr>
-              <a:t>processes</a:t>
-            </a:r>
-            <a:r>
-              <a:rPr lang="en-US" sz="2400" b="1" dirty="0">
-                <a:sym typeface="Symbol" pitchFamily="-84" charset="2"/>
-              </a:rPr>
-              <a:t> </a:t>
-            </a:r>
-            <a:r>
-              <a:rPr lang="en-US" sz="2400" dirty="0">
-                <a:sym typeface="Symbol" pitchFamily="-84" charset="2"/>
-              </a:rPr>
-              <a:t>(requiring energy)</a:t>
-            </a:r>
-          </a:p>
-          <a:p>
-            <a:r>
-              <a:rPr lang="en-US" sz="2400" dirty="0">
-                <a:sym typeface="Symbol" pitchFamily="-84" charset="2"/>
-              </a:rPr>
-              <a:t>G &lt; 0 </a:t>
-            </a:r>
-            <a:r>
-              <a:rPr lang="en-US" sz="2400" b="1" dirty="0">
-                <a:sym typeface="Symbol" pitchFamily="-84" charset="2"/>
-              </a:rPr>
-              <a:t>exergonic </a:t>
-            </a:r>
-            <a:r>
-              <a:rPr lang="en-US" sz="2400" dirty="0">
-                <a:sym typeface="Symbol" pitchFamily="-84" charset="2"/>
-              </a:rPr>
-              <a:t>processes</a:t>
-            </a:r>
-            <a:r>
-              <a:rPr lang="en-US" sz="2400" b="1" dirty="0">
-                <a:sym typeface="Symbol" pitchFamily="-84" charset="2"/>
-              </a:rPr>
-              <a:t> </a:t>
-            </a:r>
-            <a:r>
-              <a:rPr lang="en-US" sz="2400" dirty="0">
-                <a:sym typeface="Symbol" pitchFamily="-84" charset="2"/>
-              </a:rPr>
-              <a:t>(releasing energy)</a:t>
-            </a:r>
-          </a:p>
-        </p:txBody>
-      </p:sp>
-      <p:sp>
-        <p:nvSpPr>
-          <p:cNvPr id="5" name="Rectangle 4"/>
-          <p:cNvSpPr>
-            <a:spLocks noChangeArrowheads="1"/>
-          </p:cNvSpPr>
-          <p:nvPr/>
-        </p:nvSpPr>
-        <p:spPr bwMode="auto">
-          <a:xfrm>
-            <a:off x="1777125" y="1428023"/>
-            <a:ext cx="8637749" cy="584775"/>
-          </a:xfrm>
-          <a:prstGeom prst="rect">
-            <a:avLst/>
-          </a:prstGeom>
-          <a:noFill/>
-          <a:ln w="9525">
-            <a:noFill/>
-            <a:miter lim="800000"/>
-            <a:headEnd/>
-            <a:tailEnd/>
-          </a:ln>
-        </p:spPr>
-        <p:txBody>
-          <a:bodyPr wrap="none">
-            <a:prstTxWarp prst="textNoShape">
-              <a:avLst/>
-            </a:prstTxWarp>
-            <a:spAutoFit/>
-          </a:bodyPr>
-          <a:lstStyle/>
-          <a:p>
-            <a:r>
-              <a:rPr lang="en-US" sz="3200" dirty="0"/>
-              <a:t>Changes of G determine the direction of a process:</a:t>
-            </a:r>
-          </a:p>
-        </p:txBody>
-      </p:sp>
-      <p:sp>
-        <p:nvSpPr>
-          <p:cNvPr id="6" name="Rectangle 3"/>
-          <p:cNvSpPr>
-            <a:spLocks noChangeArrowheads="1"/>
-          </p:cNvSpPr>
-          <p:nvPr/>
-        </p:nvSpPr>
-        <p:spPr bwMode="auto">
-          <a:xfrm>
             <a:off x="2014696" y="4509120"/>
-            <a:ext cx="7508146" cy="523220"/>
+            <a:ext cx="7598555" cy="523220"/>
           </a:xfrm>
           <a:prstGeom prst="rect">
             <a:avLst/>
@@ -6194,7 +5774,9 @@
           <a:lstStyle/>
           <a:p>
             <a:r>
-              <a:rPr lang="en-US" sz="2800" dirty="0"/>
+              <a:rPr lang="en-US" sz="2800" dirty="0">
+                <a:latin typeface="Corbel" panose="020B0503020204020204" pitchFamily="34" charset="0"/>
+              </a:rPr>
               <a:t>Spontaneous processes decrease their free energy</a:t>
             </a:r>
           </a:p>
@@ -6213,7 +5795,7 @@
 </p:sld>
 </file>
 
-<file path=ppt/slides/slide15.xml><?xml version="1.0" encoding="utf-8"?>
+<file path=ppt/slides/slide14.xml><?xml version="1.0" encoding="utf-8"?>
 <p:sld xmlns:a="http://schemas.openxmlformats.org/drawingml/2006/main" xmlns:r="http://schemas.openxmlformats.org/officeDocument/2006/relationships" xmlns:p="http://schemas.openxmlformats.org/presentationml/2006/main">
   <p:cSld>
     <p:spTree>
@@ -6285,7 +5867,7 @@
           <a:p>
             <a:r>
               <a:rPr lang="en-US" sz="2400" dirty="0"/>
-              <a:t>In the process of folding of a polypeptide chain the increase in entropy of the solvent compensates the loss of entropy of the macromolecule, leading to a general increase in entropy of the system as a whole.</a:t>
+              <a:t>In the process of folding of a polypeptide chain, the increase in Entropy of the solvent compensates the loss of Entropy of the macromolecule, leading to a general increase in Entropy of the system as a whole.</a:t>
             </a:r>
           </a:p>
         </p:txBody>
@@ -6993,7 +6575,7 @@
 </p:sld>
 </file>
 
-<file path=ppt/slides/slide16.xml><?xml version="1.0" encoding="utf-8"?>
+<file path=ppt/slides/slide15.xml><?xml version="1.0" encoding="utf-8"?>
 <p:sld xmlns:a="http://schemas.openxmlformats.org/drawingml/2006/main" xmlns:r="http://schemas.openxmlformats.org/officeDocument/2006/relationships" xmlns:p="http://schemas.openxmlformats.org/presentationml/2006/main">
   <p:cSld>
     <p:spTree>
@@ -7026,8 +6608,8 @@
         </p:blipFill>
         <p:spPr>
           <a:xfrm>
-            <a:off x="1943100" y="1562100"/>
-            <a:ext cx="8293100" cy="3721100"/>
+            <a:off x="447338" y="890954"/>
+            <a:ext cx="11369524" cy="5101486"/>
           </a:xfrm>
           <a:prstGeom prst="rect">
             <a:avLst/>
@@ -7047,7 +6629,7 @@
 </p:sld>
 </file>
 
-<file path=ppt/slides/slide17.xml><?xml version="1.0" encoding="utf-8"?>
+<file path=ppt/slides/slide16.xml><?xml version="1.0" encoding="utf-8"?>
 <p:sld xmlns:a="http://schemas.openxmlformats.org/drawingml/2006/main" xmlns:r="http://schemas.openxmlformats.org/officeDocument/2006/relationships" xmlns:p="http://schemas.openxmlformats.org/presentationml/2006/main">
   <p:cSld>
     <p:spTree>
@@ -7152,7 +6734,7 @@
 </p:sld>
 </file>
 
-<file path=ppt/slides/slide18.xml><?xml version="1.0" encoding="utf-8"?>
+<file path=ppt/slides/slide17.xml><?xml version="1.0" encoding="utf-8"?>
 <p:sld xmlns:a="http://schemas.openxmlformats.org/drawingml/2006/main" xmlns:r="http://schemas.openxmlformats.org/officeDocument/2006/relationships" xmlns:p="http://schemas.openxmlformats.org/presentationml/2006/main">
   <p:cSld>
     <p:spTree>
@@ -7462,7 +7044,7 @@
 </p:sld>
 </file>
 
-<file path=ppt/slides/slide19.xml><?xml version="1.0" encoding="utf-8"?>
+<file path=ppt/slides/slide18.xml><?xml version="1.0" encoding="utf-8"?>
 <p:sld xmlns:a="http://schemas.openxmlformats.org/drawingml/2006/main" xmlns:r="http://schemas.openxmlformats.org/officeDocument/2006/relationships" xmlns:p="http://schemas.openxmlformats.org/presentationml/2006/main">
   <p:cSld>
     <p:spTree>
@@ -7770,6 +7352,257 @@
 </p:sld>
 </file>
 
+<file path=ppt/slides/slide19.xml><?xml version="1.0" encoding="utf-8"?>
+<p:sld xmlns:a="http://schemas.openxmlformats.org/drawingml/2006/main" xmlns:r="http://schemas.openxmlformats.org/officeDocument/2006/relationships" xmlns:p="http://schemas.openxmlformats.org/presentationml/2006/main">
+  <p:cSld>
+    <p:spTree>
+      <p:nvGrpSpPr>
+        <p:cNvPr id="1" name=""/>
+        <p:cNvGrpSpPr/>
+        <p:nvPr/>
+      </p:nvGrpSpPr>
+      <p:grpSpPr>
+        <a:xfrm>
+          <a:off x="0" y="0"/>
+          <a:ext cx="0" cy="0"/>
+          <a:chOff x="0" y="0"/>
+          <a:chExt cx="0" cy="0"/>
+        </a:xfrm>
+      </p:grpSpPr>
+      <p:sp>
+        <p:nvSpPr>
+          <p:cNvPr id="3" name="Content Placeholder 2"/>
+          <p:cNvSpPr>
+            <a:spLocks noGrp="1"/>
+          </p:cNvSpPr>
+          <p:nvPr>
+            <p:ph idx="1"/>
+          </p:nvPr>
+        </p:nvSpPr>
+        <p:spPr>
+          <a:xfrm>
+            <a:off x="1353014" y="1422341"/>
+            <a:ext cx="10838986" cy="4653091"/>
+          </a:xfrm>
+        </p:spPr>
+        <p:txBody>
+          <a:bodyPr>
+            <a:noAutofit/>
+          </a:bodyPr>
+          <a:lstStyle/>
+          <a:p>
+            <a:pPr marL="0" indent="0">
+              <a:buNone/>
+            </a:pPr>
+            <a:r>
+              <a:rPr lang="en-US" sz="2400" dirty="0"/>
+              <a:t>The ability of proteins to form </a:t>
+            </a:r>
+            <a:r>
+              <a:rPr lang="en-US" sz="2400" b="1" dirty="0"/>
+              <a:t>biologically active complexes </a:t>
+            </a:r>
+            <a:r>
+              <a:rPr lang="en-US" sz="2400" dirty="0"/>
+              <a:t>depends on the properties of their binding surfaces:</a:t>
+            </a:r>
+          </a:p>
+          <a:p>
+            <a:r>
+              <a:rPr lang="en-US" sz="2400" dirty="0"/>
+              <a:t>Size</a:t>
+            </a:r>
+          </a:p>
+          <a:p>
+            <a:r>
+              <a:rPr lang="en-US" sz="2400" dirty="0"/>
+              <a:t>Geometric compatibility</a:t>
+            </a:r>
+          </a:p>
+          <a:p>
+            <a:r>
+              <a:rPr lang="en-US" sz="2400" dirty="0"/>
+              <a:t>Chemical composition</a:t>
+            </a:r>
+          </a:p>
+          <a:p>
+            <a:r>
+              <a:rPr lang="en-US" sz="2400" dirty="0"/>
+              <a:t>Polarity</a:t>
+            </a:r>
+          </a:p>
+          <a:p>
+            <a:r>
+              <a:rPr lang="en-US" sz="2400" dirty="0"/>
+              <a:t>Atom packing efficiency</a:t>
+            </a:r>
+          </a:p>
+          <a:p>
+            <a:r>
+              <a:rPr lang="en-US" sz="2400" dirty="0"/>
+              <a:t>Hydrogen bond or salt bridge frequency</a:t>
+            </a:r>
+          </a:p>
+          <a:p>
+            <a:r>
+              <a:rPr lang="en-US" sz="2400" dirty="0"/>
+              <a:t>Number of buried water molecules</a:t>
+            </a:r>
+          </a:p>
+          <a:p>
+            <a:r>
+              <a:rPr lang="en-US" sz="2400" dirty="0"/>
+              <a:t>Interaction energy</a:t>
+            </a:r>
+          </a:p>
+          <a:p>
+            <a:r>
+              <a:rPr lang="en-US" sz="2400" dirty="0"/>
+              <a:t>Residue conservation</a:t>
+            </a:r>
+          </a:p>
+          <a:p>
+            <a:r>
+              <a:rPr lang="en-US" sz="2400" dirty="0"/>
+              <a:t>Types of secondary structures</a:t>
+            </a:r>
+          </a:p>
+        </p:txBody>
+      </p:sp>
+      <p:sp>
+        <p:nvSpPr>
+          <p:cNvPr id="5" name="Rectangle 4"/>
+          <p:cNvSpPr/>
+          <p:nvPr/>
+        </p:nvSpPr>
+        <p:spPr>
+          <a:xfrm>
+            <a:off x="1505744" y="256478"/>
+            <a:ext cx="9180512" cy="1070517"/>
+          </a:xfrm>
+          <a:prstGeom prst="rect">
+            <a:avLst/>
+          </a:prstGeom>
+          <a:solidFill>
+            <a:schemeClr val="tx2">
+              <a:lumMod val="50000"/>
+            </a:schemeClr>
+          </a:solidFill>
+          <a:ln>
+            <a:noFill/>
+          </a:ln>
+          <a:effectLst/>
+        </p:spPr>
+        <p:style>
+          <a:lnRef idx="1">
+            <a:schemeClr val="accent1"/>
+          </a:lnRef>
+          <a:fillRef idx="3">
+            <a:schemeClr val="accent1"/>
+          </a:fillRef>
+          <a:effectRef idx="2">
+            <a:schemeClr val="accent1"/>
+          </a:effectRef>
+          <a:fontRef idx="minor">
+            <a:schemeClr val="lt1"/>
+          </a:fontRef>
+        </p:style>
+        <p:txBody>
+          <a:bodyPr rtlCol="0" anchor="ctr"/>
+          <a:lstStyle/>
+          <a:p>
+            <a:pPr algn="ctr"/>
+            <a:endParaRPr lang="en-US"/>
+          </a:p>
+        </p:txBody>
+      </p:sp>
+      <p:sp>
+        <p:nvSpPr>
+          <p:cNvPr id="6" name="Title 1"/>
+          <p:cNvSpPr>
+            <a:spLocks noGrp="1"/>
+          </p:cNvSpPr>
+          <p:nvPr>
+            <p:ph type="title"/>
+          </p:nvPr>
+        </p:nvSpPr>
+        <p:spPr>
+          <a:xfrm>
+            <a:off x="1962944" y="351824"/>
+            <a:ext cx="8229600" cy="975171"/>
+          </a:xfrm>
+        </p:spPr>
+        <p:txBody>
+          <a:bodyPr>
+            <a:normAutofit fontScale="90000"/>
+          </a:bodyPr>
+          <a:lstStyle/>
+          <a:p>
+            <a:br>
+              <a:rPr lang="en-US" dirty="0">
+                <a:solidFill>
+                  <a:schemeClr val="bg1"/>
+                </a:solidFill>
+              </a:rPr>
+            </a:br>
+            <a:r>
+              <a:rPr lang="en-US" sz="4900" dirty="0">
+                <a:solidFill>
+                  <a:schemeClr val="bg1"/>
+                </a:solidFill>
+              </a:rPr>
+              <a:t>Protein-ligand interfaces</a:t>
+            </a:r>
+            <a:br>
+              <a:rPr lang="en-US" sz="3100" dirty="0">
+                <a:solidFill>
+                  <a:schemeClr val="bg1"/>
+                </a:solidFill>
+              </a:rPr>
+            </a:br>
+            <a:r>
+              <a:rPr lang="en-US" sz="2800" dirty="0">
+                <a:solidFill>
+                  <a:schemeClr val="bg1"/>
+                </a:solidFill>
+              </a:rPr>
+              <a:t>Structure-function relationship</a:t>
+            </a:r>
+            <a:br>
+              <a:rPr lang="en-US" sz="3100" dirty="0">
+                <a:solidFill>
+                  <a:schemeClr val="bg1"/>
+                </a:solidFill>
+              </a:rPr>
+            </a:br>
+            <a:br>
+              <a:rPr lang="en-US" sz="3100" dirty="0">
+                <a:solidFill>
+                  <a:schemeClr val="bg1"/>
+                </a:solidFill>
+              </a:rPr>
+            </a:br>
+            <a:endParaRPr lang="en-US" sz="3100" dirty="0">
+              <a:solidFill>
+                <a:schemeClr val="bg1"/>
+              </a:solidFill>
+            </a:endParaRPr>
+          </a:p>
+        </p:txBody>
+      </p:sp>
+    </p:spTree>
+    <p:extLst>
+      <p:ext uri="{BB962C8B-B14F-4D97-AF65-F5344CB8AC3E}">
+        <p14:creationId xmlns:p14="http://schemas.microsoft.com/office/powerpoint/2010/main" val="3401531221"/>
+      </p:ext>
+    </p:extLst>
+  </p:cSld>
+  <p:clrMapOvr>
+    <a:masterClrMapping/>
+  </p:clrMapOvr>
+</p:sld>
+</file>
+
 <file path=ppt/slides/slide2.xml><?xml version="1.0" encoding="utf-8"?>
 <p:sld xmlns:a="http://schemas.openxmlformats.org/drawingml/2006/main" xmlns:r="http://schemas.openxmlformats.org/officeDocument/2006/relationships" xmlns:p="http://schemas.openxmlformats.org/presentationml/2006/main">
   <p:cSld>
@@ -7789,166 +7622,38 @@
       </p:grpSpPr>
       <p:sp>
         <p:nvSpPr>
-          <p:cNvPr id="3" name="Content Placeholder 2"/>
+          <p:cNvPr id="2" name="Title 1"/>
           <p:cNvSpPr>
             <a:spLocks noGrp="1"/>
           </p:cNvSpPr>
           <p:nvPr>
-            <p:ph idx="1"/>
+            <p:ph type="title"/>
           </p:nvPr>
         </p:nvSpPr>
         <p:spPr>
           <a:xfrm>
-            <a:off x="1752600" y="178763"/>
-            <a:ext cx="8686800" cy="6278995"/>
+            <a:off x="1873404" y="2645404"/>
+            <a:ext cx="9289619" cy="1143000"/>
           </a:xfrm>
         </p:spPr>
         <p:txBody>
           <a:bodyPr>
-            <a:noAutofit/>
+            <a:normAutofit fontScale="90000"/>
           </a:bodyPr>
           <a:lstStyle/>
           <a:p>
-            <a:pPr marL="0" indent="0">
-              <a:buNone/>
-            </a:pPr>
-            <a:r>
-              <a:rPr lang="it-IT" sz="2400" b="1"/>
-              <a:t>Chapter 1: Introduction to Protein-ligand interactions </a:t>
-            </a:r>
-            <a:endParaRPr lang="it-IT" sz="2400"/>
-          </a:p>
-          <a:p>
-            <a:pPr fontAlgn="base"/>
-            <a:r>
-              <a:rPr lang="it-IT" sz="2000"/>
-              <a:t>Principles of protein interactions and binding site properties (lecture)</a:t>
-            </a:r>
-          </a:p>
-          <a:p>
-            <a:pPr fontAlgn="base">
-              <a:spcBef>
-                <a:spcPts val="0"/>
-              </a:spcBef>
-              <a:spcAft>
-                <a:spcPts val="1200"/>
-              </a:spcAft>
-            </a:pPr>
-            <a:r>
-              <a:rPr lang="it-IT" sz="2000"/>
-              <a:t>Forces at play in protein interactions (lecture)</a:t>
-            </a:r>
-          </a:p>
-          <a:p>
-            <a:pPr marL="0" indent="0">
-              <a:buNone/>
-            </a:pPr>
-            <a:r>
-              <a:rPr lang="it-IT" sz="2400" b="1"/>
-              <a:t>Chapter 2: Protein-protein docking </a:t>
-            </a:r>
-            <a:endParaRPr lang="it-IT" sz="2400"/>
-          </a:p>
-          <a:p>
-            <a:r>
-              <a:rPr lang="en-GB" sz="2000"/>
-              <a:t>General principles and challenges of docking (lecture)</a:t>
-            </a:r>
-          </a:p>
-          <a:p>
-            <a:r>
-              <a:rPr lang="en-GB" sz="2000"/>
-              <a:t>Protein-protein docking with ClusPro (tutorial)</a:t>
-            </a:r>
-          </a:p>
-          <a:p>
-            <a:r>
-              <a:rPr lang="en-GB" sz="2000"/>
-              <a:t>ClusPro results analysis (tutorial)</a:t>
-            </a:r>
-          </a:p>
-          <a:p>
-            <a:pPr marL="0" indent="0" fontAlgn="base">
-              <a:buNone/>
-            </a:pPr>
-            <a:r>
-              <a:rPr lang="it-IT" sz="2400" b="1"/>
-              <a:t>Protein-protein interaction networks</a:t>
-            </a:r>
-            <a:endParaRPr lang="it-IT" sz="2400"/>
-          </a:p>
-          <a:p>
-            <a:pPr fontAlgn="base"/>
-            <a:r>
-              <a:rPr lang="it-IT" sz="2000"/>
-              <a:t>Resources (databases) to study PPI (lecture)</a:t>
-            </a:r>
-          </a:p>
-          <a:p>
-            <a:pPr fontAlgn="base"/>
-            <a:r>
-              <a:rPr lang="it-IT" sz="2000"/>
-              <a:t>Searching IntAct and STRING (tutorials)</a:t>
-            </a:r>
-          </a:p>
-          <a:p>
-            <a:pPr fontAlgn="base"/>
-            <a:r>
-              <a:rPr lang="en-US" sz="2000"/>
-              <a:t>Principles of graph theory and PPI networks (lecture)</a:t>
-            </a:r>
-          </a:p>
-          <a:p>
-            <a:pPr fontAlgn="base">
-              <a:spcBef>
-                <a:spcPts val="0"/>
-              </a:spcBef>
-              <a:spcAft>
-                <a:spcPts val="1200"/>
-              </a:spcAft>
-            </a:pPr>
-            <a:r>
-              <a:rPr lang="it-IT" sz="2000"/>
-              <a:t>Studying PPI with  Cytoscape (tutorial)</a:t>
-            </a:r>
-          </a:p>
-          <a:p>
-            <a:pPr marL="0" indent="0" fontAlgn="base">
-              <a:buNone/>
-            </a:pPr>
-            <a:r>
-              <a:rPr lang="it-IT" sz="2400" b="1"/>
-              <a:t>Protein-small molecule interactions </a:t>
-            </a:r>
-            <a:endParaRPr lang="it-IT" sz="2400"/>
-          </a:p>
-          <a:p>
-            <a:pPr fontAlgn="base"/>
-            <a:r>
-              <a:rPr lang="it-IT" sz="2000"/>
-              <a:t>Drugs and drug targets (lecture)</a:t>
-            </a:r>
-          </a:p>
-          <a:p>
-            <a:pPr fontAlgn="base"/>
-            <a:r>
-              <a:rPr lang="it-IT" sz="2000"/>
-              <a:t>The drug development process and drug design(lecture)</a:t>
-            </a:r>
-          </a:p>
-          <a:p>
-            <a:pPr fontAlgn="base"/>
-            <a:r>
-              <a:rPr lang="it-IT" sz="2000"/>
-              <a:t>Databases and tools to study protein-small molecule interactions (tutorial)</a:t>
-            </a:r>
+            <a:r>
+              <a:rPr lang="it-IT"/>
+              <a:t>Forces at play in protein interactions and features of protein interaction interfaces</a:t>
+            </a:r>
+            <a:endParaRPr lang="en-US" dirty="0"/>
           </a:p>
         </p:txBody>
       </p:sp>
     </p:spTree>
     <p:extLst>
       <p:ext uri="{BB962C8B-B14F-4D97-AF65-F5344CB8AC3E}">
-        <p14:creationId xmlns:p14="http://schemas.microsoft.com/office/powerpoint/2010/main" val="718545454"/>
+        <p14:creationId xmlns:p14="http://schemas.microsoft.com/office/powerpoint/2010/main" val="2559205724"/>
       </p:ext>
     </p:extLst>
   </p:cSld>
@@ -7977,127 +7682,21 @@
       </p:grpSpPr>
       <p:sp>
         <p:nvSpPr>
-          <p:cNvPr id="3" name="Content Placeholder 2"/>
-          <p:cNvSpPr>
-            <a:spLocks noGrp="1"/>
-          </p:cNvSpPr>
-          <p:nvPr>
-            <p:ph idx="1"/>
-          </p:nvPr>
-        </p:nvSpPr>
-        <p:spPr>
-          <a:xfrm>
-            <a:off x="1981200" y="1803465"/>
-            <a:ext cx="8229600" cy="4653091"/>
-          </a:xfrm>
-        </p:spPr>
-        <p:txBody>
-          <a:bodyPr>
-            <a:normAutofit fontScale="77500" lnSpcReduction="20000"/>
-          </a:bodyPr>
-          <a:lstStyle/>
-          <a:p>
-            <a:pPr marL="0" indent="0">
-              <a:buNone/>
-            </a:pPr>
-            <a:r>
-              <a:rPr lang="en-US" dirty="0"/>
-              <a:t>The ability of proteins to form </a:t>
-            </a:r>
-            <a:r>
-              <a:rPr lang="en-US" b="1" dirty="0"/>
-              <a:t>biologically active complexes </a:t>
-            </a:r>
-            <a:r>
-              <a:rPr lang="en-US" dirty="0"/>
-              <a:t>depends on the properties of their binding surfaces:</a:t>
-            </a:r>
-          </a:p>
-          <a:p>
-            <a:pPr marL="0" indent="0">
-              <a:buNone/>
-            </a:pPr>
-            <a:endParaRPr lang="en-US" dirty="0"/>
-          </a:p>
-          <a:p>
-            <a:r>
-              <a:rPr lang="en-US" dirty="0"/>
-              <a:t>Size</a:t>
-            </a:r>
-          </a:p>
-          <a:p>
-            <a:r>
-              <a:rPr lang="en-US" dirty="0"/>
-              <a:t>Geometric compatibility</a:t>
-            </a:r>
-          </a:p>
-          <a:p>
-            <a:r>
-              <a:rPr lang="en-US" dirty="0"/>
-              <a:t>Chemical composition</a:t>
-            </a:r>
-          </a:p>
-          <a:p>
-            <a:r>
-              <a:rPr lang="en-US" dirty="0"/>
-              <a:t>Polarity</a:t>
-            </a:r>
-          </a:p>
-          <a:p>
-            <a:r>
-              <a:rPr lang="en-US" dirty="0"/>
-              <a:t>Atom packing efficiency</a:t>
-            </a:r>
-          </a:p>
-          <a:p>
-            <a:r>
-              <a:rPr lang="en-US" dirty="0"/>
-              <a:t>Hydrogen bond or salt bridge frequency</a:t>
-            </a:r>
-          </a:p>
-          <a:p>
-            <a:r>
-              <a:rPr lang="en-US" dirty="0"/>
-              <a:t>Number of buried water molecules</a:t>
-            </a:r>
-          </a:p>
-          <a:p>
-            <a:r>
-              <a:rPr lang="en-US" dirty="0"/>
-              <a:t>Interaction energy</a:t>
-            </a:r>
-          </a:p>
-          <a:p>
-            <a:r>
-              <a:rPr lang="en-US" dirty="0"/>
-              <a:t>Residue conservation</a:t>
-            </a:r>
-          </a:p>
-          <a:p>
-            <a:r>
-              <a:rPr lang="en-US" dirty="0"/>
-              <a:t>Types of secondary structures</a:t>
-            </a:r>
-          </a:p>
-        </p:txBody>
-      </p:sp>
-      <p:sp>
-        <p:nvSpPr>
           <p:cNvPr id="5" name="Rectangle 4"/>
           <p:cNvSpPr/>
           <p:nvPr/>
         </p:nvSpPr>
         <p:spPr>
           <a:xfrm>
-            <a:off x="1505744" y="256478"/>
-            <a:ext cx="9180512" cy="1400090"/>
+            <a:off x="200025" y="0"/>
+            <a:ext cx="11530013" cy="1400090"/>
           </a:xfrm>
           <a:prstGeom prst="rect">
             <a:avLst/>
           </a:prstGeom>
           <a:solidFill>
-            <a:schemeClr val="tx2">
-              <a:lumMod val="50000"/>
+            <a:schemeClr val="accent3">
+              <a:lumMod val="75000"/>
             </a:schemeClr>
           </a:solidFill>
           <a:ln>
@@ -8130,157 +7729,6 @@
       </p:sp>
       <p:sp>
         <p:nvSpPr>
-          <p:cNvPr id="6" name="Title 1"/>
-          <p:cNvSpPr>
-            <a:spLocks noGrp="1"/>
-          </p:cNvSpPr>
-          <p:nvPr>
-            <p:ph type="title"/>
-          </p:nvPr>
-        </p:nvSpPr>
-        <p:spPr>
-          <a:xfrm>
-            <a:off x="1962944" y="351824"/>
-            <a:ext cx="8229600" cy="1143000"/>
-          </a:xfrm>
-        </p:spPr>
-        <p:txBody>
-          <a:bodyPr>
-            <a:normAutofit fontScale="90000"/>
-          </a:bodyPr>
-          <a:lstStyle/>
-          <a:p>
-            <a:br>
-              <a:rPr lang="en-US" dirty="0">
-                <a:solidFill>
-                  <a:schemeClr val="bg1"/>
-                </a:solidFill>
-              </a:rPr>
-            </a:br>
-            <a:r>
-              <a:rPr lang="en-US" sz="4900" dirty="0">
-                <a:solidFill>
-                  <a:schemeClr val="bg1"/>
-                </a:solidFill>
-              </a:rPr>
-              <a:t>Protein-ligand interfaces</a:t>
-            </a:r>
-            <a:br>
-              <a:rPr lang="en-US" sz="3100" dirty="0">
-                <a:solidFill>
-                  <a:schemeClr val="bg1"/>
-                </a:solidFill>
-              </a:rPr>
-            </a:br>
-            <a:r>
-              <a:rPr lang="en-US" sz="2800" dirty="0">
-                <a:solidFill>
-                  <a:schemeClr val="bg1"/>
-                </a:solidFill>
-              </a:rPr>
-              <a:t>Structure-function relationship</a:t>
-            </a:r>
-            <a:br>
-              <a:rPr lang="en-US" sz="3100" dirty="0">
-                <a:solidFill>
-                  <a:schemeClr val="bg1"/>
-                </a:solidFill>
-              </a:rPr>
-            </a:br>
-            <a:br>
-              <a:rPr lang="en-US" sz="3100" dirty="0">
-                <a:solidFill>
-                  <a:schemeClr val="bg1"/>
-                </a:solidFill>
-              </a:rPr>
-            </a:br>
-            <a:endParaRPr lang="en-US" sz="3100" dirty="0">
-              <a:solidFill>
-                <a:schemeClr val="bg1"/>
-              </a:solidFill>
-            </a:endParaRPr>
-          </a:p>
-        </p:txBody>
-      </p:sp>
-    </p:spTree>
-    <p:extLst>
-      <p:ext uri="{BB962C8B-B14F-4D97-AF65-F5344CB8AC3E}">
-        <p14:creationId xmlns:p14="http://schemas.microsoft.com/office/powerpoint/2010/main" val="3401531221"/>
-      </p:ext>
-    </p:extLst>
-  </p:cSld>
-  <p:clrMapOvr>
-    <a:masterClrMapping/>
-  </p:clrMapOvr>
-</p:sld>
-</file>
-
-<file path=ppt/slides/slide21.xml><?xml version="1.0" encoding="utf-8"?>
-<p:sld xmlns:a="http://schemas.openxmlformats.org/drawingml/2006/main" xmlns:r="http://schemas.openxmlformats.org/officeDocument/2006/relationships" xmlns:p="http://schemas.openxmlformats.org/presentationml/2006/main">
-  <p:cSld>
-    <p:spTree>
-      <p:nvGrpSpPr>
-        <p:cNvPr id="1" name=""/>
-        <p:cNvGrpSpPr/>
-        <p:nvPr/>
-      </p:nvGrpSpPr>
-      <p:grpSpPr>
-        <a:xfrm>
-          <a:off x="0" y="0"/>
-          <a:ext cx="0" cy="0"/>
-          <a:chOff x="0" y="0"/>
-          <a:chExt cx="0" cy="0"/>
-        </a:xfrm>
-      </p:grpSpPr>
-      <p:sp>
-        <p:nvSpPr>
-          <p:cNvPr id="5" name="Rectangle 4"/>
-          <p:cNvSpPr/>
-          <p:nvPr/>
-        </p:nvSpPr>
-        <p:spPr>
-          <a:xfrm>
-            <a:off x="200025" y="0"/>
-            <a:ext cx="11530013" cy="1400090"/>
-          </a:xfrm>
-          <a:prstGeom prst="rect">
-            <a:avLst/>
-          </a:prstGeom>
-          <a:solidFill>
-            <a:schemeClr val="accent3">
-              <a:lumMod val="75000"/>
-            </a:schemeClr>
-          </a:solidFill>
-          <a:ln>
-            <a:noFill/>
-          </a:ln>
-          <a:effectLst/>
-        </p:spPr>
-        <p:style>
-          <a:lnRef idx="1">
-            <a:schemeClr val="accent1"/>
-          </a:lnRef>
-          <a:fillRef idx="3">
-            <a:schemeClr val="accent1"/>
-          </a:fillRef>
-          <a:effectRef idx="2">
-            <a:schemeClr val="accent1"/>
-          </a:effectRef>
-          <a:fontRef idx="minor">
-            <a:schemeClr val="lt1"/>
-          </a:fontRef>
-        </p:style>
-        <p:txBody>
-          <a:bodyPr rtlCol="0" anchor="ctr"/>
-          <a:lstStyle/>
-          <a:p>
-            <a:pPr algn="ctr"/>
-            <a:endParaRPr lang="en-US"/>
-          </a:p>
-        </p:txBody>
-      </p:sp>
-      <p:sp>
-        <p:nvSpPr>
           <p:cNvPr id="2" name="Title 1"/>
           <p:cNvSpPr>
             <a:spLocks noGrp="1"/>
@@ -8454,7 +7902,7 @@
 </p:sld>
 </file>
 
-<file path=ppt/slides/slide22.xml><?xml version="1.0" encoding="utf-8"?>
+<file path=ppt/slides/slide21.xml><?xml version="1.0" encoding="utf-8"?>
 <p:sld xmlns:a="http://schemas.openxmlformats.org/drawingml/2006/main" xmlns:r="http://schemas.openxmlformats.org/officeDocument/2006/relationships" xmlns:p="http://schemas.openxmlformats.org/presentationml/2006/main">
   <p:cSld>
     <p:spTree>
@@ -8514,6 +7962,121 @@
 </p:sld>
 </file>
 
+<file path=ppt/slides/slide22.xml><?xml version="1.0" encoding="utf-8"?>
+<p:sld xmlns:a="http://schemas.openxmlformats.org/drawingml/2006/main" xmlns:r="http://schemas.openxmlformats.org/officeDocument/2006/relationships" xmlns:p="http://schemas.openxmlformats.org/presentationml/2006/main">
+  <p:cSld>
+    <p:spTree>
+      <p:nvGrpSpPr>
+        <p:cNvPr id="1" name=""/>
+        <p:cNvGrpSpPr/>
+        <p:nvPr/>
+      </p:nvGrpSpPr>
+      <p:grpSpPr>
+        <a:xfrm>
+          <a:off x="0" y="0"/>
+          <a:ext cx="0" cy="0"/>
+          <a:chOff x="0" y="0"/>
+          <a:chExt cx="0" cy="0"/>
+        </a:xfrm>
+      </p:grpSpPr>
+      <p:sp>
+        <p:nvSpPr>
+          <p:cNvPr id="2" name="Title 1"/>
+          <p:cNvSpPr>
+            <a:spLocks noGrp="1"/>
+          </p:cNvSpPr>
+          <p:nvPr>
+            <p:ph type="title"/>
+          </p:nvPr>
+        </p:nvSpPr>
+        <p:spPr/>
+        <p:txBody>
+          <a:bodyPr/>
+          <a:lstStyle/>
+          <a:p>
+            <a:r>
+              <a:rPr lang="en-US" dirty="0"/>
+              <a:t>The Binding Site (BS)</a:t>
+            </a:r>
+          </a:p>
+        </p:txBody>
+      </p:sp>
+      <p:sp>
+        <p:nvSpPr>
+          <p:cNvPr id="3" name="Content Placeholder 2"/>
+          <p:cNvSpPr>
+            <a:spLocks noGrp="1"/>
+          </p:cNvSpPr>
+          <p:nvPr>
+            <p:ph idx="1"/>
+          </p:nvPr>
+        </p:nvSpPr>
+        <p:spPr/>
+        <p:txBody>
+          <a:bodyPr/>
+          <a:lstStyle/>
+          <a:p>
+            <a:r>
+              <a:rPr lang="en-US" dirty="0"/>
+              <a:t>Geometry alone is insufficient to </a:t>
+            </a:r>
+            <a:r>
+              <a:rPr lang="en-US" dirty="0" err="1"/>
+              <a:t>recognise</a:t>
+            </a:r>
+            <a:r>
+              <a:rPr lang="en-US" dirty="0"/>
+              <a:t> the correct ligand</a:t>
+            </a:r>
+          </a:p>
+          <a:p>
+            <a:r>
+              <a:rPr lang="en-US" dirty="0"/>
+              <a:t>The binding site-ligand match is based on: </a:t>
+            </a:r>
+            <a:r>
+              <a:rPr lang="en-US" b="1" dirty="0">
+                <a:solidFill>
+                  <a:srgbClr val="FF0000"/>
+                </a:solidFill>
+              </a:rPr>
+              <a:t>geometry</a:t>
+            </a:r>
+            <a:r>
+              <a:rPr lang="en-US" dirty="0"/>
+              <a:t> and </a:t>
+            </a:r>
+            <a:r>
+              <a:rPr lang="en-US" b="1" dirty="0">
+                <a:solidFill>
+                  <a:srgbClr val="FF0000"/>
+                </a:solidFill>
+              </a:rPr>
+              <a:t>electrostatics</a:t>
+            </a:r>
+            <a:endParaRPr lang="en-US" dirty="0"/>
+          </a:p>
+          <a:p>
+            <a:r>
+              <a:rPr lang="en-US" dirty="0"/>
+              <a:t>Geometric and electrostatic complementarity can be achieved using different BS architectures</a:t>
+            </a:r>
+          </a:p>
+        </p:txBody>
+      </p:sp>
+    </p:spTree>
+    <p:extLst>
+      <p:ext uri="{BB962C8B-B14F-4D97-AF65-F5344CB8AC3E}">
+        <p14:creationId xmlns:p14="http://schemas.microsoft.com/office/powerpoint/2010/main" val="2266724141"/>
+      </p:ext>
+    </p:extLst>
+  </p:cSld>
+  <p:clrMapOvr>
+    <a:masterClrMapping/>
+  </p:clrMapOvr>
+</p:sld>
+</file>
+
 <file path=ppt/slides/slide23.xml><?xml version="1.0" encoding="utf-8"?>
 <p:sld xmlns:a="http://schemas.openxmlformats.org/drawingml/2006/main" xmlns:r="http://schemas.openxmlformats.org/officeDocument/2006/relationships" xmlns:p="http://schemas.openxmlformats.org/presentationml/2006/main">
   <p:cSld>
@@ -8543,13 +8106,19 @@
         </p:nvSpPr>
         <p:spPr/>
         <p:txBody>
-          <a:bodyPr/>
+          <a:bodyPr>
+            <a:normAutofit/>
+          </a:bodyPr>
           <a:lstStyle/>
           <a:p>
             <a:r>
               <a:rPr lang="en-US" dirty="0"/>
-              <a:t>The Binding Site (BS)</a:t>
-            </a:r>
+              <a:t>Geometric complementarity</a:t>
+            </a:r>
+            <a:br>
+              <a:rPr lang="en-US" dirty="0"/>
+            </a:br>
+            <a:endParaRPr lang="en-US" dirty="0"/>
           </a:p>
         </p:txBody>
       </p:sp>
@@ -8570,48 +8139,21 @@
           <a:p>
             <a:r>
               <a:rPr lang="en-US" dirty="0"/>
-              <a:t>Geometry alone is insufficient to </a:t>
+              <a:t>The geometrical match </a:t>
             </a:r>
             <a:r>
               <a:rPr lang="en-US" dirty="0" err="1"/>
-              <a:t>recognise</a:t>
+              <a:t>optimises</a:t>
             </a:r>
             <a:r>
               <a:rPr lang="en-US" dirty="0"/>
-              <a:t> the correct ligand</a:t>
+              <a:t> all non-covalent interactions that mediate the binding</a:t>
             </a:r>
           </a:p>
           <a:p>
             <a:r>
               <a:rPr lang="en-US" dirty="0"/>
-              <a:t>The binding site-ligand match is based on: </a:t>
-            </a:r>
-            <a:r>
-              <a:rPr lang="en-US" b="1" dirty="0">
-                <a:solidFill>
-                  <a:srgbClr val="FF0000"/>
-                </a:solidFill>
-              </a:rPr>
-              <a:t>geometry</a:t>
-            </a:r>
-            <a:r>
-              <a:rPr lang="en-US" dirty="0"/>
-              <a:t> and </a:t>
-            </a:r>
-            <a:r>
-              <a:rPr lang="en-US" b="1" dirty="0">
-                <a:solidFill>
-                  <a:srgbClr val="FF0000"/>
-                </a:solidFill>
-              </a:rPr>
-              <a:t>electrostatics</a:t>
-            </a:r>
-            <a:endParaRPr lang="en-US" dirty="0"/>
-          </a:p>
-          <a:p>
-            <a:r>
-              <a:rPr lang="en-US" dirty="0"/>
-              <a:t>Geometric and electrostatic complementarity can be achieved using different BS architectures</a:t>
+              <a:t>Short range and Van der Waals</a:t>
             </a:r>
           </a:p>
         </p:txBody>
@@ -8619,7 +8161,7 @@
     </p:spTree>
     <p:extLst>
       <p:ext uri="{BB962C8B-B14F-4D97-AF65-F5344CB8AC3E}">
-        <p14:creationId xmlns:p14="http://schemas.microsoft.com/office/powerpoint/2010/main" val="2266724141"/>
+        <p14:creationId xmlns:p14="http://schemas.microsoft.com/office/powerpoint/2010/main" val="1936571549"/>
       </p:ext>
     </p:extLst>
   </p:cSld>
@@ -8658,19 +8200,13 @@
         </p:nvSpPr>
         <p:spPr/>
         <p:txBody>
-          <a:bodyPr>
-            <a:normAutofit/>
-          </a:bodyPr>
+          <a:bodyPr/>
           <a:lstStyle/>
           <a:p>
             <a:r>
               <a:rPr lang="en-US" dirty="0"/>
-              <a:t>Geometric complementarity</a:t>
-            </a:r>
-            <a:br>
-              <a:rPr lang="en-US" dirty="0"/>
-            </a:br>
-            <a:endParaRPr lang="en-US" dirty="0"/>
+              <a:t>Electrostatic complementarity</a:t>
+            </a:r>
           </a:p>
         </p:txBody>
       </p:sp>
@@ -8691,29 +8227,36 @@
           <a:p>
             <a:r>
               <a:rPr lang="en-US" dirty="0"/>
-              <a:t>The geometrical match </a:t>
-            </a:r>
-            <a:r>
-              <a:rPr lang="en-US" dirty="0" err="1"/>
-              <a:t>optimises</a:t>
-            </a:r>
-            <a:r>
-              <a:rPr lang="en-US" dirty="0"/>
-              <a:t> all non-covalent interactions that mediate the binding</a:t>
-            </a:r>
-          </a:p>
-          <a:p>
-            <a:r>
-              <a:rPr lang="en-US" dirty="0"/>
-              <a:t>Short range and Van der Waals</a:t>
-            </a:r>
+              <a:t>For example, when ligand carries an electric charge </a:t>
+            </a:r>
+            <a:r>
+              <a:rPr lang="en-US" dirty="0">
+                <a:sym typeface="Wingdings"/>
+              </a:rPr>
+              <a:t> The BS tends to contain the opposite charge</a:t>
+            </a:r>
+          </a:p>
+          <a:p>
+            <a:r>
+              <a:rPr lang="en-US" dirty="0">
+                <a:sym typeface="Wingdings"/>
+              </a:rPr>
+              <a:t>Electrostatic match increases binding </a:t>
+            </a:r>
+            <a:r>
+              <a:rPr lang="en-US" b="1" dirty="0">
+                <a:sym typeface="Wingdings"/>
+              </a:rPr>
+              <a:t>specificity</a:t>
+            </a:r>
+            <a:endParaRPr lang="en-US" b="1" dirty="0"/>
           </a:p>
         </p:txBody>
       </p:sp>
     </p:spTree>
     <p:extLst>
       <p:ext uri="{BB962C8B-B14F-4D97-AF65-F5344CB8AC3E}">
-        <p14:creationId xmlns:p14="http://schemas.microsoft.com/office/powerpoint/2010/main" val="1936571549"/>
+        <p14:creationId xmlns:p14="http://schemas.microsoft.com/office/powerpoint/2010/main" val="2848235928"/>
       </p:ext>
     </p:extLst>
   </p:cSld>
@@ -8742,101 +8285,6 @@
       </p:grpSpPr>
       <p:sp>
         <p:nvSpPr>
-          <p:cNvPr id="2" name="Title 1"/>
-          <p:cNvSpPr>
-            <a:spLocks noGrp="1"/>
-          </p:cNvSpPr>
-          <p:nvPr>
-            <p:ph type="title"/>
-          </p:nvPr>
-        </p:nvSpPr>
-        <p:spPr/>
-        <p:txBody>
-          <a:bodyPr/>
-          <a:lstStyle/>
-          <a:p>
-            <a:r>
-              <a:rPr lang="en-US" dirty="0"/>
-              <a:t>Electrostatic complementarity</a:t>
-            </a:r>
-          </a:p>
-        </p:txBody>
-      </p:sp>
-      <p:sp>
-        <p:nvSpPr>
-          <p:cNvPr id="3" name="Content Placeholder 2"/>
-          <p:cNvSpPr>
-            <a:spLocks noGrp="1"/>
-          </p:cNvSpPr>
-          <p:nvPr>
-            <p:ph idx="1"/>
-          </p:nvPr>
-        </p:nvSpPr>
-        <p:spPr/>
-        <p:txBody>
-          <a:bodyPr/>
-          <a:lstStyle/>
-          <a:p>
-            <a:r>
-              <a:rPr lang="en-US" dirty="0"/>
-              <a:t>For example, when ligand carries an electric charge </a:t>
-            </a:r>
-            <a:r>
-              <a:rPr lang="en-US" dirty="0">
-                <a:sym typeface="Wingdings"/>
-              </a:rPr>
-              <a:t> The BS tends to contain the opposite charge</a:t>
-            </a:r>
-          </a:p>
-          <a:p>
-            <a:r>
-              <a:rPr lang="en-US" dirty="0">
-                <a:sym typeface="Wingdings"/>
-              </a:rPr>
-              <a:t>Electrostatic match increases binding </a:t>
-            </a:r>
-            <a:r>
-              <a:rPr lang="en-US" b="1" dirty="0">
-                <a:sym typeface="Wingdings"/>
-              </a:rPr>
-              <a:t>specificity</a:t>
-            </a:r>
-            <a:endParaRPr lang="en-US" b="1" dirty="0"/>
-          </a:p>
-        </p:txBody>
-      </p:sp>
-    </p:spTree>
-    <p:extLst>
-      <p:ext uri="{BB962C8B-B14F-4D97-AF65-F5344CB8AC3E}">
-        <p14:creationId xmlns:p14="http://schemas.microsoft.com/office/powerpoint/2010/main" val="2848235928"/>
-      </p:ext>
-    </p:extLst>
-  </p:cSld>
-  <p:clrMapOvr>
-    <a:masterClrMapping/>
-  </p:clrMapOvr>
-</p:sld>
-</file>
-
-<file path=ppt/slides/slide26.xml><?xml version="1.0" encoding="utf-8"?>
-<p:sld xmlns:a="http://schemas.openxmlformats.org/drawingml/2006/main" xmlns:r="http://schemas.openxmlformats.org/officeDocument/2006/relationships" xmlns:p="http://schemas.openxmlformats.org/presentationml/2006/main">
-  <p:cSld>
-    <p:spTree>
-      <p:nvGrpSpPr>
-        <p:cNvPr id="1" name=""/>
-        <p:cNvGrpSpPr/>
-        <p:nvPr/>
-      </p:nvGrpSpPr>
-      <p:grpSpPr>
-        <a:xfrm>
-          <a:off x="0" y="0"/>
-          <a:ext cx="0" cy="0"/>
-          <a:chOff x="0" y="0"/>
-          <a:chExt cx="0" cy="0"/>
-        </a:xfrm>
-      </p:grpSpPr>
-      <p:sp>
-        <p:nvSpPr>
           <p:cNvPr id="3" name="Content Placeholder 2"/>
           <p:cNvSpPr>
             <a:spLocks noGrp="1"/>
@@ -9027,7 +8475,7 @@
 </p:sld>
 </file>
 
-<file path=ppt/slides/slide27.xml><?xml version="1.0" encoding="utf-8"?>
+<file path=ppt/slides/slide26.xml><?xml version="1.0" encoding="utf-8"?>
 <p:sld xmlns:a="http://schemas.openxmlformats.org/drawingml/2006/main" xmlns:r="http://schemas.openxmlformats.org/officeDocument/2006/relationships" xmlns:p="http://schemas.openxmlformats.org/presentationml/2006/main">
   <p:cSld>
     <p:spTree>
@@ -9130,6 +8578,84 @@
 </p:sld>
 </file>
 
+<file path=ppt/slides/slide27.xml><?xml version="1.0" encoding="utf-8"?>
+<p:sld xmlns:a="http://schemas.openxmlformats.org/drawingml/2006/main" xmlns:r="http://schemas.openxmlformats.org/officeDocument/2006/relationships" xmlns:p="http://schemas.openxmlformats.org/presentationml/2006/main">
+  <p:cSld>
+    <p:spTree>
+      <p:nvGrpSpPr>
+        <p:cNvPr id="1" name=""/>
+        <p:cNvGrpSpPr/>
+        <p:nvPr/>
+      </p:nvGrpSpPr>
+      <p:grpSpPr>
+        <a:xfrm>
+          <a:off x="0" y="0"/>
+          <a:ext cx="0" cy="0"/>
+          <a:chOff x="0" y="0"/>
+          <a:chExt cx="0" cy="0"/>
+        </a:xfrm>
+      </p:grpSpPr>
+      <p:sp>
+        <p:nvSpPr>
+          <p:cNvPr id="2" name="Title 1"/>
+          <p:cNvSpPr>
+            <a:spLocks noGrp="1"/>
+          </p:cNvSpPr>
+          <p:nvPr>
+            <p:ph type="title"/>
+          </p:nvPr>
+        </p:nvSpPr>
+        <p:spPr/>
+        <p:txBody>
+          <a:bodyPr>
+            <a:normAutofit/>
+          </a:bodyPr>
+          <a:lstStyle/>
+          <a:p>
+            <a:r>
+              <a:rPr lang="en-US" sz="3100" dirty="0"/>
+              <a:t>Protein-small molecule: small and deep depressions</a:t>
+            </a:r>
+          </a:p>
+        </p:txBody>
+      </p:sp>
+      <p:pic>
+        <p:nvPicPr>
+          <p:cNvPr id="5" name="Picture 4"/>
+          <p:cNvPicPr>
+            <a:picLocks noChangeAspect="1"/>
+          </p:cNvPicPr>
+          <p:nvPr/>
+        </p:nvPicPr>
+        <p:blipFill>
+          <a:blip r:embed="rId2"/>
+          <a:stretch>
+            <a:fillRect/>
+          </a:stretch>
+        </p:blipFill>
+        <p:spPr>
+          <a:xfrm>
+            <a:off x="2360021" y="1498541"/>
+            <a:ext cx="7690004" cy="5214784"/>
+          </a:xfrm>
+          <a:prstGeom prst="rect">
+            <a:avLst/>
+          </a:prstGeom>
+        </p:spPr>
+      </p:pic>
+    </p:spTree>
+    <p:extLst>
+      <p:ext uri="{BB962C8B-B14F-4D97-AF65-F5344CB8AC3E}">
+        <p14:creationId xmlns:p14="http://schemas.microsoft.com/office/powerpoint/2010/main" val="3474290726"/>
+      </p:ext>
+    </p:extLst>
+  </p:cSld>
+  <p:clrMapOvr>
+    <a:masterClrMapping/>
+  </p:clrMapOvr>
+</p:sld>
+</file>
+
 <file path=ppt/slides/slide28.xml><?xml version="1.0" encoding="utf-8"?>
 <p:sld xmlns:a="http://schemas.openxmlformats.org/drawingml/2006/main" xmlns:r="http://schemas.openxmlformats.org/officeDocument/2006/relationships" xmlns:p="http://schemas.openxmlformats.org/presentationml/2006/main">
   <p:cSld>
@@ -9149,7 +8675,141 @@
       </p:grpSpPr>
       <p:sp>
         <p:nvSpPr>
-          <p:cNvPr id="2" name="Title 1"/>
+          <p:cNvPr id="3" name="Content Placeholder 2"/>
+          <p:cNvSpPr>
+            <a:spLocks noGrp="1"/>
+          </p:cNvSpPr>
+          <p:nvPr>
+            <p:ph idx="1"/>
+          </p:nvPr>
+        </p:nvSpPr>
+        <p:spPr>
+          <a:xfrm>
+            <a:off x="1371063" y="1995688"/>
+            <a:ext cx="9449874" cy="3613376"/>
+          </a:xfrm>
+        </p:spPr>
+        <p:txBody>
+          <a:bodyPr>
+            <a:normAutofit/>
+          </a:bodyPr>
+          <a:lstStyle/>
+          <a:p>
+            <a:r>
+              <a:rPr lang="en-US" b="1" dirty="0">
+                <a:solidFill>
+                  <a:srgbClr val="FF0000"/>
+                </a:solidFill>
+              </a:rPr>
+              <a:t>Flatter</a:t>
+            </a:r>
+            <a:r>
+              <a:rPr lang="en-US" dirty="0">
+                <a:solidFill>
+                  <a:srgbClr val="FF0000"/>
+                </a:solidFill>
+              </a:rPr>
+              <a:t> </a:t>
+            </a:r>
+            <a:r>
+              <a:rPr lang="en-US" dirty="0"/>
+              <a:t>than that of other protein-ligand interfaces</a:t>
+            </a:r>
+          </a:p>
+          <a:p>
+            <a:r>
+              <a:rPr lang="en-US" dirty="0"/>
+              <a:t>Lack the grooves and pockets observed at the surfaces binding small molecules</a:t>
+            </a:r>
+          </a:p>
+          <a:p>
+            <a:r>
+              <a:rPr lang="en-US" dirty="0"/>
+              <a:t>Generally </a:t>
+            </a:r>
+            <a:r>
+              <a:rPr lang="en-US" b="1" dirty="0">
+                <a:solidFill>
+                  <a:srgbClr val="FF0000"/>
+                </a:solidFill>
+              </a:rPr>
+              <a:t>hydrophobic</a:t>
+            </a:r>
+            <a:endParaRPr lang="en-US" dirty="0"/>
+          </a:p>
+          <a:p>
+            <a:r>
+              <a:rPr lang="en-US" dirty="0"/>
+              <a:t>Tighter atom packing</a:t>
+            </a:r>
+          </a:p>
+          <a:p>
+            <a:r>
+              <a:rPr lang="en-US" dirty="0"/>
+              <a:t>Lower polarity</a:t>
+            </a:r>
+          </a:p>
+          <a:p>
+            <a:r>
+              <a:rPr lang="en-US" dirty="0"/>
+              <a:t>Higher conservation (especially at the center of the interface)</a:t>
+            </a:r>
+          </a:p>
+          <a:p>
+            <a:endParaRPr lang="en-US" baseline="30000" dirty="0"/>
+          </a:p>
+        </p:txBody>
+      </p:sp>
+      <p:sp>
+        <p:nvSpPr>
+          <p:cNvPr id="5" name="Rectangle 4"/>
+          <p:cNvSpPr/>
+          <p:nvPr/>
+        </p:nvSpPr>
+        <p:spPr>
+          <a:xfrm>
+            <a:off x="1524000" y="0"/>
+            <a:ext cx="9180512" cy="1400090"/>
+          </a:xfrm>
+          <a:prstGeom prst="rect">
+            <a:avLst/>
+          </a:prstGeom>
+          <a:solidFill>
+            <a:schemeClr val="tx2">
+              <a:lumMod val="50000"/>
+            </a:schemeClr>
+          </a:solidFill>
+          <a:ln>
+            <a:noFill/>
+          </a:ln>
+          <a:effectLst/>
+        </p:spPr>
+        <p:style>
+          <a:lnRef idx="1">
+            <a:schemeClr val="accent1"/>
+          </a:lnRef>
+          <a:fillRef idx="3">
+            <a:schemeClr val="accent1"/>
+          </a:fillRef>
+          <a:effectRef idx="2">
+            <a:schemeClr val="accent1"/>
+          </a:effectRef>
+          <a:fontRef idx="minor">
+            <a:schemeClr val="lt1"/>
+          </a:fontRef>
+        </p:style>
+        <p:txBody>
+          <a:bodyPr rtlCol="0" anchor="ctr"/>
+          <a:lstStyle/>
+          <a:p>
+            <a:pPr algn="ctr"/>
+            <a:endParaRPr lang="en-US"/>
+          </a:p>
+        </p:txBody>
+      </p:sp>
+      <p:sp>
+        <p:nvSpPr>
+          <p:cNvPr id="6" name="Title 1"/>
           <p:cNvSpPr>
             <a:spLocks noGrp="1"/>
           </p:cNvSpPr>
@@ -9157,7 +8817,12 @@
             <p:ph type="title"/>
           </p:nvPr>
         </p:nvSpPr>
-        <p:spPr/>
+        <p:spPr>
+          <a:xfrm>
+            <a:off x="1981200" y="95346"/>
+            <a:ext cx="8229600" cy="1143000"/>
+          </a:xfrm>
+        </p:spPr>
         <p:txBody>
           <a:bodyPr>
             <a:normAutofit/>
@@ -9165,40 +8830,25 @@
           <a:lstStyle/>
           <a:p>
             <a:r>
-              <a:rPr lang="en-US" sz="3100" dirty="0"/>
-              <a:t>Protein-small molecule: small and deep depressions</a:t>
-            </a:r>
-          </a:p>
-        </p:txBody>
-      </p:sp>
-      <p:pic>
-        <p:nvPicPr>
-          <p:cNvPr id="5" name="Picture 4"/>
-          <p:cNvPicPr>
-            <a:picLocks noChangeAspect="1"/>
-          </p:cNvPicPr>
-          <p:nvPr/>
-        </p:nvPicPr>
-        <p:blipFill>
-          <a:blip r:embed="rId2"/>
-          <a:stretch>
-            <a:fillRect/>
-          </a:stretch>
-        </p:blipFill>
-        <p:spPr>
-          <a:xfrm>
-            <a:off x="2360021" y="1498541"/>
-            <a:ext cx="7690004" cy="5214784"/>
-          </a:xfrm>
-          <a:prstGeom prst="rect">
-            <a:avLst/>
-          </a:prstGeom>
-        </p:spPr>
-      </p:pic>
+              <a:rPr lang="en-US" dirty="0">
+                <a:solidFill>
+                  <a:schemeClr val="bg1"/>
+                </a:solidFill>
+              </a:rPr>
+              <a:t>Other PPI surface features </a:t>
+            </a:r>
+            <a:endParaRPr lang="en-US" sz="3100" dirty="0">
+              <a:solidFill>
+                <a:schemeClr val="bg1"/>
+              </a:solidFill>
+            </a:endParaRPr>
+          </a:p>
+        </p:txBody>
+      </p:sp>
     </p:spTree>
     <p:extLst>
       <p:ext uri="{BB962C8B-B14F-4D97-AF65-F5344CB8AC3E}">
-        <p14:creationId xmlns:p14="http://schemas.microsoft.com/office/powerpoint/2010/main" val="3474290726"/>
+        <p14:creationId xmlns:p14="http://schemas.microsoft.com/office/powerpoint/2010/main" val="3928843036"/>
       </p:ext>
     </p:extLst>
   </p:cSld>
@@ -9227,94 +8877,7 @@
       </p:grpSpPr>
       <p:sp>
         <p:nvSpPr>
-          <p:cNvPr id="3" name="Content Placeholder 2"/>
-          <p:cNvSpPr>
-            <a:spLocks noGrp="1"/>
-          </p:cNvSpPr>
-          <p:nvPr>
-            <p:ph idx="1"/>
-          </p:nvPr>
-        </p:nvSpPr>
-        <p:spPr>
-          <a:xfrm>
-            <a:off x="1371063" y="1995688"/>
-            <a:ext cx="9449874" cy="3613376"/>
-          </a:xfrm>
-        </p:spPr>
-        <p:txBody>
-          <a:bodyPr>
-            <a:normAutofit/>
-          </a:bodyPr>
-          <a:lstStyle/>
-          <a:p>
-            <a:r>
-              <a:rPr lang="en-US" b="1" dirty="0">
-                <a:solidFill>
-                  <a:srgbClr val="FF0000"/>
-                </a:solidFill>
-              </a:rPr>
-              <a:t>Flatter</a:t>
-            </a:r>
-            <a:r>
-              <a:rPr lang="en-US" dirty="0">
-                <a:solidFill>
-                  <a:srgbClr val="FF0000"/>
-                </a:solidFill>
-              </a:rPr>
-              <a:t> </a:t>
-            </a:r>
-            <a:r>
-              <a:rPr lang="en-US" dirty="0"/>
-              <a:t>than that of other protein-ligand interfaces</a:t>
-            </a:r>
-          </a:p>
-          <a:p>
-            <a:r>
-              <a:rPr lang="en-US" dirty="0"/>
-              <a:t>Lack the grooves and pockets observed at the surfaces binding small molecules</a:t>
-            </a:r>
-          </a:p>
-          <a:p>
-            <a:r>
-              <a:rPr lang="en-US" dirty="0"/>
-              <a:t>Generally </a:t>
-            </a:r>
-            <a:r>
-              <a:rPr lang="en-US" b="1" dirty="0">
-                <a:solidFill>
-                  <a:srgbClr val="FF0000"/>
-                </a:solidFill>
-              </a:rPr>
-              <a:t>hydrophobic</a:t>
-            </a:r>
-            <a:endParaRPr lang="en-US" dirty="0"/>
-          </a:p>
-          <a:p>
-            <a:r>
-              <a:rPr lang="en-US" dirty="0"/>
-              <a:t>Tighter atom packing</a:t>
-            </a:r>
-          </a:p>
-          <a:p>
-            <a:r>
-              <a:rPr lang="en-US" dirty="0"/>
-              <a:t>Lower polarity</a:t>
-            </a:r>
-          </a:p>
-          <a:p>
-            <a:r>
-              <a:rPr lang="en-US" dirty="0"/>
-              <a:t>Higher conservation (especially at the center of the interface)</a:t>
-            </a:r>
-          </a:p>
-          <a:p>
-            <a:endParaRPr lang="en-US" baseline="30000" dirty="0"/>
-          </a:p>
-        </p:txBody>
-      </p:sp>
-      <p:sp>
-        <p:nvSpPr>
-          <p:cNvPr id="5" name="Rectangle 4"/>
+          <p:cNvPr id="8" name="Rectangle 7"/>
           <p:cNvSpPr/>
           <p:nvPr/>
         </p:nvSpPr>
@@ -9382,25 +8945,120 @@
           <a:lstStyle/>
           <a:p>
             <a:r>
-              <a:rPr lang="en-US" dirty="0">
+              <a:rPr lang="en-US" sz="3600" dirty="0">
                 <a:solidFill>
                   <a:schemeClr val="bg1"/>
                 </a:solidFill>
               </a:rPr>
-              <a:t>Other PPI surface features </a:t>
-            </a:r>
-            <a:endParaRPr lang="en-US" sz="3100" dirty="0">
-              <a:solidFill>
-                <a:schemeClr val="bg1"/>
-              </a:solidFill>
-            </a:endParaRPr>
+              <a:t>Some more facts about PPIs</a:t>
+            </a:r>
+          </a:p>
+        </p:txBody>
+      </p:sp>
+      <p:sp>
+        <p:nvSpPr>
+          <p:cNvPr id="4" name="Rectangle 3"/>
+          <p:cNvSpPr/>
+          <p:nvPr/>
+        </p:nvSpPr>
+        <p:spPr>
+          <a:xfrm>
+            <a:off x="903249" y="2119654"/>
+            <a:ext cx="9599379" cy="3354765"/>
+          </a:xfrm>
+          <a:prstGeom prst="rect">
+            <a:avLst/>
+          </a:prstGeom>
+        </p:spPr>
+        <p:txBody>
+          <a:bodyPr wrap="square">
+            <a:spAutoFit/>
+          </a:bodyPr>
+          <a:lstStyle/>
+          <a:p>
+            <a:pPr marL="342900" indent="-342900">
+              <a:buFont typeface="Arial"/>
+              <a:buChar char="•"/>
+            </a:pPr>
+            <a:r>
+              <a:rPr lang="en-US" sz="2800" dirty="0"/>
+              <a:t>Transient interfaces differ from stable interfaces</a:t>
+            </a:r>
+          </a:p>
+          <a:p>
+            <a:pPr marL="342900" indent="-342900">
+              <a:buFont typeface="Arial"/>
+              <a:buChar char="•"/>
+            </a:pPr>
+            <a:r>
+              <a:rPr lang="en-US" sz="2800" dirty="0"/>
+              <a:t>Stable interfaces: </a:t>
+            </a:r>
+          </a:p>
+          <a:p>
+            <a:pPr marL="800100" lvl="1" indent="-342900">
+              <a:buFont typeface="Arial"/>
+              <a:buChar char="•"/>
+            </a:pPr>
+            <a:r>
+              <a:rPr lang="en-US" sz="2400" dirty="0"/>
+              <a:t>less planar</a:t>
+            </a:r>
+          </a:p>
+          <a:p>
+            <a:pPr marL="800100" lvl="1" indent="-342900">
+              <a:buFont typeface="Arial"/>
+              <a:buChar char="•"/>
+            </a:pPr>
+            <a:r>
+              <a:rPr lang="en-US" sz="2400" dirty="0"/>
+              <a:t>more hydrophobic</a:t>
+            </a:r>
+          </a:p>
+          <a:p>
+            <a:pPr marL="800100" lvl="1" indent="-342900">
+              <a:buFont typeface="Arial"/>
+              <a:buChar char="•"/>
+            </a:pPr>
+            <a:r>
+              <a:rPr lang="en-US" sz="2400" dirty="0"/>
+              <a:t>better geometric and electrostatic complementarity</a:t>
+            </a:r>
+          </a:p>
+          <a:p>
+            <a:pPr marL="342900" indent="-342900">
+              <a:buFont typeface="Arial"/>
+              <a:buChar char="•"/>
+            </a:pPr>
+            <a:r>
+              <a:rPr lang="en-US" sz="2800" dirty="0" err="1"/>
+              <a:t>Homodimeric</a:t>
+            </a:r>
+            <a:r>
+              <a:rPr lang="en-US" sz="2800" dirty="0"/>
+              <a:t> interfaces resemble protein cores</a:t>
+            </a:r>
+          </a:p>
+          <a:p>
+            <a:pPr marL="342900" indent="-342900">
+              <a:buFont typeface="Arial"/>
+              <a:buChar char="•"/>
+            </a:pPr>
+            <a:r>
+              <a:rPr lang="en-US" sz="2800" dirty="0" err="1"/>
+              <a:t>Heterodimeric</a:t>
+            </a:r>
+            <a:r>
+              <a:rPr lang="en-US" sz="2800" dirty="0"/>
+              <a:t> interfaces are more like regular (i.e. non-binding) surfaces</a:t>
+            </a:r>
           </a:p>
         </p:txBody>
       </p:sp>
     </p:spTree>
     <p:extLst>
       <p:ext uri="{BB962C8B-B14F-4D97-AF65-F5344CB8AC3E}">
-        <p14:creationId xmlns:p14="http://schemas.microsoft.com/office/powerpoint/2010/main" val="3928843036"/>
+        <p14:creationId xmlns:p14="http://schemas.microsoft.com/office/powerpoint/2010/main" val="3555379019"/>
       </p:ext>
     </p:extLst>
   </p:cSld>
@@ -9429,38 +9087,270 @@
       </p:grpSpPr>
       <p:sp>
         <p:nvSpPr>
-          <p:cNvPr id="2" name="Title 1"/>
-          <p:cNvSpPr>
-            <a:spLocks noGrp="1"/>
-          </p:cNvSpPr>
-          <p:nvPr>
-            <p:ph type="title"/>
-          </p:nvPr>
-        </p:nvSpPr>
-        <p:spPr>
-          <a:xfrm>
-            <a:off x="1873404" y="2645404"/>
-            <a:ext cx="9289619" cy="1143000"/>
-          </a:xfrm>
-        </p:spPr>
-        <p:txBody>
-          <a:bodyPr>
-            <a:normAutofit fontScale="90000"/>
+          <p:cNvPr id="56322" name="Line 2"/>
+          <p:cNvSpPr>
+            <a:spLocks noChangeShapeType="1"/>
+          </p:cNvSpPr>
+          <p:nvPr/>
+        </p:nvSpPr>
+        <p:spPr bwMode="auto">
+          <a:xfrm>
+            <a:off x="1089103" y="914771"/>
+            <a:ext cx="9144000" cy="0"/>
+          </a:xfrm>
+          <a:prstGeom prst="line">
+            <a:avLst/>
+          </a:prstGeom>
+          <a:noFill/>
+          <a:ln w="25400">
+            <a:solidFill>
+              <a:srgbClr val="800000"/>
+            </a:solidFill>
+            <a:round/>
+            <a:headEnd/>
+            <a:tailEnd/>
+          </a:ln>
+        </p:spPr>
+        <p:txBody>
+          <a:bodyPr wrap="none" anchor="ctr">
+            <a:prstTxWarp prst="textNoShape">
+              <a:avLst/>
+            </a:prstTxWarp>
           </a:bodyPr>
           <a:lstStyle/>
           <a:p>
-            <a:r>
-              <a:rPr lang="it-IT"/>
-              <a:t>Forces at play in protein interactions and features of protein interaction interfaces</a:t>
-            </a:r>
-            <a:endParaRPr lang="en-US" dirty="0"/>
+            <a:endParaRPr lang="it-IT">
+              <a:latin typeface="Corbel" panose="020B0503020204020204" pitchFamily="34" charset="0"/>
+            </a:endParaRPr>
+          </a:p>
+        </p:txBody>
+      </p:sp>
+      <p:sp>
+        <p:nvSpPr>
+          <p:cNvPr id="56323" name="Rectangle 3"/>
+          <p:cNvSpPr>
+            <a:spLocks noChangeArrowheads="1"/>
+          </p:cNvSpPr>
+          <p:nvPr/>
+        </p:nvSpPr>
+        <p:spPr bwMode="auto">
+          <a:xfrm>
+            <a:off x="2112518" y="220289"/>
+            <a:ext cx="7476959" cy="523220"/>
+          </a:xfrm>
+          <a:prstGeom prst="rect">
+            <a:avLst/>
+          </a:prstGeom>
+          <a:noFill/>
+          <a:ln w="9525">
+            <a:noFill/>
+            <a:miter lim="800000"/>
+            <a:headEnd/>
+            <a:tailEnd/>
+          </a:ln>
+        </p:spPr>
+        <p:txBody>
+          <a:bodyPr wrap="square">
+            <a:prstTxWarp prst="textNoShape">
+              <a:avLst/>
+            </a:prstTxWarp>
+            <a:spAutoFit/>
+          </a:bodyPr>
+          <a:lstStyle/>
+          <a:p>
+            <a:r>
+              <a:rPr lang="en-US" sz="2800" b="1" dirty="0">
+                <a:latin typeface="Corbel" panose="020B0503020204020204" pitchFamily="34" charset="0"/>
+              </a:rPr>
+              <a:t>Energy and work are necessary to keep order</a:t>
+            </a:r>
+          </a:p>
+        </p:txBody>
+      </p:sp>
+      <p:sp>
+        <p:nvSpPr>
+          <p:cNvPr id="56324" name="Rectangle 4"/>
+          <p:cNvSpPr>
+            <a:spLocks noChangeArrowheads="1"/>
+          </p:cNvSpPr>
+          <p:nvPr/>
+        </p:nvSpPr>
+        <p:spPr bwMode="auto">
+          <a:xfrm>
+            <a:off x="633046" y="1815208"/>
+            <a:ext cx="6806595" cy="461665"/>
+          </a:xfrm>
+          <a:prstGeom prst="rect">
+            <a:avLst/>
+          </a:prstGeom>
+          <a:noFill/>
+          <a:ln w="9525">
+            <a:noFill/>
+            <a:miter lim="800000"/>
+            <a:headEnd/>
+            <a:tailEnd/>
+          </a:ln>
+        </p:spPr>
+        <p:txBody>
+          <a:bodyPr wrap="square">
+            <a:prstTxWarp prst="textNoShape">
+              <a:avLst/>
+            </a:prstTxWarp>
+            <a:spAutoFit/>
+          </a:bodyPr>
+          <a:lstStyle/>
+          <a:p>
+            <a:pPr>
+              <a:buFontTx/>
+              <a:buChar char="•"/>
+            </a:pPr>
+            <a:r>
+              <a:rPr lang="en-US" sz="2400" dirty="0">
+                <a:latin typeface="Corbel" panose="020B0503020204020204" pitchFamily="34" charset="0"/>
+              </a:rPr>
+              <a:t>The entropy of the universe tends to grow</a:t>
+            </a:r>
+          </a:p>
+        </p:txBody>
+      </p:sp>
+      <p:sp>
+        <p:nvSpPr>
+          <p:cNvPr id="56325" name="Rectangle 5"/>
+          <p:cNvSpPr>
+            <a:spLocks noChangeArrowheads="1"/>
+          </p:cNvSpPr>
+          <p:nvPr/>
+        </p:nvSpPr>
+        <p:spPr bwMode="auto">
+          <a:xfrm>
+            <a:off x="633046" y="2525996"/>
+            <a:ext cx="10820400" cy="461665"/>
+          </a:xfrm>
+          <a:prstGeom prst="rect">
+            <a:avLst/>
+          </a:prstGeom>
+          <a:noFill/>
+          <a:ln w="9525">
+            <a:noFill/>
+            <a:miter lim="800000"/>
+            <a:headEnd/>
+            <a:tailEnd/>
+          </a:ln>
+        </p:spPr>
+        <p:txBody>
+          <a:bodyPr wrap="square">
+            <a:prstTxWarp prst="textNoShape">
+              <a:avLst/>
+            </a:prstTxWarp>
+            <a:spAutoFit/>
+          </a:bodyPr>
+          <a:lstStyle/>
+          <a:p>
+            <a:pPr>
+              <a:buFontTx/>
+              <a:buChar char="•"/>
+            </a:pPr>
+            <a:r>
+              <a:rPr lang="en-US" sz="2400" dirty="0">
+                <a:latin typeface="Corbel" panose="020B0503020204020204" pitchFamily="34" charset="0"/>
+              </a:rPr>
+              <a:t>The formation of macromolecules is not an accidental process but requires work </a:t>
+            </a:r>
+          </a:p>
+        </p:txBody>
+      </p:sp>
+      <p:sp>
+        <p:nvSpPr>
+          <p:cNvPr id="56326" name="Rectangle 6"/>
+          <p:cNvSpPr>
+            <a:spLocks noChangeArrowheads="1"/>
+          </p:cNvSpPr>
+          <p:nvPr/>
+        </p:nvSpPr>
+        <p:spPr bwMode="auto">
+          <a:xfrm>
+            <a:off x="633046" y="3236784"/>
+            <a:ext cx="7429779" cy="461665"/>
+          </a:xfrm>
+          <a:prstGeom prst="rect">
+            <a:avLst/>
+          </a:prstGeom>
+          <a:noFill/>
+          <a:ln w="9525">
+            <a:noFill/>
+            <a:miter lim="800000"/>
+            <a:headEnd/>
+            <a:tailEnd/>
+          </a:ln>
+        </p:spPr>
+        <p:txBody>
+          <a:bodyPr wrap="square">
+            <a:prstTxWarp prst="textNoShape">
+              <a:avLst/>
+            </a:prstTxWarp>
+            <a:spAutoFit/>
+          </a:bodyPr>
+          <a:lstStyle/>
+          <a:p>
+            <a:pPr>
+              <a:buFontTx/>
+              <a:buChar char="•"/>
+            </a:pPr>
+            <a:r>
+              <a:rPr lang="en-US" sz="2400" dirty="0">
+                <a:latin typeface="Corbel" panose="020B0503020204020204" pitchFamily="34" charset="0"/>
+              </a:rPr>
+              <a:t>The synthesis of macromolecules needs energy</a:t>
+            </a:r>
+          </a:p>
+        </p:txBody>
+      </p:sp>
+      <p:sp>
+        <p:nvSpPr>
+          <p:cNvPr id="56327" name="Rectangle 7"/>
+          <p:cNvSpPr>
+            <a:spLocks noChangeArrowheads="1"/>
+          </p:cNvSpPr>
+          <p:nvPr/>
+        </p:nvSpPr>
+        <p:spPr bwMode="auto">
+          <a:xfrm>
+            <a:off x="841012" y="4183386"/>
+            <a:ext cx="10612433" cy="1200329"/>
+          </a:xfrm>
+          <a:prstGeom prst="rect">
+            <a:avLst/>
+          </a:prstGeom>
+          <a:noFill/>
+          <a:ln w="9525">
+            <a:noFill/>
+            <a:miter lim="800000"/>
+            <a:headEnd/>
+            <a:tailEnd/>
+          </a:ln>
+        </p:spPr>
+        <p:txBody>
+          <a:bodyPr wrap="square">
+            <a:prstTxWarp prst="textNoShape">
+              <a:avLst/>
+            </a:prstTxWarp>
+            <a:spAutoFit/>
+          </a:bodyPr>
+          <a:lstStyle/>
+          <a:p>
+            <a:r>
+              <a:rPr lang="en-US" sz="3600" dirty="0">
+                <a:latin typeface="Corbel" panose="020B0503020204020204" pitchFamily="34" charset="0"/>
+              </a:rPr>
+              <a:t>We measure the energy variations occurring during chemical reactions in terms of GIBBS FREE ENERGY, G</a:t>
+            </a:r>
           </a:p>
         </p:txBody>
       </p:sp>
     </p:spTree>
     <p:extLst>
       <p:ext uri="{BB962C8B-B14F-4D97-AF65-F5344CB8AC3E}">
-        <p14:creationId xmlns:p14="http://schemas.microsoft.com/office/powerpoint/2010/main" val="2559205724"/>
+        <p14:creationId xmlns:p14="http://schemas.microsoft.com/office/powerpoint/2010/main" val="399648602"/>
       </p:ext>
     </p:extLst>
   </p:cSld>
@@ -9489,54 +9379,7 @@
       </p:grpSpPr>
       <p:sp>
         <p:nvSpPr>
-          <p:cNvPr id="8" name="Rectangle 7"/>
-          <p:cNvSpPr/>
-          <p:nvPr/>
-        </p:nvSpPr>
-        <p:spPr>
-          <a:xfrm>
-            <a:off x="1524000" y="0"/>
-            <a:ext cx="9180512" cy="1400090"/>
-          </a:xfrm>
-          <a:prstGeom prst="rect">
-            <a:avLst/>
-          </a:prstGeom>
-          <a:solidFill>
-            <a:schemeClr val="tx2">
-              <a:lumMod val="50000"/>
-            </a:schemeClr>
-          </a:solidFill>
-          <a:ln>
-            <a:noFill/>
-          </a:ln>
-          <a:effectLst/>
-        </p:spPr>
-        <p:style>
-          <a:lnRef idx="1">
-            <a:schemeClr val="accent1"/>
-          </a:lnRef>
-          <a:fillRef idx="3">
-            <a:schemeClr val="accent1"/>
-          </a:fillRef>
-          <a:effectRef idx="2">
-            <a:schemeClr val="accent1"/>
-          </a:effectRef>
-          <a:fontRef idx="minor">
-            <a:schemeClr val="lt1"/>
-          </a:fontRef>
-        </p:style>
-        <p:txBody>
-          <a:bodyPr rtlCol="0" anchor="ctr"/>
-          <a:lstStyle/>
-          <a:p>
-            <a:pPr algn="ctr"/>
-            <a:endParaRPr lang="en-US"/>
-          </a:p>
-        </p:txBody>
-      </p:sp>
-      <p:sp>
-        <p:nvSpPr>
-          <p:cNvPr id="6" name="Title 1"/>
+          <p:cNvPr id="2" name="Title 1"/>
           <p:cNvSpPr>
             <a:spLocks noGrp="1"/>
           </p:cNvSpPr>
@@ -9544,12 +9387,29 @@
             <p:ph type="title"/>
           </p:nvPr>
         </p:nvSpPr>
-        <p:spPr>
-          <a:xfrm>
-            <a:off x="1981200" y="95346"/>
-            <a:ext cx="8229600" cy="1143000"/>
-          </a:xfrm>
-        </p:spPr>
+        <p:spPr/>
+        <p:txBody>
+          <a:bodyPr/>
+          <a:lstStyle/>
+          <a:p>
+            <a:r>
+              <a:rPr lang="en-US" dirty="0"/>
+              <a:t>Specificity</a:t>
+            </a:r>
+          </a:p>
+        </p:txBody>
+      </p:sp>
+      <p:sp>
+        <p:nvSpPr>
+          <p:cNvPr id="3" name="Content Placeholder 2"/>
+          <p:cNvSpPr>
+            <a:spLocks noGrp="1"/>
+          </p:cNvSpPr>
+          <p:nvPr>
+            <p:ph idx="1"/>
+          </p:nvPr>
+        </p:nvSpPr>
+        <p:spPr/>
         <p:txBody>
           <a:bodyPr>
             <a:normAutofit/>
@@ -9557,120 +9417,28 @@
           <a:lstStyle/>
           <a:p>
             <a:r>
-              <a:rPr lang="en-US" sz="3600" dirty="0">
-                <a:solidFill>
-                  <a:schemeClr val="bg1"/>
-                </a:solidFill>
-              </a:rPr>
-              <a:t>Some more facts about PPIs</a:t>
-            </a:r>
-          </a:p>
-        </p:txBody>
-      </p:sp>
-      <p:sp>
-        <p:nvSpPr>
-          <p:cNvPr id="4" name="Rectangle 3"/>
-          <p:cNvSpPr/>
-          <p:nvPr/>
-        </p:nvSpPr>
-        <p:spPr>
-          <a:xfrm>
-            <a:off x="903249" y="2119654"/>
-            <a:ext cx="9599379" cy="3354765"/>
-          </a:xfrm>
-          <a:prstGeom prst="rect">
-            <a:avLst/>
-          </a:prstGeom>
-        </p:spPr>
-        <p:txBody>
-          <a:bodyPr wrap="square">
-            <a:spAutoFit/>
-          </a:bodyPr>
-          <a:lstStyle/>
-          <a:p>
-            <a:pPr marL="342900" indent="-342900">
-              <a:buFont typeface="Arial"/>
-              <a:buChar char="•"/>
+              <a:rPr lang="en-US" dirty="0"/>
+              <a:t>Conferred by electrostatic interactions</a:t>
+            </a:r>
+          </a:p>
+          <a:p>
+            <a:r>
+              <a:rPr lang="en-US" dirty="0"/>
+              <a:t>Electrostatic interactions prevent aggregation (mediated by non-polar interactions)</a:t>
+            </a:r>
+          </a:p>
+          <a:p>
+            <a:pPr marL="0" indent="0">
+              <a:buNone/>
             </a:pPr>
-            <a:r>
-              <a:rPr lang="en-US" sz="2800" dirty="0"/>
-              <a:t>Transient interfaces differ from stable interfaces</a:t>
-            </a:r>
-          </a:p>
-          <a:p>
-            <a:pPr marL="342900" indent="-342900">
-              <a:buFont typeface="Arial"/>
-              <a:buChar char="•"/>
-            </a:pPr>
-            <a:r>
-              <a:rPr lang="en-US" sz="2800" dirty="0"/>
-              <a:t>Stable interfaces: </a:t>
-            </a:r>
-          </a:p>
-          <a:p>
-            <a:pPr marL="800100" lvl="1" indent="-342900">
-              <a:buFont typeface="Arial"/>
-              <a:buChar char="•"/>
-            </a:pPr>
-            <a:r>
-              <a:rPr lang="en-US" sz="2400" dirty="0"/>
-              <a:t>less planar</a:t>
-            </a:r>
-          </a:p>
-          <a:p>
-            <a:pPr marL="800100" lvl="1" indent="-342900">
-              <a:buFont typeface="Arial"/>
-              <a:buChar char="•"/>
-            </a:pPr>
-            <a:r>
-              <a:rPr lang="en-US" sz="2400" dirty="0"/>
-              <a:t>more hydrophobic</a:t>
-            </a:r>
-          </a:p>
-          <a:p>
-            <a:pPr marL="800100" lvl="1" indent="-342900">
-              <a:buFont typeface="Arial"/>
-              <a:buChar char="•"/>
-            </a:pPr>
-            <a:r>
-              <a:rPr lang="en-US" sz="2400" dirty="0"/>
-              <a:t>better geometric and electrostatic complementarity</a:t>
-            </a:r>
-          </a:p>
-          <a:p>
-            <a:pPr marL="342900" indent="-342900">
-              <a:buFont typeface="Arial"/>
-              <a:buChar char="•"/>
-            </a:pPr>
-            <a:r>
-              <a:rPr lang="en-US" sz="2800" dirty="0" err="1"/>
-              <a:t>Homodimeric</a:t>
-            </a:r>
-            <a:r>
-              <a:rPr lang="en-US" sz="2800" dirty="0"/>
-              <a:t> interfaces resemble protein cores</a:t>
-            </a:r>
-          </a:p>
-          <a:p>
-            <a:pPr marL="342900" indent="-342900">
-              <a:buFont typeface="Arial"/>
-              <a:buChar char="•"/>
-            </a:pPr>
-            <a:r>
-              <a:rPr lang="en-US" sz="2800" dirty="0" err="1"/>
-              <a:t>Heterodimeric</a:t>
-            </a:r>
-            <a:r>
-              <a:rPr lang="en-US" sz="2800" dirty="0"/>
-              <a:t> interfaces are more like regular (i.e. non-binding) surfaces</a:t>
-            </a:r>
+            <a:endParaRPr lang="en-US" dirty="0"/>
           </a:p>
         </p:txBody>
       </p:sp>
     </p:spTree>
     <p:extLst>
       <p:ext uri="{BB962C8B-B14F-4D97-AF65-F5344CB8AC3E}">
-        <p14:creationId xmlns:p14="http://schemas.microsoft.com/office/powerpoint/2010/main" val="3555379019"/>
+        <p14:creationId xmlns:p14="http://schemas.microsoft.com/office/powerpoint/2010/main" val="654608006"/>
       </p:ext>
     </p:extLst>
   </p:cSld>
@@ -9714,51 +9482,114 @@
           <a:p>
             <a:r>
               <a:rPr lang="en-US" dirty="0"/>
-              <a:t>Specificity</a:t>
-            </a:r>
-          </a:p>
-        </p:txBody>
-      </p:sp>
-      <p:sp>
-        <p:nvSpPr>
-          <p:cNvPr id="3" name="Content Placeholder 2"/>
-          <p:cNvSpPr>
-            <a:spLocks noGrp="1"/>
-          </p:cNvSpPr>
-          <p:nvPr>
-            <p:ph idx="1"/>
-          </p:nvPr>
-        </p:nvSpPr>
-        <p:spPr/>
-        <p:txBody>
-          <a:bodyPr>
-            <a:normAutofit/>
+              <a:t>Affinity</a:t>
+            </a:r>
+          </a:p>
+        </p:txBody>
+      </p:sp>
+      <p:sp>
+        <p:nvSpPr>
+          <p:cNvPr id="4" name="Rectangle 3"/>
+          <p:cNvSpPr/>
+          <p:nvPr/>
+        </p:nvSpPr>
+        <p:spPr>
+          <a:xfrm>
+            <a:off x="1037063" y="1898698"/>
+            <a:ext cx="9506793" cy="4031873"/>
+          </a:xfrm>
+          <a:prstGeom prst="rect">
+            <a:avLst/>
+          </a:prstGeom>
+        </p:spPr>
+        <p:txBody>
+          <a:bodyPr wrap="square">
+            <a:spAutoFit/>
           </a:bodyPr>
           <a:lstStyle/>
           <a:p>
-            <a:r>
-              <a:rPr lang="en-US" dirty="0"/>
-              <a:t>Conferred by electrostatic interactions</a:t>
-            </a:r>
-          </a:p>
-          <a:p>
-            <a:r>
-              <a:rPr lang="en-US" dirty="0"/>
-              <a:t>Electrostatic interactions prevent aggregation (mediated by non-polar interactions)</a:t>
-            </a:r>
-          </a:p>
-          <a:p>
-            <a:pPr marL="0" indent="0">
-              <a:buNone/>
+            <a:pPr marL="342900" indent="-342900">
+              <a:buFont typeface="Arial"/>
+              <a:buChar char="•"/>
             </a:pPr>
-            <a:endParaRPr lang="en-US" dirty="0"/>
+            <a:r>
+              <a:rPr lang="en-US" sz="3200" dirty="0"/>
+              <a:t>The affinity of PPI varies from </a:t>
+            </a:r>
+            <a:r>
+              <a:rPr lang="en-US" sz="3200" dirty="0" err="1"/>
+              <a:t>millimolar</a:t>
+            </a:r>
+            <a:r>
+              <a:rPr lang="en-US" sz="3200" dirty="0"/>
+              <a:t> to </a:t>
+            </a:r>
+            <a:r>
+              <a:rPr lang="en-US" sz="3200" dirty="0" err="1"/>
+              <a:t>picomolar</a:t>
+            </a:r>
+            <a:r>
+              <a:rPr lang="en-US" sz="3200" dirty="0"/>
+              <a:t>, depending on the type of interaction and signaling needed (Chen et al. Protein Sci. 2013)</a:t>
+            </a:r>
+          </a:p>
+          <a:p>
+            <a:pPr marL="342900" indent="-342900">
+              <a:buFont typeface="Arial"/>
+              <a:buChar char="•"/>
+            </a:pPr>
+            <a:r>
+              <a:rPr lang="en-US" sz="3200" dirty="0"/>
+              <a:t>Despite affinity varies over a wide range, proteins can maintain a high degree of specificity for their partners</a:t>
+            </a:r>
+          </a:p>
+          <a:p>
+            <a:pPr marL="342900" indent="-342900">
+              <a:buFont typeface="Arial"/>
+              <a:buChar char="•"/>
+            </a:pPr>
+            <a:r>
+              <a:rPr lang="en-US" sz="3200" dirty="0"/>
+              <a:t>Many proteins exhibit affinity for multiple partners (Reichmann et al. </a:t>
+            </a:r>
+            <a:r>
+              <a:rPr lang="en-US" sz="3200" dirty="0" err="1"/>
+              <a:t>Curr</a:t>
+            </a:r>
+            <a:r>
+              <a:rPr lang="en-US" sz="3200" dirty="0"/>
+              <a:t>. </a:t>
+            </a:r>
+            <a:r>
+              <a:rPr lang="en-US" sz="3200" dirty="0" err="1"/>
+              <a:t>Opin</a:t>
+            </a:r>
+            <a:r>
+              <a:rPr lang="en-US" sz="3200" dirty="0"/>
+              <a:t>. </a:t>
+            </a:r>
+            <a:r>
+              <a:rPr lang="en-US" sz="3200" dirty="0" err="1"/>
+              <a:t>Struct</a:t>
+            </a:r>
+            <a:r>
+              <a:rPr lang="en-US" sz="3200" dirty="0"/>
+              <a:t>. Biol. 2007) </a:t>
+            </a:r>
+            <a:r>
+              <a:rPr lang="en-US" sz="3200" dirty="0">
+                <a:sym typeface="Wingdings"/>
+              </a:rPr>
+              <a:t> hubs</a:t>
+            </a:r>
+            <a:endParaRPr lang="en-US" sz="3200" dirty="0"/>
           </a:p>
         </p:txBody>
       </p:sp>
     </p:spTree>
     <p:extLst>
       <p:ext uri="{BB962C8B-B14F-4D97-AF65-F5344CB8AC3E}">
-        <p14:creationId xmlns:p14="http://schemas.microsoft.com/office/powerpoint/2010/main" val="654608006"/>
+        <p14:creationId xmlns:p14="http://schemas.microsoft.com/office/powerpoint/2010/main" val="528286608"/>
       </p:ext>
     </p:extLst>
   </p:cSld>
@@ -9795,121 +9626,123 @@
             <p:ph type="title"/>
           </p:nvPr>
         </p:nvSpPr>
-        <p:spPr/>
+        <p:spPr>
+          <a:xfrm>
+            <a:off x="1631795" y="429323"/>
+            <a:ext cx="8229600" cy="1143000"/>
+          </a:xfrm>
+        </p:spPr>
         <p:txBody>
           <a:bodyPr/>
           <a:lstStyle/>
           <a:p>
             <a:r>
               <a:rPr lang="en-US" dirty="0"/>
-              <a:t>Affinity</a:t>
-            </a:r>
-          </a:p>
-        </p:txBody>
-      </p:sp>
-      <p:sp>
-        <p:nvSpPr>
-          <p:cNvPr id="4" name="Rectangle 3"/>
-          <p:cNvSpPr/>
-          <p:nvPr/>
+              <a:t>Specificity</a:t>
+            </a:r>
+          </a:p>
+        </p:txBody>
+      </p:sp>
+      <p:sp>
+        <p:nvSpPr>
+          <p:cNvPr id="3" name="Content Placeholder 2"/>
+          <p:cNvSpPr>
+            <a:spLocks noGrp="1"/>
+          </p:cNvSpPr>
+          <p:nvPr>
+            <p:ph idx="1"/>
+          </p:nvPr>
         </p:nvSpPr>
         <p:spPr>
           <a:xfrm>
-            <a:off x="1037063" y="1898698"/>
-            <a:ext cx="9506793" cy="4031873"/>
-          </a:xfrm>
-          <a:prstGeom prst="rect">
-            <a:avLst/>
-          </a:prstGeom>
-        </p:spPr>
-        <p:txBody>
-          <a:bodyPr wrap="square">
-            <a:spAutoFit/>
+            <a:off x="1631795" y="1828796"/>
+            <a:ext cx="8928410" cy="3456881"/>
+          </a:xfrm>
+        </p:spPr>
+        <p:txBody>
+          <a:bodyPr>
+            <a:normAutofit/>
           </a:bodyPr>
           <a:lstStyle/>
           <a:p>
-            <a:pPr marL="342900" indent="-342900">
-              <a:buFont typeface="Arial"/>
-              <a:buChar char="•"/>
-            </a:pPr>
-            <a:r>
-              <a:rPr lang="en-US" sz="3200" dirty="0"/>
-              <a:t>The affinity of PPI varies from </a:t>
-            </a:r>
-            <a:r>
-              <a:rPr lang="en-US" sz="3200" dirty="0" err="1"/>
-              <a:t>millimolar</a:t>
-            </a:r>
-            <a:r>
-              <a:rPr lang="en-US" sz="3200" dirty="0"/>
-              <a:t> to </a:t>
-            </a:r>
-            <a:r>
-              <a:rPr lang="en-US" sz="3200" dirty="0" err="1"/>
-              <a:t>picomolar</a:t>
-            </a:r>
-            <a:r>
-              <a:rPr lang="en-US" sz="3200" dirty="0"/>
-              <a:t>, depending on the type of interaction and signaling needed (Chen et al. Protein Sci. 2013)</a:t>
-            </a:r>
-          </a:p>
-          <a:p>
-            <a:pPr marL="342900" indent="-342900">
-              <a:buFont typeface="Arial"/>
-              <a:buChar char="•"/>
-            </a:pPr>
-            <a:r>
-              <a:rPr lang="en-US" sz="3200" dirty="0"/>
-              <a:t>Despite affinity varies over a wide range, proteins can maintain a high degree of specificity for their partners</a:t>
-            </a:r>
-          </a:p>
-          <a:p>
-            <a:pPr marL="342900" indent="-342900">
-              <a:buFont typeface="Arial"/>
-              <a:buChar char="•"/>
-            </a:pPr>
-            <a:r>
-              <a:rPr lang="en-US" sz="3200" dirty="0"/>
-              <a:t>Many proteins exhibit affinity for multiple partners (Reichmann et al. </a:t>
-            </a:r>
-            <a:r>
-              <a:rPr lang="en-US" sz="3200" dirty="0" err="1"/>
-              <a:t>Curr</a:t>
-            </a:r>
-            <a:r>
-              <a:rPr lang="en-US" sz="3200" dirty="0"/>
-              <a:t>. </a:t>
-            </a:r>
-            <a:r>
-              <a:rPr lang="en-US" sz="3200" dirty="0" err="1"/>
-              <a:t>Opin</a:t>
-            </a:r>
-            <a:r>
-              <a:rPr lang="en-US" sz="3200" dirty="0"/>
-              <a:t>. </a:t>
-            </a:r>
-            <a:r>
-              <a:rPr lang="en-US" sz="3200" dirty="0" err="1"/>
-              <a:t>Struct</a:t>
-            </a:r>
-            <a:r>
-              <a:rPr lang="en-US" sz="3200" dirty="0"/>
-              <a:t>. Biol. 2007) </a:t>
-            </a:r>
-            <a:r>
-              <a:rPr lang="en-US" sz="3200" dirty="0">
+            <a:r>
+              <a:rPr lang="en-US" dirty="0"/>
+              <a:t>fixed scaffold, change of loop structure (e.g. antibodies)</a:t>
+            </a:r>
+          </a:p>
+          <a:p>
+            <a:r>
+              <a:rPr lang="en-US" dirty="0">
                 <a:sym typeface="Wingdings"/>
               </a:rPr>
-              <a:t> hubs</a:t>
-            </a:r>
-            <a:endParaRPr lang="en-US" sz="3200" dirty="0"/>
+              <a:t>the ability to bind different partners  </a:t>
+            </a:r>
+            <a:r>
+              <a:rPr lang="en-US" dirty="0"/>
+              <a:t>Low specificity </a:t>
+            </a:r>
+          </a:p>
+          <a:p>
+            <a:r>
+              <a:rPr lang="en-US" dirty="0">
+                <a:sym typeface="Wingdings"/>
+              </a:rPr>
+              <a:t>different proteins can bind the same interface, each interacting with a different cluster of </a:t>
+            </a:r>
+            <a:r>
+              <a:rPr lang="en-US" b="1" dirty="0">
+                <a:solidFill>
+                  <a:srgbClr val="FF0000"/>
+                </a:solidFill>
+                <a:sym typeface="Wingdings"/>
+              </a:rPr>
+              <a:t>nonpolar</a:t>
+            </a:r>
+            <a:r>
+              <a:rPr lang="en-US" dirty="0">
+                <a:solidFill>
+                  <a:srgbClr val="FF0000"/>
+                </a:solidFill>
+                <a:sym typeface="Wingdings"/>
+              </a:rPr>
+              <a:t> </a:t>
+            </a:r>
+            <a:r>
+              <a:rPr lang="en-US" dirty="0">
+                <a:sym typeface="Wingdings"/>
+              </a:rPr>
+              <a:t>residues OR</a:t>
+            </a:r>
+          </a:p>
+          <a:p>
+            <a:r>
+              <a:rPr lang="en-US" dirty="0">
+                <a:sym typeface="Wingdings"/>
+              </a:rPr>
+              <a:t>to the same</a:t>
+            </a:r>
+            <a:r>
+              <a:rPr lang="en-US" b="1" dirty="0">
+                <a:solidFill>
+                  <a:srgbClr val="FF0000"/>
+                </a:solidFill>
+                <a:sym typeface="Wingdings"/>
+              </a:rPr>
+              <a:t> highly flexible </a:t>
+            </a:r>
+            <a:r>
+              <a:rPr lang="en-US" dirty="0">
+                <a:sym typeface="Wingdings"/>
+              </a:rPr>
+              <a:t>interface</a:t>
+            </a:r>
           </a:p>
         </p:txBody>
       </p:sp>
     </p:spTree>
     <p:extLst>
       <p:ext uri="{BB962C8B-B14F-4D97-AF65-F5344CB8AC3E}">
-        <p14:creationId xmlns:p14="http://schemas.microsoft.com/office/powerpoint/2010/main" val="528286608"/>
+        <p14:creationId xmlns:p14="http://schemas.microsoft.com/office/powerpoint/2010/main" val="358074031"/>
       </p:ext>
     </p:extLst>
   </p:cSld>
@@ -9948,8 +9781,8 @@
         </p:nvSpPr>
         <p:spPr>
           <a:xfrm>
-            <a:off x="1631795" y="429323"/>
-            <a:ext cx="8229600" cy="1143000"/>
+            <a:off x="1981200" y="25684"/>
+            <a:ext cx="8229600" cy="820910"/>
           </a:xfrm>
         </p:spPr>
         <p:txBody>
@@ -9957,112 +9790,68 @@
           <a:lstStyle/>
           <a:p>
             <a:r>
+              <a:rPr lang="en-US" dirty="0" err="1"/>
+              <a:t>Polyproline</a:t>
+            </a:r>
+            <a:r>
               <a:rPr lang="en-US" dirty="0"/>
-              <a:t>Specificity</a:t>
-            </a:r>
-          </a:p>
-        </p:txBody>
-      </p:sp>
-      <p:sp>
-        <p:nvSpPr>
-          <p:cNvPr id="3" name="Content Placeholder 2"/>
-          <p:cNvSpPr>
-            <a:spLocks noGrp="1"/>
-          </p:cNvSpPr>
-          <p:nvPr>
-            <p:ph idx="1"/>
-          </p:nvPr>
-        </p:nvSpPr>
+              <a:t> type II helices</a:t>
+            </a:r>
+          </a:p>
+        </p:txBody>
+      </p:sp>
+      <p:pic>
+        <p:nvPicPr>
+          <p:cNvPr id="5" name="Picture 4"/>
+          <p:cNvPicPr>
+            <a:picLocks noChangeAspect="1"/>
+          </p:cNvPicPr>
+          <p:nvPr/>
+        </p:nvPicPr>
+        <p:blipFill>
+          <a:blip r:embed="rId2"/>
+          <a:stretch>
+            <a:fillRect/>
+          </a:stretch>
+        </p:blipFill>
         <p:spPr>
           <a:xfrm>
-            <a:off x="1631795" y="1828796"/>
-            <a:ext cx="8928410" cy="3456881"/>
-          </a:xfrm>
-        </p:spPr>
-        <p:txBody>
-          <a:bodyPr>
-            <a:normAutofit/>
-          </a:bodyPr>
-          <a:lstStyle/>
-          <a:p>
-            <a:r>
-              <a:rPr lang="en-US" dirty="0"/>
-              <a:t>Fixed scaffold, change of loop structure (antibodies)</a:t>
-            </a:r>
-          </a:p>
-          <a:p>
-            <a:r>
-              <a:rPr lang="en-US" dirty="0">
-                <a:sym typeface="Wingdings"/>
-              </a:rPr>
-              <a:t>The ability to bind different partners  </a:t>
-            </a:r>
-            <a:r>
-              <a:rPr lang="en-US" dirty="0"/>
-              <a:t>Low specificity </a:t>
-            </a:r>
-          </a:p>
-          <a:p>
-            <a:r>
-              <a:rPr lang="en-US" dirty="0">
-                <a:sym typeface="Wingdings"/>
-              </a:rPr>
-              <a:t>Different proteins can bind the same interface, each interacting with a different cluster of </a:t>
-            </a:r>
-            <a:r>
-              <a:rPr lang="en-US" b="1" dirty="0">
-                <a:solidFill>
-                  <a:srgbClr val="FF0000"/>
-                </a:solidFill>
-                <a:sym typeface="Wingdings"/>
-              </a:rPr>
-              <a:t>nonpolar</a:t>
-            </a:r>
-            <a:r>
-              <a:rPr lang="en-US" dirty="0">
-                <a:solidFill>
-                  <a:srgbClr val="FF0000"/>
-                </a:solidFill>
-                <a:sym typeface="Wingdings"/>
-              </a:rPr>
-              <a:t> </a:t>
-            </a:r>
-            <a:r>
-              <a:rPr lang="en-US" dirty="0">
-                <a:sym typeface="Wingdings"/>
-              </a:rPr>
-              <a:t>residues OR</a:t>
-            </a:r>
-          </a:p>
-          <a:p>
-            <a:r>
-              <a:rPr lang="en-US" dirty="0">
-                <a:sym typeface="Wingdings"/>
-              </a:rPr>
-              <a:t>To the same</a:t>
-            </a:r>
-            <a:r>
-              <a:rPr lang="en-US" b="1" dirty="0">
-                <a:solidFill>
-                  <a:srgbClr val="FF0000"/>
-                </a:solidFill>
-                <a:sym typeface="Wingdings"/>
-              </a:rPr>
-              <a:t> highly flexible </a:t>
-            </a:r>
-            <a:r>
-              <a:rPr lang="en-US" dirty="0">
-                <a:sym typeface="Wingdings"/>
-              </a:rPr>
-              <a:t>interface</a:t>
-            </a:r>
-          </a:p>
-        </p:txBody>
-      </p:sp>
+            <a:off x="2620704" y="1066202"/>
+            <a:ext cx="7316651" cy="5687033"/>
+          </a:xfrm>
+          <a:prstGeom prst="rect">
+            <a:avLst/>
+          </a:prstGeom>
+        </p:spPr>
+      </p:pic>
+      <p:pic>
+        <p:nvPicPr>
+          <p:cNvPr id="4" name="Picture 3"/>
+          <p:cNvPicPr>
+            <a:picLocks noChangeAspect="1"/>
+          </p:cNvPicPr>
+          <p:nvPr/>
+        </p:nvPicPr>
+        <p:blipFill>
+          <a:blip r:embed="rId3"/>
+          <a:stretch>
+            <a:fillRect/>
+          </a:stretch>
+        </p:blipFill>
+        <p:spPr>
+          <a:xfrm>
+            <a:off x="10055664" y="436139"/>
+            <a:ext cx="1191070" cy="2578666"/>
+          </a:xfrm>
+          <a:prstGeom prst="rect">
+            <a:avLst/>
+          </a:prstGeom>
+        </p:spPr>
+      </p:pic>
     </p:spTree>
     <p:extLst>
       <p:ext uri="{BB962C8B-B14F-4D97-AF65-F5344CB8AC3E}">
-        <p14:creationId xmlns:p14="http://schemas.microsoft.com/office/powerpoint/2010/main" val="358074031"/>
+        <p14:creationId xmlns:p14="http://schemas.microsoft.com/office/powerpoint/2010/main" val="1739255427"/>
       </p:ext>
     </p:extLst>
   </p:cSld>
@@ -10073,6 +9862,194 @@
 </file>
 
 <file path=ppt/slides/slide34.xml><?xml version="1.0" encoding="utf-8"?>
+<p:sld xmlns:a="http://schemas.openxmlformats.org/drawingml/2006/main" xmlns:r="http://schemas.openxmlformats.org/officeDocument/2006/relationships" xmlns:p="http://schemas.openxmlformats.org/presentationml/2006/main" show="0">
+  <p:cSld>
+    <p:spTree>
+      <p:nvGrpSpPr>
+        <p:cNvPr id="1" name=""/>
+        <p:cNvGrpSpPr/>
+        <p:nvPr/>
+      </p:nvGrpSpPr>
+      <p:grpSpPr>
+        <a:xfrm>
+          <a:off x="0" y="0"/>
+          <a:ext cx="0" cy="0"/>
+          <a:chOff x="0" y="0"/>
+          <a:chExt cx="0" cy="0"/>
+        </a:xfrm>
+      </p:grpSpPr>
+      <p:sp>
+        <p:nvSpPr>
+          <p:cNvPr id="2" name="Title 1"/>
+          <p:cNvSpPr>
+            <a:spLocks noGrp="1"/>
+          </p:cNvSpPr>
+          <p:nvPr>
+            <p:ph type="title"/>
+          </p:nvPr>
+        </p:nvSpPr>
+        <p:spPr/>
+        <p:txBody>
+          <a:bodyPr>
+            <a:normAutofit/>
+          </a:bodyPr>
+          <a:lstStyle/>
+          <a:p>
+            <a:r>
+              <a:rPr lang="en-US" dirty="0"/>
+              <a:t>Protein-ligand binding energetics</a:t>
+            </a:r>
+            <a:br>
+              <a:rPr lang="en-US" dirty="0"/>
+            </a:br>
+            <a:r>
+              <a:rPr lang="en-US" sz="3100" dirty="0"/>
+              <a:t>Protein-ligand affinities</a:t>
+            </a:r>
+          </a:p>
+        </p:txBody>
+      </p:sp>
+      <p:sp>
+        <p:nvSpPr>
+          <p:cNvPr id="3" name="Content Placeholder 2"/>
+          <p:cNvSpPr>
+            <a:spLocks noGrp="1"/>
+          </p:cNvSpPr>
+          <p:nvPr>
+            <p:ph idx="1"/>
+          </p:nvPr>
+        </p:nvSpPr>
+        <p:spPr/>
+        <p:txBody>
+          <a:bodyPr>
+            <a:normAutofit/>
+          </a:bodyPr>
+          <a:lstStyle/>
+          <a:p>
+            <a:r>
+              <a:rPr lang="en-US" dirty="0"/>
+              <a:t>Binding energies may range from -2.5 to -22 kcal/</a:t>
+            </a:r>
+            <a:r>
+              <a:rPr lang="en-US" dirty="0" err="1"/>
+              <a:t>mol</a:t>
+            </a:r>
+            <a:endParaRPr lang="en-US" dirty="0"/>
+          </a:p>
+          <a:p>
+            <a:r>
+              <a:rPr lang="en-US" dirty="0"/>
+              <a:t>Signal transduction networks -&gt; weak interactions</a:t>
+            </a:r>
+          </a:p>
+          <a:p>
+            <a:r>
+              <a:rPr lang="en-US" dirty="0"/>
+              <a:t>Cofactor binding by enzymes (reversible but strong) -&gt; -5.5 to -9.5 kcal/</a:t>
+            </a:r>
+            <a:r>
+              <a:rPr lang="en-US" dirty="0" err="1"/>
+              <a:t>mol</a:t>
+            </a:r>
+            <a:endParaRPr lang="en-US" dirty="0"/>
+          </a:p>
+          <a:p>
+            <a:r>
+              <a:rPr lang="en-US" dirty="0"/>
+              <a:t>Antibody-antigen: -8±3 kcal/</a:t>
+            </a:r>
+            <a:r>
+              <a:rPr lang="en-US" dirty="0" err="1"/>
+              <a:t>mol</a:t>
+            </a:r>
+            <a:endParaRPr lang="en-US" dirty="0"/>
+          </a:p>
+          <a:p>
+            <a:r>
+              <a:rPr lang="en-US" dirty="0"/>
+              <a:t>Receptor-hormone: -12 kcal/</a:t>
+            </a:r>
+            <a:r>
+              <a:rPr lang="en-US" dirty="0" err="1"/>
+              <a:t>mol</a:t>
+            </a:r>
+            <a:endParaRPr lang="en-US" dirty="0"/>
+          </a:p>
+          <a:p>
+            <a:r>
+              <a:rPr lang="en-US" dirty="0"/>
+              <a:t>Enzyme-inhibitor: -12±3 kcal/</a:t>
+            </a:r>
+            <a:r>
+              <a:rPr lang="en-US" dirty="0" err="1"/>
+              <a:t>mol</a:t>
+            </a:r>
+            <a:endParaRPr lang="en-US" dirty="0"/>
+          </a:p>
+          <a:p>
+            <a:r>
+              <a:rPr lang="en-US" dirty="0"/>
+              <a:t>Enzyme-transition state: -22±5 kcal/</a:t>
+            </a:r>
+            <a:r>
+              <a:rPr lang="en-US" dirty="0" err="1"/>
+              <a:t>mol</a:t>
+            </a:r>
+            <a:endParaRPr lang="en-US" dirty="0"/>
+          </a:p>
+        </p:txBody>
+      </p:sp>
+      <p:sp>
+        <p:nvSpPr>
+          <p:cNvPr id="4" name="TextBox 3"/>
+          <p:cNvSpPr txBox="1"/>
+          <p:nvPr/>
+        </p:nvSpPr>
+        <p:spPr>
+          <a:xfrm>
+            <a:off x="6765221" y="6317871"/>
+            <a:ext cx="3715568" cy="369332"/>
+          </a:xfrm>
+          <a:prstGeom prst="rect">
+            <a:avLst/>
+          </a:prstGeom>
+          <a:noFill/>
+        </p:spPr>
+        <p:txBody>
+          <a:bodyPr wrap="none" rtlCol="0">
+            <a:spAutoFit/>
+          </a:bodyPr>
+          <a:lstStyle/>
+          <a:p>
+            <a:r>
+              <a:rPr lang="en-US" dirty="0"/>
+              <a:t>Kuntz et al., 1999; </a:t>
+            </a:r>
+            <a:r>
+              <a:rPr lang="en-US" dirty="0" err="1"/>
+              <a:t>Zhang&amp;Houk</a:t>
+            </a:r>
+            <a:r>
+              <a:rPr lang="en-US" dirty="0"/>
+              <a:t>, 2005</a:t>
+            </a:r>
+          </a:p>
+        </p:txBody>
+      </p:sp>
+    </p:spTree>
+    <p:extLst>
+      <p:ext uri="{BB962C8B-B14F-4D97-AF65-F5344CB8AC3E}">
+        <p14:creationId xmlns:p14="http://schemas.microsoft.com/office/powerpoint/2010/main" val="2415130272"/>
+      </p:ext>
+    </p:extLst>
+  </p:cSld>
+  <p:clrMapOvr>
+    <a:masterClrMapping/>
+  </p:clrMapOvr>
+</p:sld>
+</file>
+
+<file path=ppt/slides/slide35.xml><?xml version="1.0" encoding="utf-8"?>
 <p:sld xmlns:a="http://schemas.openxmlformats.org/drawingml/2006/main" xmlns:r="http://schemas.openxmlformats.org/officeDocument/2006/relationships" xmlns:p="http://schemas.openxmlformats.org/presentationml/2006/main">
   <p:cSld>
     <p:spTree>
@@ -10091,7 +10068,54 @@
       </p:grpSpPr>
       <p:sp>
         <p:nvSpPr>
-          <p:cNvPr id="2" name="Title 1"/>
+          <p:cNvPr id="8" name="Rectangle 7"/>
+          <p:cNvSpPr/>
+          <p:nvPr/>
+        </p:nvSpPr>
+        <p:spPr>
+          <a:xfrm>
+            <a:off x="1524000" y="0"/>
+            <a:ext cx="9180512" cy="1400090"/>
+          </a:xfrm>
+          <a:prstGeom prst="rect">
+            <a:avLst/>
+          </a:prstGeom>
+          <a:solidFill>
+            <a:schemeClr val="tx2">
+              <a:lumMod val="50000"/>
+            </a:schemeClr>
+          </a:solidFill>
+          <a:ln>
+            <a:noFill/>
+          </a:ln>
+          <a:effectLst/>
+        </p:spPr>
+        <p:style>
+          <a:lnRef idx="1">
+            <a:schemeClr val="accent1"/>
+          </a:lnRef>
+          <a:fillRef idx="3">
+            <a:schemeClr val="accent1"/>
+          </a:fillRef>
+          <a:effectRef idx="2">
+            <a:schemeClr val="accent1"/>
+          </a:effectRef>
+          <a:fontRef idx="minor">
+            <a:schemeClr val="lt1"/>
+          </a:fontRef>
+        </p:style>
+        <p:txBody>
+          <a:bodyPr rtlCol="0" anchor="ctr"/>
+          <a:lstStyle/>
+          <a:p>
+            <a:pPr algn="ctr"/>
+            <a:endParaRPr lang="en-US"/>
+          </a:p>
+        </p:txBody>
+      </p:sp>
+      <p:sp>
+        <p:nvSpPr>
+          <p:cNvPr id="6" name="Title 1"/>
           <p:cNvSpPr>
             <a:spLocks noGrp="1"/>
           </p:cNvSpPr>
@@ -10101,265 +10125,167 @@
         </p:nvSpPr>
         <p:spPr>
           <a:xfrm>
-            <a:off x="1981200" y="25684"/>
-            <a:ext cx="8229600" cy="820910"/>
-          </a:xfrm>
-        </p:spPr>
-        <p:txBody>
-          <a:bodyPr/>
-          <a:lstStyle/>
-          <a:p>
-            <a:r>
-              <a:rPr lang="en-US" dirty="0" err="1"/>
-              <a:t>Polyproline</a:t>
-            </a:r>
-            <a:r>
-              <a:rPr lang="en-US" dirty="0"/>
-              <a:t> type II helices</a:t>
-            </a:r>
-          </a:p>
-        </p:txBody>
-      </p:sp>
-      <p:pic>
-        <p:nvPicPr>
-          <p:cNvPr id="5" name="Picture 4"/>
-          <p:cNvPicPr>
-            <a:picLocks noChangeAspect="1"/>
-          </p:cNvPicPr>
+            <a:off x="1981200" y="95346"/>
+            <a:ext cx="8229600" cy="1143000"/>
+          </a:xfrm>
+        </p:spPr>
+        <p:txBody>
+          <a:bodyPr>
+            <a:normAutofit/>
+          </a:bodyPr>
+          <a:lstStyle/>
+          <a:p>
+            <a:r>
+              <a:rPr lang="en-US" dirty="0">
+                <a:solidFill>
+                  <a:schemeClr val="bg1"/>
+                </a:solidFill>
+              </a:rPr>
+              <a:t>Hot spots</a:t>
+            </a:r>
+          </a:p>
+        </p:txBody>
+      </p:sp>
+      <p:sp>
+        <p:nvSpPr>
+          <p:cNvPr id="4" name="Rectangle 3"/>
+          <p:cNvSpPr/>
           <p:nvPr/>
-        </p:nvPicPr>
-        <p:blipFill>
-          <a:blip r:embed="rId2"/>
-          <a:stretch>
-            <a:fillRect/>
-          </a:stretch>
-        </p:blipFill>
+        </p:nvSpPr>
         <p:spPr>
           <a:xfrm>
-            <a:off x="2620704" y="1066202"/>
-            <a:ext cx="7316651" cy="5687033"/>
+            <a:off x="1769544" y="1817449"/>
+            <a:ext cx="8898457" cy="3108544"/>
           </a:xfrm>
           <a:prstGeom prst="rect">
             <a:avLst/>
           </a:prstGeom>
         </p:spPr>
-      </p:pic>
-      <p:pic>
-        <p:nvPicPr>
-          <p:cNvPr id="4" name="Picture 3"/>
-          <p:cNvPicPr>
-            <a:picLocks noChangeAspect="1"/>
-          </p:cNvPicPr>
+        <p:txBody>
+          <a:bodyPr wrap="square">
+            <a:spAutoFit/>
+          </a:bodyPr>
+          <a:lstStyle/>
+          <a:p>
+            <a:pPr marL="342900" indent="-342900">
+              <a:buFont typeface="Arial"/>
+              <a:buChar char="•"/>
+            </a:pPr>
+            <a:r>
+              <a:rPr lang="en-US" sz="2800" dirty="0"/>
+              <a:t>The protein-protein binding interface is heterogeneous</a:t>
+            </a:r>
+          </a:p>
+          <a:p>
+            <a:pPr marL="342900" indent="-342900">
+              <a:buFont typeface="Arial"/>
+              <a:buChar char="•"/>
+            </a:pPr>
+            <a:r>
+              <a:rPr lang="en-US" sz="2800" dirty="0"/>
+              <a:t>Only certain hydrophobic spots contribute to the free energy of binding and help to hold the two proteins together</a:t>
+            </a:r>
+          </a:p>
+          <a:p>
+            <a:pPr marL="342900" indent="-342900">
+              <a:buFont typeface="Arial"/>
+              <a:buChar char="•"/>
+            </a:pPr>
+            <a:r>
+              <a:rPr lang="en-US" sz="2800" dirty="0"/>
+              <a:t>Affinity seems to result from a small number of residues</a:t>
+            </a:r>
+          </a:p>
+          <a:p>
+            <a:pPr marL="342900" indent="-342900">
+              <a:buFont typeface="Arial"/>
+              <a:buChar char="•"/>
+            </a:pPr>
+            <a:r>
+              <a:rPr lang="en-US" sz="2800" dirty="0"/>
+              <a:t>Such residues are called </a:t>
+            </a:r>
+            <a:r>
+              <a:rPr lang="en-US" sz="2800" b="1" dirty="0">
+                <a:solidFill>
+                  <a:srgbClr val="FF0000"/>
+                </a:solidFill>
+              </a:rPr>
+              <a:t>hot spots</a:t>
+            </a:r>
+            <a:r>
+              <a:rPr lang="en-US" sz="2800" dirty="0">
+                <a:solidFill>
+                  <a:srgbClr val="000000"/>
+                </a:solidFill>
+              </a:rPr>
+              <a:t> </a:t>
+            </a:r>
+          </a:p>
+          <a:p>
+            <a:pPr marL="342900" indent="-342900">
+              <a:buFont typeface="Arial"/>
+              <a:buChar char="•"/>
+            </a:pPr>
+            <a:endParaRPr lang="en-US" sz="2800" dirty="0">
+              <a:solidFill>
+                <a:srgbClr val="000000"/>
+              </a:solidFill>
+            </a:endParaRPr>
+          </a:p>
+        </p:txBody>
+      </p:sp>
+      <p:sp>
+        <p:nvSpPr>
+          <p:cNvPr id="2" name="TextBox 1"/>
+          <p:cNvSpPr txBox="1"/>
           <p:nvPr/>
-        </p:nvPicPr>
-        <p:blipFill>
-          <a:blip r:embed="rId3"/>
-          <a:stretch>
-            <a:fillRect/>
-          </a:stretch>
-        </p:blipFill>
+        </p:nvSpPr>
         <p:spPr>
           <a:xfrm>
-            <a:off x="10055664" y="436139"/>
-            <a:ext cx="1191070" cy="2578666"/>
+            <a:off x="1981200" y="4993353"/>
+            <a:ext cx="8229600" cy="1384995"/>
           </a:xfrm>
           <a:prstGeom prst="rect">
             <a:avLst/>
           </a:prstGeom>
-        </p:spPr>
-      </p:pic>
+          <a:solidFill>
+            <a:srgbClr val="FAC090"/>
+          </a:solidFill>
+        </p:spPr>
+        <p:txBody>
+          <a:bodyPr wrap="square" rtlCol="0">
+            <a:spAutoFit/>
+          </a:bodyPr>
+          <a:lstStyle/>
+          <a:p>
+            <a:r>
+              <a:rPr lang="en-US" sz="2800" b="1" dirty="0">
+                <a:solidFill>
+                  <a:srgbClr val="FF0000"/>
+                </a:solidFill>
+              </a:rPr>
+              <a:t>Hot spots </a:t>
+            </a:r>
+            <a:r>
+              <a:rPr lang="en-US" sz="2800" dirty="0"/>
+              <a:t>are defined as residues whose replacement by alanine leads to an affinity/free energy change of at least 2 kcal/</a:t>
+            </a:r>
+            <a:r>
+              <a:rPr lang="en-US" sz="2800" dirty="0" err="1"/>
+              <a:t>mol</a:t>
+            </a:r>
+            <a:r>
+              <a:rPr lang="en-US" sz="2800" dirty="0"/>
+              <a:t> </a:t>
+            </a:r>
+          </a:p>
+        </p:txBody>
+      </p:sp>
     </p:spTree>
     <p:extLst>
       <p:ext uri="{BB962C8B-B14F-4D97-AF65-F5344CB8AC3E}">
-        <p14:creationId xmlns:p14="http://schemas.microsoft.com/office/powerpoint/2010/main" val="1739255427"/>
-      </p:ext>
-    </p:extLst>
-  </p:cSld>
-  <p:clrMapOvr>
-    <a:masterClrMapping/>
-  </p:clrMapOvr>
-</p:sld>
-</file>
-
-<file path=ppt/slides/slide35.xml><?xml version="1.0" encoding="utf-8"?>
-<p:sld xmlns:a="http://schemas.openxmlformats.org/drawingml/2006/main" xmlns:r="http://schemas.openxmlformats.org/officeDocument/2006/relationships" xmlns:p="http://schemas.openxmlformats.org/presentationml/2006/main" show="0">
-  <p:cSld>
-    <p:spTree>
-      <p:nvGrpSpPr>
-        <p:cNvPr id="1" name=""/>
-        <p:cNvGrpSpPr/>
-        <p:nvPr/>
-      </p:nvGrpSpPr>
-      <p:grpSpPr>
-        <a:xfrm>
-          <a:off x="0" y="0"/>
-          <a:ext cx="0" cy="0"/>
-          <a:chOff x="0" y="0"/>
-          <a:chExt cx="0" cy="0"/>
-        </a:xfrm>
-      </p:grpSpPr>
-      <p:sp>
-        <p:nvSpPr>
-          <p:cNvPr id="2" name="Title 1"/>
-          <p:cNvSpPr>
-            <a:spLocks noGrp="1"/>
-          </p:cNvSpPr>
-          <p:nvPr>
-            <p:ph type="title"/>
-          </p:nvPr>
-        </p:nvSpPr>
-        <p:spPr/>
-        <p:txBody>
-          <a:bodyPr>
-            <a:normAutofit/>
-          </a:bodyPr>
-          <a:lstStyle/>
-          <a:p>
-            <a:r>
-              <a:rPr lang="en-US" dirty="0"/>
-              <a:t>Protein-ligand binding energetics</a:t>
-            </a:r>
-            <a:br>
-              <a:rPr lang="en-US" dirty="0"/>
-            </a:br>
-            <a:r>
-              <a:rPr lang="en-US" sz="3100" dirty="0"/>
-              <a:t>Protein-ligand affinities</a:t>
-            </a:r>
-          </a:p>
-        </p:txBody>
-      </p:sp>
-      <p:sp>
-        <p:nvSpPr>
-          <p:cNvPr id="3" name="Content Placeholder 2"/>
-          <p:cNvSpPr>
-            <a:spLocks noGrp="1"/>
-          </p:cNvSpPr>
-          <p:nvPr>
-            <p:ph idx="1"/>
-          </p:nvPr>
-        </p:nvSpPr>
-        <p:spPr/>
-        <p:txBody>
-          <a:bodyPr>
-            <a:normAutofit/>
-          </a:bodyPr>
-          <a:lstStyle/>
-          <a:p>
-            <a:r>
-              <a:rPr lang="en-US" dirty="0"/>
-              <a:t>Binding energies may range from -2.5 to -22 kcal/</a:t>
-            </a:r>
-            <a:r>
-              <a:rPr lang="en-US" dirty="0" err="1"/>
-              <a:t>mol</a:t>
-            </a:r>
-            <a:endParaRPr lang="en-US" dirty="0"/>
-          </a:p>
-          <a:p>
-            <a:r>
-              <a:rPr lang="en-US" dirty="0"/>
-              <a:t>Signal transduction networks -&gt; weak interactions</a:t>
-            </a:r>
-          </a:p>
-          <a:p>
-            <a:r>
-              <a:rPr lang="en-US" dirty="0"/>
-              <a:t>Cofactor binding by enzymes (reversible but strong) -&gt; -5.5 to -9.5 kcal/</a:t>
-            </a:r>
-            <a:r>
-              <a:rPr lang="en-US" dirty="0" err="1"/>
-              <a:t>mol</a:t>
-            </a:r>
-            <a:endParaRPr lang="en-US" dirty="0"/>
-          </a:p>
-          <a:p>
-            <a:r>
-              <a:rPr lang="en-US" dirty="0"/>
-              <a:t>Antibody-antigen: -8±3 kcal/</a:t>
-            </a:r>
-            <a:r>
-              <a:rPr lang="en-US" dirty="0" err="1"/>
-              <a:t>mol</a:t>
-            </a:r>
-            <a:endParaRPr lang="en-US" dirty="0"/>
-          </a:p>
-          <a:p>
-            <a:r>
-              <a:rPr lang="en-US" dirty="0"/>
-              <a:t>Receptor-hormone: -12 kcal/</a:t>
-            </a:r>
-            <a:r>
-              <a:rPr lang="en-US" dirty="0" err="1"/>
-              <a:t>mol</a:t>
-            </a:r>
-            <a:endParaRPr lang="en-US" dirty="0"/>
-          </a:p>
-          <a:p>
-            <a:r>
-              <a:rPr lang="en-US" dirty="0"/>
-              <a:t>Enzyme-inhibitor: -12±3 kcal/</a:t>
-            </a:r>
-            <a:r>
-              <a:rPr lang="en-US" dirty="0" err="1"/>
-              <a:t>mol</a:t>
-            </a:r>
-            <a:endParaRPr lang="en-US" dirty="0"/>
-          </a:p>
-          <a:p>
-            <a:r>
-              <a:rPr lang="en-US" dirty="0"/>
-              <a:t>Enzyme-transition state: -22±5 kcal/</a:t>
-            </a:r>
-            <a:r>
-              <a:rPr lang="en-US" dirty="0" err="1"/>
-              <a:t>mol</a:t>
-            </a:r>
-            <a:endParaRPr lang="en-US" dirty="0"/>
-          </a:p>
-        </p:txBody>
-      </p:sp>
-      <p:sp>
-        <p:nvSpPr>
-          <p:cNvPr id="4" name="TextBox 3"/>
-          <p:cNvSpPr txBox="1"/>
-          <p:nvPr/>
-        </p:nvSpPr>
-        <p:spPr>
-          <a:xfrm>
-            <a:off x="6765221" y="6317871"/>
-            <a:ext cx="3715568" cy="369332"/>
-          </a:xfrm>
-          <a:prstGeom prst="rect">
-            <a:avLst/>
-          </a:prstGeom>
-          <a:noFill/>
-        </p:spPr>
-        <p:txBody>
-          <a:bodyPr wrap="none" rtlCol="0">
-            <a:spAutoFit/>
-          </a:bodyPr>
-          <a:lstStyle/>
-          <a:p>
-            <a:r>
-              <a:rPr lang="en-US" dirty="0"/>
-              <a:t>Kuntz et al., 1999; </a:t>
-            </a:r>
-            <a:r>
-              <a:rPr lang="en-US" dirty="0" err="1"/>
-              <a:t>Zhang&amp;Houk</a:t>
-            </a:r>
-            <a:r>
-              <a:rPr lang="en-US" dirty="0"/>
-              <a:t>, 2005</a:t>
-            </a:r>
-          </a:p>
-        </p:txBody>
-      </p:sp>
-    </p:spTree>
-    <p:extLst>
-      <p:ext uri="{BB962C8B-B14F-4D97-AF65-F5344CB8AC3E}">
-        <p14:creationId xmlns:p14="http://schemas.microsoft.com/office/powerpoint/2010/main" val="2415130272"/>
+        <p14:creationId xmlns:p14="http://schemas.microsoft.com/office/powerpoint/2010/main" val="2914427238"/>
       </p:ext>
     </p:extLst>
   </p:cSld>
@@ -10388,7 +10314,7 @@
       </p:grpSpPr>
       <p:sp>
         <p:nvSpPr>
-          <p:cNvPr id="8" name="Rectangle 7"/>
+          <p:cNvPr id="7" name="Rectangle 6"/>
           <p:cNvSpPr/>
           <p:nvPr/>
         </p:nvSpPr>
@@ -10461,7 +10387,15 @@
                   <a:schemeClr val="bg1"/>
                 </a:solidFill>
               </a:rPr>
-              <a:t>Hot spots</a:t>
+              <a:t>Some fact about </a:t>
+            </a:r>
+            <a:r>
+              <a:rPr lang="en-US" dirty="0">
+                <a:solidFill>
+                  <a:srgbClr val="FF0000"/>
+                </a:solidFill>
+              </a:rPr>
+              <a:t>hot spots</a:t>
             </a:r>
           </a:p>
         </p:txBody>
@@ -10474,8 +10408,8 @@
         </p:nvSpPr>
         <p:spPr>
           <a:xfrm>
-            <a:off x="1769544" y="1817449"/>
-            <a:ext cx="8898457" cy="3108544"/>
+            <a:off x="1287335" y="1956352"/>
+            <a:ext cx="9617329" cy="3539430"/>
           </a:xfrm>
           <a:prstGeom prst="rect">
             <a:avLst/>
@@ -10493,7 +10427,7 @@
             </a:pPr>
             <a:r>
               <a:rPr lang="en-US" sz="2800" dirty="0"/>
-              <a:t>The protein-protein binding interface is heterogeneous</a:t>
+              <a:t>Hot spots account for less than 50% of the contact area of PPI</a:t>
             </a:r>
           </a:p>
           <a:p>
@@ -10503,7 +10437,11 @@
             </a:pPr>
             <a:r>
               <a:rPr lang="en-US" sz="2800" dirty="0"/>
-              <a:t>Only certain hydrophobic spots contribute to the free energy of binding and help to hold the two proteins together</a:t>
+              <a:t>Hot spots tend to be </a:t>
+            </a:r>
+            <a:r>
+              <a:rPr lang="en-US" sz="2800" b="1" dirty="0"/>
+              <a:t>evolutionary conserved</a:t>
             </a:r>
           </a:p>
           <a:p>
@@ -10513,7 +10451,7 @@
             </a:pPr>
             <a:r>
               <a:rPr lang="en-US" sz="2800" dirty="0"/>
-              <a:t>Affinity seems to result from a small number of residues</a:t>
+              <a:t>Hot spots tend to appear as clusters at the interface</a:t>
             </a:r>
           </a:p>
           <a:p>
@@ -10523,23 +10461,23 @@
             </a:pPr>
             <a:r>
               <a:rPr lang="en-US" sz="2800" dirty="0"/>
-              <a:t>Such residues are called </a:t>
-            </a:r>
-            <a:r>
-              <a:rPr lang="en-US" sz="2800" b="1" dirty="0">
-                <a:solidFill>
-                  <a:srgbClr val="FF0000"/>
-                </a:solidFill>
-              </a:rPr>
-              <a:t>hot spots</a:t>
-            </a:r>
-            <a:r>
-              <a:rPr lang="en-US" sz="2800" dirty="0">
-                <a:solidFill>
-                  <a:srgbClr val="000000"/>
-                </a:solidFill>
-              </a:rPr>
-              <a:t> </a:t>
+              <a:t>Some residues are found more frequently in hot spots (e.g., </a:t>
+            </a:r>
+            <a:r>
+              <a:rPr lang="en-US" sz="2800" dirty="0" err="1"/>
+              <a:t>Phe</a:t>
+            </a:r>
+            <a:r>
+              <a:rPr lang="en-US" sz="2800" dirty="0"/>
+              <a:t>, Tyr, </a:t>
+            </a:r>
+            <a:r>
+              <a:rPr lang="en-US" sz="2800" dirty="0" err="1"/>
+              <a:t>Trp</a:t>
+            </a:r>
+            <a:r>
+              <a:rPr lang="en-US" sz="2800" dirty="0"/>
+              <a:t>)</a:t>
             </a:r>
           </a:p>
           <a:p>
@@ -10547,57 +10485,9 @@
               <a:buFont typeface="Arial"/>
               <a:buChar char="•"/>
             </a:pPr>
-            <a:endParaRPr lang="en-US" sz="2800" dirty="0">
-              <a:solidFill>
-                <a:srgbClr val="000000"/>
-              </a:solidFill>
-            </a:endParaRPr>
-          </a:p>
-        </p:txBody>
-      </p:sp>
-      <p:sp>
-        <p:nvSpPr>
-          <p:cNvPr id="2" name="TextBox 1"/>
-          <p:cNvSpPr txBox="1"/>
-          <p:nvPr/>
-        </p:nvSpPr>
-        <p:spPr>
-          <a:xfrm>
-            <a:off x="1981200" y="4993353"/>
-            <a:ext cx="8229600" cy="1384995"/>
-          </a:xfrm>
-          <a:prstGeom prst="rect">
-            <a:avLst/>
-          </a:prstGeom>
-          <a:solidFill>
-            <a:srgbClr val="FAC090"/>
-          </a:solidFill>
-        </p:spPr>
-        <p:txBody>
-          <a:bodyPr wrap="square" rtlCol="0">
-            <a:spAutoFit/>
-          </a:bodyPr>
-          <a:lstStyle/>
-          <a:p>
-            <a:r>
-              <a:rPr lang="en-US" sz="2800" b="1" dirty="0">
-                <a:solidFill>
-                  <a:srgbClr val="FF0000"/>
-                </a:solidFill>
-              </a:rPr>
-              <a:t>Hot spots </a:t>
-            </a:r>
             <a:r>
               <a:rPr lang="en-US" sz="2800" dirty="0"/>
-              <a:t>are defined as residues whose replacement by alanine leads to an affinity/free energy change of at least 2 kcal/</a:t>
-            </a:r>
-            <a:r>
-              <a:rPr lang="en-US" sz="2800" dirty="0" err="1"/>
-              <a:t>mol</a:t>
-            </a:r>
-            <a:r>
-              <a:rPr lang="en-US" sz="2800" dirty="0"/>
-              <a:t> </a:t>
+              <a:t> Hot spots are surrounded by energetically less important residues that probably separate/prevent bulk water from hot spots</a:t>
             </a:r>
           </a:p>
         </p:txBody>
@@ -10605,7 +10495,7 @@
     </p:spTree>
     <p:extLst>
       <p:ext uri="{BB962C8B-B14F-4D97-AF65-F5344CB8AC3E}">
-        <p14:creationId xmlns:p14="http://schemas.microsoft.com/office/powerpoint/2010/main" val="2914427238"/>
+        <p14:creationId xmlns:p14="http://schemas.microsoft.com/office/powerpoint/2010/main" val="178579901"/>
       </p:ext>
     </p:extLst>
   </p:cSld>
@@ -10634,14 +10524,14 @@
       </p:grpSpPr>
       <p:sp>
         <p:nvSpPr>
-          <p:cNvPr id="7" name="Rectangle 6"/>
+          <p:cNvPr id="5" name="Rectangle 4"/>
           <p:cNvSpPr/>
           <p:nvPr/>
         </p:nvSpPr>
         <p:spPr>
           <a:xfrm>
-            <a:off x="1524000" y="0"/>
-            <a:ext cx="9180512" cy="1400090"/>
+            <a:off x="900113" y="0"/>
+            <a:ext cx="10515600" cy="1400090"/>
           </a:xfrm>
           <a:prstGeom prst="rect">
             <a:avLst/>
@@ -10681,7 +10571,7 @@
       </p:sp>
       <p:sp>
         <p:nvSpPr>
-          <p:cNvPr id="6" name="Title 1"/>
+          <p:cNvPr id="2" name="Title 1"/>
           <p:cNvSpPr>
             <a:spLocks noGrp="1"/>
           </p:cNvSpPr>
@@ -10691,7 +10581,7 @@
         </p:nvSpPr>
         <p:spPr>
           <a:xfrm>
-            <a:off x="1981200" y="95346"/>
+            <a:off x="1981200" y="111838"/>
             <a:ext cx="8229600" cy="1143000"/>
           </a:xfrm>
         </p:spPr>
@@ -10702,112 +10592,63 @@
           <a:lstStyle/>
           <a:p>
             <a:r>
-              <a:rPr lang="en-US" dirty="0">
+              <a:rPr lang="en-US" sz="3200" dirty="0">
                 <a:solidFill>
-                  <a:schemeClr val="bg1"/>
+                  <a:srgbClr val="FFFFFF"/>
                 </a:solidFill>
               </a:rPr>
-              <a:t>Some fact about </a:t>
-            </a:r>
-            <a:r>
-              <a:rPr lang="en-US" dirty="0">
-                <a:solidFill>
-                  <a:srgbClr val="FF0000"/>
-                </a:solidFill>
-              </a:rPr>
-              <a:t>hot spots</a:t>
-            </a:r>
-          </a:p>
-        </p:txBody>
-      </p:sp>
-      <p:sp>
-        <p:nvSpPr>
-          <p:cNvPr id="4" name="Rectangle 3"/>
-          <p:cNvSpPr/>
-          <p:nvPr/>
+              <a:t>Molecular structure of stable interactions (complexes): what information? </a:t>
+            </a:r>
+          </a:p>
+        </p:txBody>
+      </p:sp>
+      <p:sp>
+        <p:nvSpPr>
+          <p:cNvPr id="3" name="Content Placeholder 2"/>
+          <p:cNvSpPr>
+            <a:spLocks noGrp="1"/>
+          </p:cNvSpPr>
+          <p:nvPr>
+            <p:ph idx="1"/>
+          </p:nvPr>
         </p:nvSpPr>
         <p:spPr>
           <a:xfrm>
-            <a:off x="1287335" y="1956352"/>
-            <a:ext cx="9617329" cy="3539430"/>
-          </a:xfrm>
-          <a:prstGeom prst="rect">
-            <a:avLst/>
-          </a:prstGeom>
-        </p:spPr>
-        <p:txBody>
-          <a:bodyPr wrap="square">
-            <a:spAutoFit/>
+            <a:off x="1828800" y="1992020"/>
+            <a:ext cx="8999325" cy="4525963"/>
+          </a:xfrm>
+        </p:spPr>
+        <p:txBody>
+          <a:bodyPr>
+            <a:normAutofit/>
           </a:bodyPr>
           <a:lstStyle/>
           <a:p>
-            <a:pPr marL="342900" indent="-342900">
-              <a:buFont typeface="Arial"/>
-              <a:buChar char="•"/>
-            </a:pPr>
-            <a:r>
-              <a:rPr lang="en-US" sz="2800" dirty="0"/>
-              <a:t>Hot spots account for less than 50% of the contact area of PPI</a:t>
-            </a:r>
-          </a:p>
-          <a:p>
-            <a:pPr marL="342900" indent="-342900">
-              <a:buFont typeface="Arial"/>
-              <a:buChar char="•"/>
-            </a:pPr>
-            <a:r>
-              <a:rPr lang="en-US" sz="2800" dirty="0"/>
-              <a:t>Hot spots tend to be </a:t>
-            </a:r>
-            <a:r>
-              <a:rPr lang="en-US" sz="2800" b="1" dirty="0"/>
-              <a:t>evolutionary conserved</a:t>
-            </a:r>
-          </a:p>
-          <a:p>
-            <a:pPr marL="342900" indent="-342900">
-              <a:buFont typeface="Arial"/>
-              <a:buChar char="•"/>
-            </a:pPr>
-            <a:r>
-              <a:rPr lang="en-US" sz="2800" dirty="0"/>
-              <a:t>Hot spots tend to appear as clusters at the interface</a:t>
-            </a:r>
-          </a:p>
-          <a:p>
-            <a:pPr marL="342900" indent="-342900">
-              <a:buFont typeface="Arial"/>
-              <a:buChar char="•"/>
-            </a:pPr>
-            <a:r>
-              <a:rPr lang="en-US" sz="2800" dirty="0"/>
-              <a:t>Some residues are found more frequently in hot spots (e.g., </a:t>
-            </a:r>
-            <a:r>
-              <a:rPr lang="en-US" sz="2800" dirty="0" err="1"/>
-              <a:t>Phe</a:t>
-            </a:r>
-            <a:r>
-              <a:rPr lang="en-US" sz="2800" dirty="0"/>
-              <a:t>, Tyr, </a:t>
-            </a:r>
-            <a:r>
-              <a:rPr lang="en-US" sz="2800" dirty="0" err="1"/>
-              <a:t>Trp</a:t>
-            </a:r>
-            <a:r>
-              <a:rPr lang="en-US" sz="2800" dirty="0"/>
-              <a:t>)</a:t>
-            </a:r>
-          </a:p>
-          <a:p>
-            <a:pPr marL="342900" indent="-342900">
-              <a:buFont typeface="Arial"/>
-              <a:buChar char="•"/>
-            </a:pPr>
-            <a:r>
-              <a:rPr lang="en-US" sz="2800" dirty="0"/>
-              <a:t> Hot spots are surrounded by energetically less important residues that probably separate/prevent bulk water from hot spots</a:t>
+            <a:r>
+              <a:rPr lang="en-US" dirty="0"/>
+              <a:t>identification of interface residues/hot spots</a:t>
+            </a:r>
+          </a:p>
+          <a:p>
+            <a:r>
+              <a:rPr lang="en-US" dirty="0"/>
+              <a:t>details about the interface </a:t>
+            </a:r>
+            <a:r>
+              <a:rPr lang="en-US" sz="2400" dirty="0"/>
+              <a:t>(solvent accessible surface area, shape, complementarity between surfaces, residue interface propensities, hydrophobicity, segmentation and secondary structure, and conformational changes on complex formation) </a:t>
+            </a:r>
+          </a:p>
+          <a:p>
+            <a:r>
+              <a:rPr lang="en-US" dirty="0"/>
+              <a:t>assignment of protein function</a:t>
+            </a:r>
+          </a:p>
+          <a:p>
+            <a:r>
+              <a:rPr lang="en-US" dirty="0"/>
+              <a:t>recognition of specific residue motifs</a:t>
             </a:r>
           </a:p>
         </p:txBody>
@@ -10815,7 +10656,7 @@
     </p:spTree>
     <p:extLst>
       <p:ext uri="{BB962C8B-B14F-4D97-AF65-F5344CB8AC3E}">
-        <p14:creationId xmlns:p14="http://schemas.microsoft.com/office/powerpoint/2010/main" val="178579901"/>
+        <p14:creationId xmlns:p14="http://schemas.microsoft.com/office/powerpoint/2010/main" val="2635114963"/>
       </p:ext>
     </p:extLst>
   </p:cSld>
@@ -10844,54 +10685,13 @@
       </p:grpSpPr>
       <p:sp>
         <p:nvSpPr>
-          <p:cNvPr id="5" name="Rectangle 4"/>
-          <p:cNvSpPr/>
-          <p:nvPr/>
-        </p:nvSpPr>
-        <p:spPr>
-          <a:xfrm>
-            <a:off x="900113" y="0"/>
-            <a:ext cx="10515600" cy="1400090"/>
-          </a:xfrm>
-          <a:prstGeom prst="rect">
-            <a:avLst/>
-          </a:prstGeom>
-          <a:solidFill>
-            <a:schemeClr val="tx2">
-              <a:lumMod val="50000"/>
-            </a:schemeClr>
-          </a:solidFill>
-          <a:ln>
-            <a:noFill/>
-          </a:ln>
-          <a:effectLst/>
-        </p:spPr>
-        <p:style>
-          <a:lnRef idx="1">
-            <a:schemeClr val="accent1"/>
-          </a:lnRef>
-          <a:fillRef idx="3">
-            <a:schemeClr val="accent1"/>
-          </a:fillRef>
-          <a:effectRef idx="2">
-            <a:schemeClr val="accent1"/>
-          </a:effectRef>
-          <a:fontRef idx="minor">
-            <a:schemeClr val="lt1"/>
-          </a:fontRef>
-        </p:style>
-        <p:txBody>
-          <a:bodyPr rtlCol="0" anchor="ctr"/>
-          <a:lstStyle/>
-          <a:p>
-            <a:pPr algn="ctr"/>
-            <a:endParaRPr lang="en-US"/>
-          </a:p>
-        </p:txBody>
-      </p:sp>
-      <p:sp>
-        <p:nvSpPr>
-          <p:cNvPr id="2" name="Title 1"/>
+          <p:cNvPr id="2" name="Title 1">
+            <a:extLst>
+              <a:ext uri="{FF2B5EF4-FFF2-40B4-BE49-F238E27FC236}">
+                <a16:creationId xmlns:a16="http://schemas.microsoft.com/office/drawing/2014/main" id="{6ADCAAB4-6A2B-5742-83C7-C11FB8C2D7E9}"/>
+              </a:ext>
+            </a:extLst>
+          </p:cNvPr>
           <p:cNvSpPr>
             <a:spLocks noGrp="1"/>
           </p:cNvSpPr>
@@ -10900,11 +10700,42 @@
           </p:nvPr>
         </p:nvSpPr>
         <p:spPr>
-          <a:xfrm>
-            <a:off x="1981200" y="111838"/>
-            <a:ext cx="8229600" cy="1143000"/>
-          </a:xfrm>
-        </p:spPr>
+          <a:solidFill>
+            <a:schemeClr val="accent1"/>
+          </a:solidFill>
+        </p:spPr>
+        <p:txBody>
+          <a:bodyPr/>
+          <a:lstStyle/>
+          <a:p>
+            <a:r>
+              <a:rPr lang="it-IT">
+                <a:solidFill>
+                  <a:schemeClr val="bg1"/>
+                </a:solidFill>
+              </a:rPr>
+              <a:t>Check-point II</a:t>
+            </a:r>
+          </a:p>
+        </p:txBody>
+      </p:sp>
+      <p:sp>
+        <p:nvSpPr>
+          <p:cNvPr id="3" name="Content Placeholder 2">
+            <a:extLst>
+              <a:ext uri="{FF2B5EF4-FFF2-40B4-BE49-F238E27FC236}">
+                <a16:creationId xmlns:a16="http://schemas.microsoft.com/office/drawing/2014/main" id="{161AB303-AA13-AE4B-99F1-659DF89493E3}"/>
+              </a:ext>
+            </a:extLst>
+          </p:cNvPr>
+          <p:cNvSpPr>
+            <a:spLocks noGrp="1"/>
+          </p:cNvSpPr>
+          <p:nvPr>
+            <p:ph idx="1"/>
+          </p:nvPr>
+        </p:nvSpPr>
+        <p:spPr/>
         <p:txBody>
           <a:bodyPr>
             <a:normAutofit/>
@@ -10912,71 +10743,56 @@
           <a:lstStyle/>
           <a:p>
             <a:r>
-              <a:rPr lang="en-US" sz="3200" dirty="0">
-                <a:solidFill>
-                  <a:srgbClr val="FFFFFF"/>
-                </a:solidFill>
-              </a:rPr>
-              <a:t>Molecular structure of stable interactions (complexes): what information? </a:t>
-            </a:r>
-          </a:p>
-        </p:txBody>
-      </p:sp>
-      <p:sp>
-        <p:nvSpPr>
-          <p:cNvPr id="3" name="Content Placeholder 2"/>
-          <p:cNvSpPr>
-            <a:spLocks noGrp="1"/>
-          </p:cNvSpPr>
-          <p:nvPr>
-            <p:ph idx="1"/>
-          </p:nvPr>
-        </p:nvSpPr>
-        <p:spPr>
-          <a:xfrm>
-            <a:off x="1828800" y="1992020"/>
-            <a:ext cx="8999325" cy="4525963"/>
-          </a:xfrm>
-        </p:spPr>
-        <p:txBody>
-          <a:bodyPr>
-            <a:normAutofit/>
-          </a:bodyPr>
-          <a:lstStyle/>
-          <a:p>
-            <a:r>
-              <a:rPr lang="en-US" dirty="0"/>
-              <a:t>identification of interface residues/hot spots</a:t>
-            </a:r>
-          </a:p>
-          <a:p>
-            <a:r>
-              <a:rPr lang="en-US" dirty="0"/>
-              <a:t>details about the interface </a:t>
-            </a:r>
-            <a:r>
-              <a:rPr lang="en-US" sz="2400" dirty="0"/>
-              <a:t>(solvent accessible surface area, shape, complementarity between surfaces, residue interface propensities, hydrophobicity, segmentation and secondary structure, and conformational changes on complex formation) </a:t>
-            </a:r>
-          </a:p>
-          <a:p>
-            <a:r>
-              <a:rPr lang="en-US" dirty="0"/>
-              <a:t>assignment of protein function</a:t>
-            </a:r>
-          </a:p>
-          <a:p>
-            <a:r>
-              <a:rPr lang="en-US" dirty="0"/>
-              <a:t>recognition of specific residue motifs</a:t>
-            </a:r>
+              <a:rPr lang="it-IT"/>
+              <a:t>Go to the GDoc</a:t>
+            </a:r>
+          </a:p>
+          <a:p>
+            <a:r>
+              <a:rPr lang="it-IT"/>
+              <a:t>Write a lecture summary, namely all you remember from the lecture. </a:t>
+            </a:r>
+          </a:p>
+          <a:p>
+            <a:r>
+              <a:rPr lang="it-IT"/>
+              <a:t>You have access to the presentation, which means you can go through the slides to better remember and organise your thoughts</a:t>
+            </a:r>
+          </a:p>
+          <a:p>
+            <a:r>
+              <a:rPr lang="it-IT"/>
+              <a:t>Homework: create a GDoc</a:t>
+            </a:r>
+          </a:p>
+          <a:p>
+            <a:pPr lvl="1"/>
+            <a:r>
+              <a:rPr lang="it-IT"/>
+              <a:t>name-surname-report</a:t>
+            </a:r>
+          </a:p>
+          <a:p>
+            <a:r>
+              <a:rPr lang="it-IT"/>
+              <a:t>Use lecture summaries and further info you will collect from other sources to write the first part of your report</a:t>
+            </a:r>
+          </a:p>
+          <a:p>
+            <a:r>
+              <a:rPr lang="it-IT"/>
+              <a:t>Paste the link to your Gdoc in the shared GDoc</a:t>
+            </a:r>
+          </a:p>
+          <a:p>
+            <a:endParaRPr lang="it-IT"/>
           </a:p>
         </p:txBody>
       </p:sp>
     </p:spTree>
     <p:extLst>
       <p:ext uri="{BB962C8B-B14F-4D97-AF65-F5344CB8AC3E}">
-        <p14:creationId xmlns:p14="http://schemas.microsoft.com/office/powerpoint/2010/main" val="2635114963"/>
+        <p14:creationId xmlns:p14="http://schemas.microsoft.com/office/powerpoint/2010/main" val="848181340"/>
       </p:ext>
     </p:extLst>
   </p:cSld>
@@ -11005,114 +10821,41 @@
       </p:grpSpPr>
       <p:sp>
         <p:nvSpPr>
-          <p:cNvPr id="2" name="Title 1">
-            <a:extLst>
-              <a:ext uri="{FF2B5EF4-FFF2-40B4-BE49-F238E27FC236}">
-                <a16:creationId xmlns:a16="http://schemas.microsoft.com/office/drawing/2014/main" id="{6ADCAAB4-6A2B-5742-83C7-C11FB8C2D7E9}"/>
-              </a:ext>
-            </a:extLst>
-          </p:cNvPr>
-          <p:cNvSpPr>
-            <a:spLocks noGrp="1"/>
-          </p:cNvSpPr>
-          <p:nvPr>
-            <p:ph type="title"/>
-          </p:nvPr>
+          <p:cNvPr id="2" name="TextBox 1"/>
+          <p:cNvSpPr txBox="1"/>
+          <p:nvPr/>
         </p:nvSpPr>
         <p:spPr>
-          <a:solidFill>
-            <a:schemeClr val="accent1"/>
-          </a:solidFill>
-        </p:spPr>
-        <p:txBody>
-          <a:bodyPr/>
-          <a:lstStyle/>
-          <a:p>
-            <a:r>
-              <a:rPr lang="it-IT">
+          <a:xfrm>
+            <a:off x="3103298" y="2797742"/>
+            <a:ext cx="6430441" cy="646331"/>
+          </a:xfrm>
+          <a:prstGeom prst="rect">
+            <a:avLst/>
+          </a:prstGeom>
+          <a:noFill/>
+        </p:spPr>
+        <p:txBody>
+          <a:bodyPr wrap="none" rtlCol="0">
+            <a:spAutoFit/>
+          </a:bodyPr>
+          <a:lstStyle/>
+          <a:p>
+            <a:r>
+              <a:rPr lang="en-US" sz="3600" b="1" dirty="0">
                 <a:solidFill>
                   <a:schemeClr val="bg1"/>
                 </a:solidFill>
               </a:rPr>
-              <a:t>Check-point II</a:t>
-            </a:r>
-          </a:p>
-        </p:txBody>
-      </p:sp>
-      <p:sp>
-        <p:nvSpPr>
-          <p:cNvPr id="3" name="Content Placeholder 2">
-            <a:extLst>
-              <a:ext uri="{FF2B5EF4-FFF2-40B4-BE49-F238E27FC236}">
-                <a16:creationId xmlns:a16="http://schemas.microsoft.com/office/drawing/2014/main" id="{161AB303-AA13-AE4B-99F1-659DF89493E3}"/>
-              </a:ext>
-            </a:extLst>
-          </p:cNvPr>
-          <p:cNvSpPr>
-            <a:spLocks noGrp="1"/>
-          </p:cNvSpPr>
-          <p:nvPr>
-            <p:ph idx="1"/>
-          </p:nvPr>
-        </p:nvSpPr>
-        <p:spPr/>
-        <p:txBody>
-          <a:bodyPr>
-            <a:normAutofit/>
-          </a:bodyPr>
-          <a:lstStyle/>
-          <a:p>
-            <a:r>
-              <a:rPr lang="it-IT"/>
-              <a:t>Go to the GDoc</a:t>
-            </a:r>
-          </a:p>
-          <a:p>
-            <a:r>
-              <a:rPr lang="it-IT"/>
-              <a:t>Write a lecture summary, namely all you remember from the lecture. </a:t>
-            </a:r>
-          </a:p>
-          <a:p>
-            <a:r>
-              <a:rPr lang="it-IT"/>
-              <a:t>You have access to the presentation, which means you can go through the slides to better remember and organise your thoughts</a:t>
-            </a:r>
-          </a:p>
-          <a:p>
-            <a:r>
-              <a:rPr lang="it-IT"/>
-              <a:t>Homework: create a GDoc</a:t>
-            </a:r>
-          </a:p>
-          <a:p>
-            <a:pPr lvl="1"/>
-            <a:r>
-              <a:rPr lang="it-IT"/>
-              <a:t>name-surname-report</a:t>
-            </a:r>
-          </a:p>
-          <a:p>
-            <a:r>
-              <a:rPr lang="it-IT"/>
-              <a:t>Use lecture summaries and further info you will collect from other sources to write the first part of your report</a:t>
-            </a:r>
-          </a:p>
-          <a:p>
-            <a:r>
-              <a:rPr lang="it-IT"/>
-              <a:t>Paste the link to your Gdoc in the shared GDoc</a:t>
-            </a:r>
-          </a:p>
-          <a:p>
-            <a:endParaRPr lang="it-IT"/>
+              <a:t>And now…get down to business!</a:t>
+            </a:r>
           </a:p>
         </p:txBody>
       </p:sp>
     </p:spTree>
     <p:extLst>
       <p:ext uri="{BB962C8B-B14F-4D97-AF65-F5344CB8AC3E}">
-        <p14:creationId xmlns:p14="http://schemas.microsoft.com/office/powerpoint/2010/main" val="848181340"/>
+        <p14:creationId xmlns:p14="http://schemas.microsoft.com/office/powerpoint/2010/main" val="3068674677"/>
       </p:ext>
     </p:extLst>
   </p:cSld>
@@ -11149,7 +10892,7 @@
         </p:nvSpPr>
         <p:spPr bwMode="auto">
           <a:xfrm>
-            <a:off x="1089103" y="914771"/>
+            <a:off x="1524000" y="764704"/>
             <a:ext cx="9144000" cy="0"/>
           </a:xfrm>
           <a:prstGeom prst="line">
@@ -11173,7 +10916,9 @@
           </a:bodyPr>
           <a:lstStyle/>
           <a:p>
-            <a:endParaRPr lang="it-IT"/>
+            <a:endParaRPr lang="it-IT">
+              <a:latin typeface="Corbel" panose="020B0503020204020204" pitchFamily="34" charset="0"/>
+            </a:endParaRPr>
           </a:p>
         </p:txBody>
       </p:sp>
@@ -11187,8 +10932,8 @@
         </p:nvSpPr>
         <p:spPr bwMode="auto">
           <a:xfrm>
-            <a:off x="2112518" y="220289"/>
-            <a:ext cx="6918751" cy="523220"/>
+            <a:off x="2562970" y="95727"/>
+            <a:ext cx="7066061" cy="523220"/>
           </a:xfrm>
           <a:prstGeom prst="rect">
             <a:avLst/>
@@ -11211,15 +10956,17 @@
           <a:lstStyle/>
           <a:p>
             <a:r>
-              <a:rPr lang="en-US" sz="2800" b="1" dirty="0"/>
-              <a:t>Energy and work are necessary to keep order</a:t>
-            </a:r>
-          </a:p>
-        </p:txBody>
-      </p:sp>
-      <p:sp>
-        <p:nvSpPr>
-          <p:cNvPr id="56324" name="Rectangle 4"/>
+              <a:rPr lang="en-US" sz="2800" b="1" dirty="0">
+                <a:latin typeface="Corbel" panose="020B0503020204020204" pitchFamily="34" charset="0"/>
+              </a:rPr>
+              <a:t>Work and energy are necessary to keep order</a:t>
+            </a:r>
+          </a:p>
+        </p:txBody>
+      </p:sp>
+      <p:sp>
+        <p:nvSpPr>
+          <p:cNvPr id="56328" name="Rectangle 8"/>
           <p:cNvSpPr>
             <a:spLocks noChangeArrowheads="1"/>
           </p:cNvSpPr>
@@ -11227,8 +10974,8 @@
         </p:nvSpPr>
         <p:spPr bwMode="auto">
           <a:xfrm>
-            <a:off x="1991544" y="1815208"/>
-            <a:ext cx="5588774" cy="461665"/>
+            <a:off x="1431313" y="4038163"/>
+            <a:ext cx="9530862" cy="1754326"/>
           </a:xfrm>
           <a:prstGeom prst="rect">
             <a:avLst/>
@@ -11242,7 +10989,7 @@
           </a:ln>
         </p:spPr>
         <p:txBody>
-          <a:bodyPr wrap="none">
+          <a:bodyPr wrap="square">
             <a:prstTxWarp prst="textNoShape">
               <a:avLst/>
             </a:prstTxWarp>
@@ -11250,20 +10997,18 @@
           </a:bodyPr>
           <a:lstStyle/>
           <a:p>
-            <a:pPr>
-              <a:buFontTx/>
-              <a:buChar char="•"/>
-            </a:pPr>
-            <a:r>
-              <a:rPr lang="en-US" sz="2400" dirty="0"/>
-              <a:t>The entropy of the universe tends to grow</a:t>
-            </a:r>
-          </a:p>
-        </p:txBody>
-      </p:sp>
-      <p:sp>
-        <p:nvSpPr>
-          <p:cNvPr id="56325" name="Rectangle 5"/>
+            <a:r>
+              <a:rPr lang="en-US" sz="3600" dirty="0">
+                <a:latin typeface="Corbel" panose="020B0503020204020204" pitchFamily="34" charset="0"/>
+              </a:rPr>
+              <a:t>In particular, G is the thermodynamic quantity that can be used to determine the direction of a process</a:t>
+            </a:r>
+          </a:p>
+        </p:txBody>
+      </p:sp>
+      <p:sp>
+        <p:nvSpPr>
+          <p:cNvPr id="56329" name="Rectangle 9"/>
           <p:cNvSpPr>
             <a:spLocks noChangeArrowheads="1"/>
           </p:cNvSpPr>
@@ -11271,8 +11016,8 @@
         </p:nvSpPr>
         <p:spPr bwMode="auto">
           <a:xfrm>
-            <a:off x="1991544" y="2525996"/>
-            <a:ext cx="7696200" cy="830997"/>
+            <a:off x="4540279" y="2904040"/>
+            <a:ext cx="2521716" cy="769441"/>
           </a:xfrm>
           <a:prstGeom prst="rect">
             <a:avLst/>
@@ -11286,7 +11031,7 @@
           </a:ln>
         </p:spPr>
         <p:txBody>
-          <a:bodyPr>
+          <a:bodyPr wrap="none">
             <a:prstTxWarp prst="textNoShape">
               <a:avLst/>
             </a:prstTxWarp>
@@ -11294,26 +11039,18 @@
           </a:bodyPr>
           <a:lstStyle/>
           <a:p>
-            <a:pPr>
-              <a:buFontTx/>
-              <a:buChar char="•"/>
-            </a:pPr>
-            <a:r>
-              <a:rPr lang="en-US" sz="2400" dirty="0"/>
-              <a:t>The formation of macromolecules is not an accidental </a:t>
-            </a:r>
-          </a:p>
-          <a:p>
-            <a:r>
-              <a:rPr lang="en-US" sz="2400" dirty="0"/>
-              <a:t> process but requires work </a:t>
-            </a:r>
-          </a:p>
-        </p:txBody>
-      </p:sp>
-      <p:sp>
-        <p:nvSpPr>
-          <p:cNvPr id="56326" name="Rectangle 6"/>
+            <a:r>
+              <a:rPr lang="en-US" sz="4400" b="1" dirty="0">
+                <a:latin typeface="Corbel" panose="020B0503020204020204" pitchFamily="34" charset="0"/>
+              </a:rPr>
+              <a:t>G = H - TS</a:t>
+            </a:r>
+          </a:p>
+        </p:txBody>
+      </p:sp>
+      <p:sp>
+        <p:nvSpPr>
+          <p:cNvPr id="56330" name="Rectangle 10"/>
           <p:cNvSpPr>
             <a:spLocks noChangeArrowheads="1"/>
           </p:cNvSpPr>
@@ -11321,13 +11058,15 @@
         </p:nvSpPr>
         <p:spPr bwMode="auto">
           <a:xfrm>
-            <a:off x="1991545" y="3543400"/>
-            <a:ext cx="6211957" cy="461665"/>
+            <a:off x="1804256" y="1462140"/>
+            <a:ext cx="8583488" cy="1077218"/>
           </a:xfrm>
           <a:prstGeom prst="rect">
             <a:avLst/>
           </a:prstGeom>
-          <a:noFill/>
+          <a:solidFill>
+            <a:srgbClr val="CCFFCC"/>
+          </a:solidFill>
           <a:ln w="9525">
             <a:noFill/>
             <a:miter lim="800000"/>
@@ -11336,50 +11075,6 @@
           </a:ln>
         </p:spPr>
         <p:txBody>
-          <a:bodyPr wrap="none">
-            <a:prstTxWarp prst="textNoShape">
-              <a:avLst/>
-            </a:prstTxWarp>
-            <a:spAutoFit/>
-          </a:bodyPr>
-          <a:lstStyle/>
-          <a:p>
-            <a:pPr>
-              <a:buFontTx/>
-              <a:buChar char="•"/>
-            </a:pPr>
-            <a:r>
-              <a:rPr lang="en-US" sz="2400" dirty="0"/>
-              <a:t>The synthesis of macromolecules needs energy</a:t>
-            </a:r>
-          </a:p>
-        </p:txBody>
-      </p:sp>
-      <p:sp>
-        <p:nvSpPr>
-          <p:cNvPr id="56327" name="Rectangle 7"/>
-          <p:cNvSpPr>
-            <a:spLocks noChangeArrowheads="1"/>
-          </p:cNvSpPr>
-          <p:nvPr/>
-        </p:nvSpPr>
-        <p:spPr bwMode="auto">
-          <a:xfrm>
-            <a:off x="1775520" y="4653137"/>
-            <a:ext cx="8748464" cy="830997"/>
-          </a:xfrm>
-          <a:prstGeom prst="rect">
-            <a:avLst/>
-          </a:prstGeom>
-          <a:noFill/>
-          <a:ln w="9525">
-            <a:noFill/>
-            <a:miter lim="800000"/>
-            <a:headEnd/>
-            <a:tailEnd/>
-          </a:ln>
-        </p:spPr>
-        <p:txBody>
           <a:bodyPr wrap="square">
             <a:prstTxWarp prst="textNoShape">
               <a:avLst/>
@@ -11389,8 +11084,10 @@
           <a:lstStyle/>
           <a:p>
             <a:r>
-              <a:rPr lang="en-US" sz="2400" dirty="0"/>
-              <a:t>We measure the energy variations occurring during chemical reactions in terms of GIBBS FREE ENERGY, G.</a:t>
+              <a:rPr lang="en-US" sz="3200" dirty="0">
+                <a:latin typeface="Corbel" panose="020B0503020204020204" pitchFamily="34" charset="0"/>
+              </a:rPr>
+              <a:t>G represents the “usable” energy of a system, i.e. the energy available to carry out work</a:t>
             </a:r>
           </a:p>
         </p:txBody>
@@ -11398,70 +11095,7 @@
     </p:spTree>
     <p:extLst>
       <p:ext uri="{BB962C8B-B14F-4D97-AF65-F5344CB8AC3E}">
-        <p14:creationId xmlns:p14="http://schemas.microsoft.com/office/powerpoint/2010/main" val="399648602"/>
-      </p:ext>
-    </p:extLst>
-  </p:cSld>
-  <p:clrMapOvr>
-    <a:masterClrMapping/>
-  </p:clrMapOvr>
-</p:sld>
-</file>
-
-<file path=ppt/slides/slide40.xml><?xml version="1.0" encoding="utf-8"?>
-<p:sld xmlns:a="http://schemas.openxmlformats.org/drawingml/2006/main" xmlns:r="http://schemas.openxmlformats.org/officeDocument/2006/relationships" xmlns:p="http://schemas.openxmlformats.org/presentationml/2006/main">
-  <p:cSld>
-    <p:spTree>
-      <p:nvGrpSpPr>
-        <p:cNvPr id="1" name=""/>
-        <p:cNvGrpSpPr/>
-        <p:nvPr/>
-      </p:nvGrpSpPr>
-      <p:grpSpPr>
-        <a:xfrm>
-          <a:off x="0" y="0"/>
-          <a:ext cx="0" cy="0"/>
-          <a:chOff x="0" y="0"/>
-          <a:chExt cx="0" cy="0"/>
-        </a:xfrm>
-      </p:grpSpPr>
-      <p:sp>
-        <p:nvSpPr>
-          <p:cNvPr id="2" name="TextBox 1"/>
-          <p:cNvSpPr txBox="1"/>
-          <p:nvPr/>
-        </p:nvSpPr>
-        <p:spPr>
-          <a:xfrm>
-            <a:off x="3103298" y="2797742"/>
-            <a:ext cx="6430441" cy="646331"/>
-          </a:xfrm>
-          <a:prstGeom prst="rect">
-            <a:avLst/>
-          </a:prstGeom>
-          <a:noFill/>
-        </p:spPr>
-        <p:txBody>
-          <a:bodyPr wrap="none" rtlCol="0">
-            <a:spAutoFit/>
-          </a:bodyPr>
-          <a:lstStyle/>
-          <a:p>
-            <a:r>
-              <a:rPr lang="en-US" sz="3600" b="1" dirty="0">
-                <a:solidFill>
-                  <a:schemeClr val="bg1"/>
-                </a:solidFill>
-              </a:rPr>
-              <a:t>And now…get down to business!</a:t>
-            </a:r>
-          </a:p>
-        </p:txBody>
-      </p:sp>
-    </p:spTree>
-    <p:extLst>
-      <p:ext uri="{BB962C8B-B14F-4D97-AF65-F5344CB8AC3E}">
-        <p14:creationId xmlns:p14="http://schemas.microsoft.com/office/powerpoint/2010/main" val="3068674677"/>
+        <p14:creationId xmlns:p14="http://schemas.microsoft.com/office/powerpoint/2010/main" val="1170584830"/>
       </p:ext>
     </p:extLst>
   </p:cSld>
@@ -11490,7 +11124,160 @@
       </p:grpSpPr>
       <p:sp>
         <p:nvSpPr>
-          <p:cNvPr id="56322" name="Line 2"/>
+          <p:cNvPr id="57347" name="Rectangle 3"/>
+          <p:cNvSpPr>
+            <a:spLocks noChangeArrowheads="1"/>
+          </p:cNvSpPr>
+          <p:nvPr/>
+        </p:nvSpPr>
+        <p:spPr bwMode="auto">
+          <a:xfrm>
+            <a:off x="1010062" y="1229850"/>
+            <a:ext cx="10314429" cy="1569660"/>
+          </a:xfrm>
+          <a:prstGeom prst="rect">
+            <a:avLst/>
+          </a:prstGeom>
+          <a:noFill/>
+          <a:ln w="9525">
+            <a:noFill/>
+            <a:miter lim="800000"/>
+            <a:headEnd/>
+            <a:tailEnd/>
+          </a:ln>
+        </p:spPr>
+        <p:txBody>
+          <a:bodyPr wrap="square">
+            <a:prstTxWarp prst="textNoShape">
+              <a:avLst/>
+            </a:prstTxWarp>
+            <a:spAutoFit/>
+          </a:bodyPr>
+          <a:lstStyle/>
+          <a:p>
+            <a:r>
+              <a:rPr lang="en-US" sz="3200" dirty="0"/>
+              <a:t>Gibbs free energy is a state variable: it depends on the initial and final equilibrium states and not on the way in which the system acquired that states</a:t>
+            </a:r>
+          </a:p>
+        </p:txBody>
+      </p:sp>
+      <p:sp>
+        <p:nvSpPr>
+          <p:cNvPr id="57348" name="Rectangle 4"/>
+          <p:cNvSpPr>
+            <a:spLocks noChangeArrowheads="1"/>
+          </p:cNvSpPr>
+          <p:nvPr/>
+        </p:nvSpPr>
+        <p:spPr bwMode="auto">
+          <a:xfrm>
+            <a:off x="1010061" y="3019141"/>
+            <a:ext cx="10173754" cy="1077218"/>
+          </a:xfrm>
+          <a:prstGeom prst="rect">
+            <a:avLst/>
+          </a:prstGeom>
+          <a:noFill/>
+          <a:ln w="9525">
+            <a:noFill/>
+            <a:miter lim="800000"/>
+            <a:headEnd/>
+            <a:tailEnd/>
+          </a:ln>
+        </p:spPr>
+        <p:txBody>
+          <a:bodyPr wrap="square">
+            <a:prstTxWarp prst="textNoShape">
+              <a:avLst/>
+            </a:prstTxWarp>
+            <a:spAutoFit/>
+          </a:bodyPr>
+          <a:lstStyle/>
+          <a:p>
+            <a:r>
+              <a:rPr lang="en-US" sz="3200" dirty="0"/>
+              <a:t>To decipher the direction of a process, we can look at its initial and final state, i.e. evaluate the free energy variation:</a:t>
+            </a:r>
+          </a:p>
+        </p:txBody>
+      </p:sp>
+      <p:sp>
+        <p:nvSpPr>
+          <p:cNvPr id="57350" name="Rectangle 6"/>
+          <p:cNvSpPr>
+            <a:spLocks noChangeArrowheads="1"/>
+          </p:cNvSpPr>
+          <p:nvPr/>
+        </p:nvSpPr>
+        <p:spPr bwMode="auto">
+          <a:xfrm>
+            <a:off x="5447928" y="4797153"/>
+            <a:ext cx="1040068" cy="830997"/>
+          </a:xfrm>
+          <a:prstGeom prst="rect">
+            <a:avLst/>
+          </a:prstGeom>
+          <a:noFill/>
+          <a:ln w="9525">
+            <a:noFill/>
+            <a:miter lim="800000"/>
+            <a:headEnd/>
+            <a:tailEnd/>
+          </a:ln>
+        </p:spPr>
+        <p:txBody>
+          <a:bodyPr wrap="none">
+            <a:prstTxWarp prst="textNoShape">
+              <a:avLst/>
+            </a:prstTxWarp>
+            <a:spAutoFit/>
+          </a:bodyPr>
+          <a:lstStyle/>
+          <a:p>
+            <a:r>
+              <a:rPr lang="en-US" sz="4800" dirty="0">
+                <a:latin typeface="Arial"/>
+                <a:cs typeface="Arial"/>
+                <a:sym typeface="Symbol" pitchFamily="-84" charset="2"/>
+              </a:rPr>
+              <a:t>G</a:t>
+            </a:r>
+          </a:p>
+        </p:txBody>
+      </p:sp>
+      <p:sp>
+        <p:nvSpPr>
+          <p:cNvPr id="3" name="TextBox 2"/>
+          <p:cNvSpPr txBox="1"/>
+          <p:nvPr/>
+        </p:nvSpPr>
+        <p:spPr>
+          <a:xfrm>
+            <a:off x="5447929" y="116632"/>
+            <a:ext cx="1036759" cy="523220"/>
+          </a:xfrm>
+          <a:prstGeom prst="rect">
+            <a:avLst/>
+          </a:prstGeom>
+          <a:noFill/>
+        </p:spPr>
+        <p:txBody>
+          <a:bodyPr wrap="none" rtlCol="0">
+            <a:spAutoFit/>
+          </a:bodyPr>
+          <a:lstStyle/>
+          <a:p>
+            <a:r>
+              <a:rPr lang="en-US" sz="2800" b="1" dirty="0"/>
+              <a:t>How?</a:t>
+            </a:r>
+          </a:p>
+        </p:txBody>
+      </p:sp>
+      <p:sp>
+        <p:nvSpPr>
+          <p:cNvPr id="9" name="Line 2"/>
           <p:cNvSpPr>
             <a:spLocks noChangeShapeType="1"/>
           </p:cNvSpPr>
@@ -11526,172 +11313,10 @@
           </a:p>
         </p:txBody>
       </p:sp>
-      <p:sp>
-        <p:nvSpPr>
-          <p:cNvPr id="56323" name="Rectangle 3"/>
-          <p:cNvSpPr>
-            <a:spLocks noChangeArrowheads="1"/>
-          </p:cNvSpPr>
-          <p:nvPr/>
-        </p:nvSpPr>
-        <p:spPr bwMode="auto">
-          <a:xfrm>
-            <a:off x="2562970" y="95727"/>
-            <a:ext cx="7066061" cy="523220"/>
-          </a:xfrm>
-          <a:prstGeom prst="rect">
-            <a:avLst/>
-          </a:prstGeom>
-          <a:noFill/>
-          <a:ln w="9525">
-            <a:noFill/>
-            <a:miter lim="800000"/>
-            <a:headEnd/>
-            <a:tailEnd/>
-          </a:ln>
-        </p:spPr>
-        <p:txBody>
-          <a:bodyPr wrap="square">
-            <a:prstTxWarp prst="textNoShape">
-              <a:avLst/>
-            </a:prstTxWarp>
-            <a:spAutoFit/>
-          </a:bodyPr>
-          <a:lstStyle/>
-          <a:p>
-            <a:r>
-              <a:rPr lang="en-US" sz="2800" b="1" dirty="0"/>
-              <a:t>Work and energy are necessary to keep order</a:t>
-            </a:r>
-          </a:p>
-        </p:txBody>
-      </p:sp>
-      <p:sp>
-        <p:nvSpPr>
-          <p:cNvPr id="56328" name="Rectangle 8"/>
-          <p:cNvSpPr>
-            <a:spLocks noChangeArrowheads="1"/>
-          </p:cNvSpPr>
-          <p:nvPr/>
-        </p:nvSpPr>
-        <p:spPr bwMode="auto">
-          <a:xfrm>
-            <a:off x="1828800" y="3737686"/>
-            <a:ext cx="8534400" cy="954107"/>
-          </a:xfrm>
-          <a:prstGeom prst="rect">
-            <a:avLst/>
-          </a:prstGeom>
-          <a:noFill/>
-          <a:ln w="9525">
-            <a:noFill/>
-            <a:miter lim="800000"/>
-            <a:headEnd/>
-            <a:tailEnd/>
-          </a:ln>
-        </p:spPr>
-        <p:txBody>
-          <a:bodyPr>
-            <a:prstTxWarp prst="textNoShape">
-              <a:avLst/>
-            </a:prstTxWarp>
-            <a:spAutoFit/>
-          </a:bodyPr>
-          <a:lstStyle/>
-          <a:p>
-            <a:r>
-              <a:rPr lang="en-US" sz="2800" dirty="0"/>
-              <a:t>In particular, G is the thermodynamic quantity that can be used to determine the direction of a process</a:t>
-            </a:r>
-          </a:p>
-        </p:txBody>
-      </p:sp>
-      <p:sp>
-        <p:nvSpPr>
-          <p:cNvPr id="56329" name="Rectangle 9"/>
-          <p:cNvSpPr>
-            <a:spLocks noChangeArrowheads="1"/>
-          </p:cNvSpPr>
-          <p:nvPr/>
-        </p:nvSpPr>
-        <p:spPr bwMode="auto">
-          <a:xfrm>
-            <a:off x="4727848" y="2965595"/>
-            <a:ext cx="2003434" cy="646331"/>
-          </a:xfrm>
-          <a:prstGeom prst="rect">
-            <a:avLst/>
-          </a:prstGeom>
-          <a:noFill/>
-          <a:ln w="9525">
-            <a:noFill/>
-            <a:miter lim="800000"/>
-            <a:headEnd/>
-            <a:tailEnd/>
-          </a:ln>
-        </p:spPr>
-        <p:txBody>
-          <a:bodyPr wrap="none">
-            <a:prstTxWarp prst="textNoShape">
-              <a:avLst/>
-            </a:prstTxWarp>
-            <a:spAutoFit/>
-          </a:bodyPr>
-          <a:lstStyle/>
-          <a:p>
-            <a:r>
-              <a:rPr lang="en-US" sz="3600" b="1" dirty="0"/>
-              <a:t>G = H - TS</a:t>
-            </a:r>
-          </a:p>
-        </p:txBody>
-      </p:sp>
-      <p:sp>
-        <p:nvSpPr>
-          <p:cNvPr id="56330" name="Rectangle 10"/>
-          <p:cNvSpPr>
-            <a:spLocks noChangeArrowheads="1"/>
-          </p:cNvSpPr>
-          <p:nvPr/>
-        </p:nvSpPr>
-        <p:spPr bwMode="auto">
-          <a:xfrm>
-            <a:off x="1905000" y="1988841"/>
-            <a:ext cx="8583488" cy="830997"/>
-          </a:xfrm>
-          <a:prstGeom prst="rect">
-            <a:avLst/>
-          </a:prstGeom>
-          <a:solidFill>
-            <a:srgbClr val="CCFFCC"/>
-          </a:solidFill>
-          <a:ln w="9525">
-            <a:noFill/>
-            <a:miter lim="800000"/>
-            <a:headEnd/>
-            <a:tailEnd/>
-          </a:ln>
-        </p:spPr>
-        <p:txBody>
-          <a:bodyPr wrap="square">
-            <a:prstTxWarp prst="textNoShape">
-              <a:avLst/>
-            </a:prstTxWarp>
-            <a:spAutoFit/>
-          </a:bodyPr>
-          <a:lstStyle/>
-          <a:p>
-            <a:r>
-              <a:rPr lang="en-US" sz="2400" dirty="0"/>
-              <a:t>G represents the “usable” energy of a system, i.e. the energy available to carry out work</a:t>
-            </a:r>
-          </a:p>
-        </p:txBody>
-      </p:sp>
     </p:spTree>
     <p:extLst>
       <p:ext uri="{BB962C8B-B14F-4D97-AF65-F5344CB8AC3E}">
-        <p14:creationId xmlns:p14="http://schemas.microsoft.com/office/powerpoint/2010/main" val="1170584830"/>
+        <p14:creationId xmlns:p14="http://schemas.microsoft.com/office/powerpoint/2010/main" val="3889546210"/>
       </p:ext>
     </p:extLst>
   </p:cSld>
@@ -11720,7 +11345,7 @@
       </p:grpSpPr>
       <p:sp>
         <p:nvSpPr>
-          <p:cNvPr id="57347" name="Rectangle 3"/>
+          <p:cNvPr id="58370" name="Rectangle 2"/>
           <p:cNvSpPr>
             <a:spLocks noChangeArrowheads="1"/>
           </p:cNvSpPr>
@@ -11728,300 +11353,8 @@
         </p:nvSpPr>
         <p:spPr bwMode="auto">
           <a:xfrm>
-            <a:off x="1912740" y="2168277"/>
-            <a:ext cx="8534400" cy="1200328"/>
-          </a:xfrm>
-          <a:prstGeom prst="rect">
-            <a:avLst/>
-          </a:prstGeom>
-          <a:noFill/>
-          <a:ln w="9525">
-            <a:noFill/>
-            <a:miter lim="800000"/>
-            <a:headEnd/>
-            <a:tailEnd/>
-          </a:ln>
-        </p:spPr>
-        <p:txBody>
-          <a:bodyPr>
-            <a:prstTxWarp prst="textNoShape">
-              <a:avLst/>
-            </a:prstTxWarp>
-            <a:spAutoFit/>
-          </a:bodyPr>
-          <a:lstStyle/>
-          <a:p>
-            <a:r>
-              <a:rPr lang="en-US" sz="2400" dirty="0"/>
-              <a:t>Gibbs free energy is a state variable: it depends on the initial and final equilibrium states and not on the way in which the system acquired that states.</a:t>
-            </a:r>
-          </a:p>
-        </p:txBody>
-      </p:sp>
-      <p:sp>
-        <p:nvSpPr>
-          <p:cNvPr id="57348" name="Rectangle 4"/>
-          <p:cNvSpPr>
-            <a:spLocks noChangeArrowheads="1"/>
-          </p:cNvSpPr>
-          <p:nvPr/>
-        </p:nvSpPr>
-        <p:spPr bwMode="auto">
-          <a:xfrm>
-            <a:off x="1988146" y="3724291"/>
-            <a:ext cx="8383588" cy="830997"/>
-          </a:xfrm>
-          <a:prstGeom prst="rect">
-            <a:avLst/>
-          </a:prstGeom>
-          <a:noFill/>
-          <a:ln w="9525">
-            <a:noFill/>
-            <a:miter lim="800000"/>
-            <a:headEnd/>
-            <a:tailEnd/>
-          </a:ln>
-        </p:spPr>
-        <p:txBody>
-          <a:bodyPr>
-            <a:prstTxWarp prst="textNoShape">
-              <a:avLst/>
-            </a:prstTxWarp>
-            <a:spAutoFit/>
-          </a:bodyPr>
-          <a:lstStyle/>
-          <a:p>
-            <a:r>
-              <a:rPr lang="en-US" sz="2400" dirty="0"/>
-              <a:t>To decipher the direction of a process, we can look at its initial and final state, i.e. evaluate the free energy variation:</a:t>
-            </a:r>
-          </a:p>
-        </p:txBody>
-      </p:sp>
-      <p:sp>
-        <p:nvSpPr>
-          <p:cNvPr id="57350" name="Rectangle 6"/>
-          <p:cNvSpPr>
-            <a:spLocks noChangeArrowheads="1"/>
-          </p:cNvSpPr>
-          <p:nvPr/>
-        </p:nvSpPr>
-        <p:spPr bwMode="auto">
-          <a:xfrm>
-            <a:off x="5447928" y="4797153"/>
-            <a:ext cx="1040068" cy="830997"/>
-          </a:xfrm>
-          <a:prstGeom prst="rect">
-            <a:avLst/>
-          </a:prstGeom>
-          <a:noFill/>
-          <a:ln w="9525">
-            <a:noFill/>
-            <a:miter lim="800000"/>
-            <a:headEnd/>
-            <a:tailEnd/>
-          </a:ln>
-        </p:spPr>
-        <p:txBody>
-          <a:bodyPr wrap="none">
-            <a:prstTxWarp prst="textNoShape">
-              <a:avLst/>
-            </a:prstTxWarp>
-            <a:spAutoFit/>
-          </a:bodyPr>
-          <a:lstStyle/>
-          <a:p>
-            <a:r>
-              <a:rPr lang="en-US" sz="4800" dirty="0">
-                <a:latin typeface="Arial"/>
-                <a:cs typeface="Arial"/>
-                <a:sym typeface="Symbol" pitchFamily="-84" charset="2"/>
-              </a:rPr>
-              <a:t>G</a:t>
-            </a:r>
-          </a:p>
-        </p:txBody>
-      </p:sp>
-      <p:sp>
-        <p:nvSpPr>
-          <p:cNvPr id="3" name="TextBox 2"/>
-          <p:cNvSpPr txBox="1"/>
-          <p:nvPr/>
-        </p:nvSpPr>
-        <p:spPr>
-          <a:xfrm>
-            <a:off x="5447929" y="116632"/>
-            <a:ext cx="1036759" cy="523220"/>
-          </a:xfrm>
-          <a:prstGeom prst="rect">
-            <a:avLst/>
-          </a:prstGeom>
-          <a:noFill/>
-        </p:spPr>
-        <p:txBody>
-          <a:bodyPr wrap="none" rtlCol="0">
-            <a:spAutoFit/>
-          </a:bodyPr>
-          <a:lstStyle/>
-          <a:p>
-            <a:r>
-              <a:rPr lang="en-US" sz="2800" b="1" dirty="0"/>
-              <a:t>How?</a:t>
-            </a:r>
-          </a:p>
-        </p:txBody>
-      </p:sp>
-      <p:sp>
-        <p:nvSpPr>
-          <p:cNvPr id="9" name="Line 2"/>
-          <p:cNvSpPr>
-            <a:spLocks noChangeShapeType="1"/>
-          </p:cNvSpPr>
-          <p:nvPr/>
-        </p:nvSpPr>
-        <p:spPr bwMode="auto">
-          <a:xfrm>
-            <a:off x="1524000" y="764704"/>
-            <a:ext cx="9144000" cy="0"/>
-          </a:xfrm>
-          <a:prstGeom prst="line">
-            <a:avLst/>
-          </a:prstGeom>
-          <a:noFill/>
-          <a:ln w="25400">
-            <a:solidFill>
-              <a:srgbClr val="800000"/>
-            </a:solidFill>
-            <a:round/>
-            <a:headEnd/>
-            <a:tailEnd/>
-          </a:ln>
-        </p:spPr>
-        <p:txBody>
-          <a:bodyPr wrap="none" anchor="ctr">
-            <a:prstTxWarp prst="textNoShape">
-              <a:avLst/>
-            </a:prstTxWarp>
-          </a:bodyPr>
-          <a:lstStyle/>
-          <a:p>
-            <a:endParaRPr lang="it-IT"/>
-          </a:p>
-        </p:txBody>
-      </p:sp>
-      <p:sp>
-        <p:nvSpPr>
-          <p:cNvPr id="7" name="Rectangle 11">
-            <a:extLst>
-              <a:ext uri="{FF2B5EF4-FFF2-40B4-BE49-F238E27FC236}">
-                <a16:creationId xmlns:a16="http://schemas.microsoft.com/office/drawing/2014/main" id="{AB40F73B-6406-244D-B7D8-ECA23A4261D8}"/>
-              </a:ext>
-            </a:extLst>
-          </p:cNvPr>
-          <p:cNvSpPr>
-            <a:spLocks noChangeArrowheads="1"/>
-          </p:cNvSpPr>
-          <p:nvPr/>
-        </p:nvSpPr>
-        <p:spPr bwMode="auto">
-          <a:xfrm>
-            <a:off x="1912740" y="889558"/>
-            <a:ext cx="8375432" cy="830997"/>
-          </a:xfrm>
-          <a:prstGeom prst="rect">
-            <a:avLst/>
-          </a:prstGeom>
-          <a:noFill/>
-          <a:ln>
-            <a:noFill/>
-          </a:ln>
-          <a:effectLst/>
-          <a:extLst>
-            <a:ext uri="{909E8E84-426E-40dd-AFC4-6F175D3DCCD1}">
-              <a14:hiddenFill xmlns="" xmlns:a14="http://schemas.microsoft.com/office/drawing/2010/main">
-                <a:solidFill>
-                  <a:schemeClr val="accent1"/>
-                </a:solidFill>
-              </a14:hiddenFill>
-            </a:ext>
-            <a:ext uri="{91240B29-F687-4f45-9708-019B960494DF}">
-              <a14:hiddenLine xmlns="" xmlns:a14="http://schemas.microsoft.com/office/drawing/2010/main" w="9525">
-                <a:solidFill>
-                  <a:schemeClr val="tx1"/>
-                </a:solidFill>
-                <a:miter lim="800000"/>
-                <a:headEnd/>
-                <a:tailEnd/>
-              </a14:hiddenLine>
-            </a:ext>
-            <a:ext uri="{AF507438-7753-43e0-B8FC-AC1667EBCBE1}">
-              <a14:hiddenEffects xmlns="" xmlns:a14="http://schemas.microsoft.com/office/drawing/2010/main">
-                <a:effectLst>
-                  <a:outerShdw blurRad="63500" dist="38099" dir="2700000" algn="ctr" rotWithShape="0">
-                    <a:schemeClr val="bg2">
-                      <a:alpha val="74998"/>
-                    </a:schemeClr>
-                  </a:outerShdw>
-                </a:effectLst>
-              </a14:hiddenEffects>
-            </a:ext>
-          </a:extLst>
-        </p:spPr>
-        <p:txBody>
-          <a:bodyPr wrap="square">
-            <a:spAutoFit/>
-          </a:bodyPr>
-          <a:lstStyle/>
-          <a:p>
-            <a:r>
-              <a:rPr lang="en-US" sz="2400" dirty="0"/>
-              <a:t>The thermodynamic quantity used to determine the direction of a process is the Gibbs free energy G</a:t>
-            </a:r>
-          </a:p>
-        </p:txBody>
-      </p:sp>
-    </p:spTree>
-    <p:extLst>
-      <p:ext uri="{BB962C8B-B14F-4D97-AF65-F5344CB8AC3E}">
-        <p14:creationId xmlns:p14="http://schemas.microsoft.com/office/powerpoint/2010/main" val="3889546210"/>
-      </p:ext>
-    </p:extLst>
-  </p:cSld>
-  <p:clrMapOvr>
-    <a:masterClrMapping/>
-  </p:clrMapOvr>
-</p:sld>
-</file>
-
-<file path=ppt/slides/slide7.xml><?xml version="1.0" encoding="utf-8"?>
-<p:sld xmlns:a="http://schemas.openxmlformats.org/drawingml/2006/main" xmlns:r="http://schemas.openxmlformats.org/officeDocument/2006/relationships" xmlns:p="http://schemas.openxmlformats.org/presentationml/2006/main">
-  <p:cSld>
-    <p:spTree>
-      <p:nvGrpSpPr>
-        <p:cNvPr id="1" name=""/>
-        <p:cNvGrpSpPr/>
-        <p:nvPr/>
-      </p:nvGrpSpPr>
-      <p:grpSpPr>
-        <a:xfrm>
-          <a:off x="0" y="0"/>
-          <a:ext cx="0" cy="0"/>
-          <a:chOff x="0" y="0"/>
-          <a:chExt cx="0" cy="0"/>
-        </a:xfrm>
-      </p:grpSpPr>
-      <p:sp>
-        <p:nvSpPr>
-          <p:cNvPr id="58370" name="Rectangle 2"/>
-          <p:cNvSpPr>
-            <a:spLocks noChangeArrowheads="1"/>
-          </p:cNvSpPr>
-          <p:nvPr/>
-        </p:nvSpPr>
-        <p:spPr bwMode="auto">
-          <a:xfrm>
             <a:off x="4152293" y="3951093"/>
-            <a:ext cx="3736975" cy="771525"/>
+            <a:ext cx="3481915" cy="769441"/>
           </a:xfrm>
           <a:prstGeom prst="rect">
             <a:avLst/>
@@ -12047,13 +11380,13 @@
           <a:p>
             <a:r>
               <a:rPr lang="en-US" sz="4400">
-                <a:latin typeface="Times" pitchFamily="-84" charset="0"/>
+                <a:latin typeface="Corbel" panose="020B0503020204020204" pitchFamily="34" charset="0"/>
                 <a:sym typeface="Symbol" pitchFamily="-84" charset="2"/>
               </a:rPr>
               <a:t>G = H - TS</a:t>
             </a:r>
             <a:endParaRPr lang="en-US" sz="2400">
-              <a:latin typeface="Times" pitchFamily="-84" charset="0"/>
+              <a:latin typeface="Corbel" panose="020B0503020204020204" pitchFamily="34" charset="0"/>
               <a:sym typeface="Symbol" pitchFamily="-84" charset="2"/>
             </a:endParaRPr>
           </a:p>
@@ -12069,8 +11402,8 @@
         </p:nvSpPr>
         <p:spPr bwMode="auto">
           <a:xfrm>
-            <a:off x="2063552" y="5008864"/>
-            <a:ext cx="7914456" cy="738664"/>
+            <a:off x="738553" y="5204495"/>
+            <a:ext cx="10234246" cy="400110"/>
           </a:xfrm>
           <a:prstGeom prst="rect">
             <a:avLst/>
@@ -12093,15 +11426,17 @@
           <a:lstStyle/>
           <a:p>
             <a:r>
-              <a:rPr lang="en-US" sz="2400" dirty="0">
-                <a:latin typeface="Times" pitchFamily="-84" charset="0"/>
+              <a:rPr lang="en-US" sz="2000" dirty="0">
+                <a:latin typeface="Corbel" panose="020B0503020204020204" pitchFamily="34" charset="0"/>
                 <a:sym typeface="Symbol" pitchFamily="-84" charset="2"/>
               </a:rPr>
               <a:t></a:t>
             </a:r>
             <a:r>
-              <a:rPr lang="en-US" dirty="0"/>
-              <a:t>H = Enthalpy variation. It represents the heat released or absorbed by the system in a reaction.</a:t>
+              <a:rPr lang="en-US" sz="2000" dirty="0">
+                <a:latin typeface="Corbel" panose="020B0503020204020204" pitchFamily="34" charset="0"/>
+              </a:rPr>
+              <a:t>H = Enthalpy variation. It represents the heat released or absorbed by the system in a reaction</a:t>
             </a:r>
           </a:p>
         </p:txBody>
@@ -12116,8 +11451,8 @@
         </p:nvSpPr>
         <p:spPr bwMode="auto">
           <a:xfrm>
-            <a:off x="2063552" y="5892224"/>
-            <a:ext cx="8202488" cy="738664"/>
+            <a:off x="738553" y="5753065"/>
+            <a:ext cx="10234245" cy="400110"/>
           </a:xfrm>
           <a:prstGeom prst="rect">
             <a:avLst/>
@@ -12140,23 +11475,29 @@
           <a:lstStyle/>
           <a:p>
             <a:r>
-              <a:rPr lang="en-US" sz="2400" dirty="0">
-                <a:latin typeface="Times" pitchFamily="-84" charset="0"/>
+              <a:rPr lang="en-US" sz="2000" dirty="0">
+                <a:latin typeface="Corbel" panose="020B0503020204020204" pitchFamily="34" charset="0"/>
                 <a:sym typeface="Symbol" pitchFamily="-84" charset="2"/>
               </a:rPr>
               <a:t></a:t>
             </a:r>
             <a:r>
-              <a:rPr lang="en-US" dirty="0"/>
+              <a:rPr lang="en-US" sz="2000" dirty="0">
+                <a:latin typeface="Corbel" panose="020B0503020204020204" pitchFamily="34" charset="0"/>
+              </a:rPr>
               <a:t>S = Entropy variation. It represents the general tendency of a system to </a:t>
             </a:r>
             <a:r>
-              <a:rPr lang="en-US" dirty="0" err="1"/>
+              <a:rPr lang="en-US" sz="2000" dirty="0" err="1">
+                <a:latin typeface="Corbel" panose="020B0503020204020204" pitchFamily="34" charset="0"/>
+              </a:rPr>
               <a:t>maximise</a:t>
             </a:r>
             <a:r>
-              <a:rPr lang="en-US" dirty="0"/>
-              <a:t> its disorder.</a:t>
+              <a:rPr lang="en-US" sz="2000" dirty="0">
+                <a:latin typeface="Corbel" panose="020B0503020204020204" pitchFamily="34" charset="0"/>
+              </a:rPr>
+              <a:t> its disorder</a:t>
             </a:r>
           </a:p>
         </p:txBody>
@@ -12195,7 +11536,9 @@
           <a:lstStyle/>
           <a:p>
             <a:r>
-              <a:rPr lang="en-US" sz="2000" dirty="0"/>
+              <a:rPr lang="en-US" sz="2000" dirty="0">
+                <a:latin typeface="Corbel" panose="020B0503020204020204" pitchFamily="34" charset="0"/>
+              </a:rPr>
               <a:t>The free energy variation can be written in terms of enthalpy (H) and entropy (S) change at constant temperature.</a:t>
             </a:r>
           </a:p>
@@ -12261,19 +11604,27 @@
           <a:lstStyle/>
           <a:p>
             <a:r>
-              <a:rPr lang="en-US" sz="2400" dirty="0"/>
+              <a:rPr lang="en-US" sz="2400" dirty="0">
+                <a:latin typeface="Corbel" panose="020B0503020204020204" pitchFamily="34" charset="0"/>
+              </a:rPr>
               <a:t>Biological systems are not isolated: they exist in a state of constant </a:t>
             </a:r>
             <a:r>
-              <a:rPr lang="en-US" sz="2400" b="1" dirty="0"/>
+              <a:rPr lang="en-US" sz="2400" b="1" dirty="0">
+                <a:latin typeface="Corbel" panose="020B0503020204020204" pitchFamily="34" charset="0"/>
+              </a:rPr>
               <a:t>pressure</a:t>
             </a:r>
             <a:r>
-              <a:rPr lang="en-US" sz="2400" dirty="0"/>
+              <a:rPr lang="en-US" sz="2400" dirty="0">
+                <a:latin typeface="Corbel" panose="020B0503020204020204" pitchFamily="34" charset="0"/>
+              </a:rPr>
               <a:t> and </a:t>
             </a:r>
             <a:r>
-              <a:rPr lang="en-US" sz="2400" b="1" dirty="0"/>
+              <a:rPr lang="en-US" sz="2400" b="1" dirty="0">
+                <a:latin typeface="Corbel" panose="020B0503020204020204" pitchFamily="34" charset="0"/>
+              </a:rPr>
               <a:t>temperature</a:t>
             </a:r>
           </a:p>
@@ -12296,7 +11647,7 @@
         <p:spPr bwMode="auto">
           <a:xfrm>
             <a:off x="4545681" y="540617"/>
-            <a:ext cx="2718693" cy="769441"/>
+            <a:ext cx="2447978" cy="769441"/>
           </a:xfrm>
           <a:prstGeom prst="rect">
             <a:avLst/>
@@ -12322,13 +11673,13 @@
           <a:p>
             <a:r>
               <a:rPr lang="en-US" sz="4400">
-                <a:latin typeface="Times" pitchFamily="-84" charset="0"/>
+                <a:latin typeface="Corbel" panose="020B0503020204020204" pitchFamily="34" charset="0"/>
                 <a:sym typeface="Symbol" pitchFamily="-84" charset="2"/>
               </a:rPr>
               <a:t>G = H - TS</a:t>
             </a:r>
             <a:endParaRPr lang="en-US" sz="2400">
-              <a:latin typeface="Times" pitchFamily="-84" charset="0"/>
+              <a:latin typeface="Corbel" panose="020B0503020204020204" pitchFamily="34" charset="0"/>
               <a:sym typeface="Symbol" pitchFamily="-84" charset="2"/>
             </a:endParaRPr>
           </a:p>
@@ -12338,6 +11689,651 @@
     <p:extLst>
       <p:ext uri="{BB962C8B-B14F-4D97-AF65-F5344CB8AC3E}">
         <p14:creationId xmlns:p14="http://schemas.microsoft.com/office/powerpoint/2010/main" val="3407025915"/>
+      </p:ext>
+    </p:extLst>
+  </p:cSld>
+  <p:clrMapOvr>
+    <a:masterClrMapping/>
+  </p:clrMapOvr>
+</p:sld>
+</file>
+
+<file path=ppt/slides/slide7.xml><?xml version="1.0" encoding="utf-8"?>
+<p:sld xmlns:a="http://schemas.openxmlformats.org/drawingml/2006/main" xmlns:r="http://schemas.openxmlformats.org/officeDocument/2006/relationships" xmlns:p="http://schemas.openxmlformats.org/presentationml/2006/main">
+  <p:cSld>
+    <p:spTree>
+      <p:nvGrpSpPr>
+        <p:cNvPr id="1" name=""/>
+        <p:cNvGrpSpPr/>
+        <p:nvPr/>
+      </p:nvGrpSpPr>
+      <p:grpSpPr>
+        <a:xfrm>
+          <a:off x="0" y="0"/>
+          <a:ext cx="0" cy="0"/>
+          <a:chOff x="0" y="0"/>
+          <a:chExt cx="0" cy="0"/>
+        </a:xfrm>
+      </p:grpSpPr>
+      <p:sp>
+        <p:nvSpPr>
+          <p:cNvPr id="59394" name="Rectangle 2"/>
+          <p:cNvSpPr>
+            <a:spLocks noChangeArrowheads="1"/>
+          </p:cNvSpPr>
+          <p:nvPr/>
+        </p:nvSpPr>
+        <p:spPr bwMode="auto">
+          <a:xfrm>
+            <a:off x="5015881" y="44624"/>
+            <a:ext cx="1904689" cy="523220"/>
+          </a:xfrm>
+          <a:prstGeom prst="rect">
+            <a:avLst/>
+          </a:prstGeom>
+          <a:noFill/>
+          <a:ln w="9525">
+            <a:noFill/>
+            <a:miter lim="800000"/>
+            <a:headEnd/>
+            <a:tailEnd/>
+          </a:ln>
+        </p:spPr>
+        <p:txBody>
+          <a:bodyPr wrap="none">
+            <a:prstTxWarp prst="textNoShape">
+              <a:avLst/>
+            </a:prstTxWarp>
+            <a:spAutoFit/>
+          </a:bodyPr>
+          <a:lstStyle/>
+          <a:p>
+            <a:r>
+              <a:rPr lang="en-US" sz="2800" b="1" dirty="0">
+                <a:latin typeface="Corbel" panose="020B0503020204020204" pitchFamily="34" charset="0"/>
+              </a:rPr>
+              <a:t>Enthalpy H</a:t>
+            </a:r>
+          </a:p>
+        </p:txBody>
+      </p:sp>
+      <p:sp>
+        <p:nvSpPr>
+          <p:cNvPr id="59395" name="Line 3"/>
+          <p:cNvSpPr>
+            <a:spLocks noChangeShapeType="1"/>
+          </p:cNvSpPr>
+          <p:nvPr/>
+        </p:nvSpPr>
+        <p:spPr bwMode="auto">
+          <a:xfrm>
+            <a:off x="1524000" y="692696"/>
+            <a:ext cx="9144000" cy="0"/>
+          </a:xfrm>
+          <a:prstGeom prst="line">
+            <a:avLst/>
+          </a:prstGeom>
+          <a:noFill/>
+          <a:ln w="25400">
+            <a:solidFill>
+              <a:srgbClr val="800000"/>
+            </a:solidFill>
+            <a:round/>
+            <a:headEnd/>
+            <a:tailEnd/>
+          </a:ln>
+        </p:spPr>
+        <p:txBody>
+          <a:bodyPr wrap="none" anchor="ctr">
+            <a:prstTxWarp prst="textNoShape">
+              <a:avLst/>
+            </a:prstTxWarp>
+          </a:bodyPr>
+          <a:lstStyle/>
+          <a:p>
+            <a:endParaRPr lang="it-IT">
+              <a:latin typeface="Corbel" panose="020B0503020204020204" pitchFamily="34" charset="0"/>
+            </a:endParaRPr>
+          </a:p>
+        </p:txBody>
+      </p:sp>
+      <p:sp>
+        <p:nvSpPr>
+          <p:cNvPr id="59396" name="Rectangle 4"/>
+          <p:cNvSpPr>
+            <a:spLocks noChangeArrowheads="1"/>
+          </p:cNvSpPr>
+          <p:nvPr/>
+        </p:nvSpPr>
+        <p:spPr bwMode="auto">
+          <a:xfrm>
+            <a:off x="4267200" y="1219201"/>
+            <a:ext cx="2563522" cy="769441"/>
+          </a:xfrm>
+          <a:prstGeom prst="rect">
+            <a:avLst/>
+          </a:prstGeom>
+          <a:noFill/>
+          <a:ln w="9525">
+            <a:noFill/>
+            <a:miter lim="800000"/>
+            <a:headEnd/>
+            <a:tailEnd/>
+          </a:ln>
+        </p:spPr>
+        <p:txBody>
+          <a:bodyPr wrap="none">
+            <a:prstTxWarp prst="textNoShape">
+              <a:avLst/>
+            </a:prstTxWarp>
+            <a:spAutoFit/>
+          </a:bodyPr>
+          <a:lstStyle/>
+          <a:p>
+            <a:r>
+              <a:rPr lang="en-US" sz="4400">
+                <a:latin typeface="Corbel" panose="020B0503020204020204" pitchFamily="34" charset="0"/>
+              </a:rPr>
+              <a:t>H = E + PV</a:t>
+            </a:r>
+          </a:p>
+        </p:txBody>
+      </p:sp>
+      <p:sp>
+        <p:nvSpPr>
+          <p:cNvPr id="59397" name="Rectangle 5"/>
+          <p:cNvSpPr>
+            <a:spLocks noChangeArrowheads="1"/>
+          </p:cNvSpPr>
+          <p:nvPr/>
+        </p:nvSpPr>
+        <p:spPr bwMode="auto">
+          <a:xfrm>
+            <a:off x="4038600" y="2362201"/>
+            <a:ext cx="1936750" cy="646331"/>
+          </a:xfrm>
+          <a:prstGeom prst="rect">
+            <a:avLst/>
+          </a:prstGeom>
+          <a:noFill/>
+          <a:ln w="9525">
+            <a:noFill/>
+            <a:miter lim="800000"/>
+            <a:headEnd/>
+            <a:tailEnd/>
+          </a:ln>
+        </p:spPr>
+        <p:txBody>
+          <a:bodyPr>
+            <a:prstTxWarp prst="textNoShape">
+              <a:avLst/>
+            </a:prstTxWarp>
+            <a:spAutoFit/>
+          </a:bodyPr>
+          <a:lstStyle/>
+          <a:p>
+            <a:r>
+              <a:rPr lang="en-US" dirty="0">
+                <a:latin typeface="Corbel" panose="020B0503020204020204" pitchFamily="34" charset="0"/>
+              </a:rPr>
+              <a:t>Internal energy</a:t>
+            </a:r>
+          </a:p>
+          <a:p>
+            <a:r>
+              <a:rPr lang="en-US" dirty="0">
+                <a:latin typeface="Corbel" panose="020B0503020204020204" pitchFamily="34" charset="0"/>
+              </a:rPr>
+              <a:t>of the system</a:t>
+            </a:r>
+          </a:p>
+        </p:txBody>
+      </p:sp>
+      <p:sp>
+        <p:nvSpPr>
+          <p:cNvPr id="59398" name="Rectangle 6"/>
+          <p:cNvSpPr>
+            <a:spLocks noChangeArrowheads="1"/>
+          </p:cNvSpPr>
+          <p:nvPr/>
+        </p:nvSpPr>
+        <p:spPr bwMode="auto">
+          <a:xfrm>
+            <a:off x="6248400" y="2514600"/>
+            <a:ext cx="992964" cy="369332"/>
+          </a:xfrm>
+          <a:prstGeom prst="rect">
+            <a:avLst/>
+          </a:prstGeom>
+          <a:noFill/>
+          <a:ln w="9525">
+            <a:noFill/>
+            <a:miter lim="800000"/>
+            <a:headEnd/>
+            <a:tailEnd/>
+          </a:ln>
+        </p:spPr>
+        <p:txBody>
+          <a:bodyPr wrap="none">
+            <a:prstTxWarp prst="textNoShape">
+              <a:avLst/>
+            </a:prstTxWarp>
+            <a:spAutoFit/>
+          </a:bodyPr>
+          <a:lstStyle/>
+          <a:p>
+            <a:r>
+              <a:rPr lang="en-US" dirty="0">
+                <a:latin typeface="Corbel" panose="020B0503020204020204" pitchFamily="34" charset="0"/>
+              </a:rPr>
+              <a:t>pressure</a:t>
+            </a:r>
+          </a:p>
+        </p:txBody>
+      </p:sp>
+      <p:sp>
+        <p:nvSpPr>
+          <p:cNvPr id="59399" name="Rectangle 7"/>
+          <p:cNvSpPr>
+            <a:spLocks noChangeArrowheads="1"/>
+          </p:cNvSpPr>
+          <p:nvPr/>
+        </p:nvSpPr>
+        <p:spPr bwMode="auto">
+          <a:xfrm>
+            <a:off x="7696200" y="2514600"/>
+            <a:ext cx="894797" cy="369332"/>
+          </a:xfrm>
+          <a:prstGeom prst="rect">
+            <a:avLst/>
+          </a:prstGeom>
+          <a:noFill/>
+          <a:ln w="9525">
+            <a:noFill/>
+            <a:miter lim="800000"/>
+            <a:headEnd/>
+            <a:tailEnd/>
+          </a:ln>
+        </p:spPr>
+        <p:txBody>
+          <a:bodyPr wrap="none">
+            <a:prstTxWarp prst="textNoShape">
+              <a:avLst/>
+            </a:prstTxWarp>
+            <a:spAutoFit/>
+          </a:bodyPr>
+          <a:lstStyle/>
+          <a:p>
+            <a:r>
+              <a:rPr lang="en-US" dirty="0">
+                <a:latin typeface="Corbel" panose="020B0503020204020204" pitchFamily="34" charset="0"/>
+              </a:rPr>
+              <a:t>volume</a:t>
+            </a:r>
+          </a:p>
+        </p:txBody>
+      </p:sp>
+      <p:sp>
+        <p:nvSpPr>
+          <p:cNvPr id="59400" name="Line 8"/>
+          <p:cNvSpPr>
+            <a:spLocks noChangeShapeType="1"/>
+          </p:cNvSpPr>
+          <p:nvPr/>
+        </p:nvSpPr>
+        <p:spPr bwMode="auto">
+          <a:xfrm flipH="1">
+            <a:off x="5029200" y="1905000"/>
+            <a:ext cx="457200" cy="533400"/>
+          </a:xfrm>
+          <a:prstGeom prst="line">
+            <a:avLst/>
+          </a:prstGeom>
+          <a:noFill/>
+          <a:ln w="9525">
+            <a:solidFill>
+              <a:schemeClr val="tx1"/>
+            </a:solidFill>
+            <a:round/>
+            <a:headEnd/>
+            <a:tailEnd type="triangle" w="med" len="med"/>
+          </a:ln>
+        </p:spPr>
+        <p:txBody>
+          <a:bodyPr wrap="none" anchor="ctr">
+            <a:prstTxWarp prst="textNoShape">
+              <a:avLst/>
+            </a:prstTxWarp>
+          </a:bodyPr>
+          <a:lstStyle/>
+          <a:p>
+            <a:endParaRPr lang="it-IT">
+              <a:latin typeface="Corbel" panose="020B0503020204020204" pitchFamily="34" charset="0"/>
+            </a:endParaRPr>
+          </a:p>
+        </p:txBody>
+      </p:sp>
+      <p:sp>
+        <p:nvSpPr>
+          <p:cNvPr id="59401" name="Line 9"/>
+          <p:cNvSpPr>
+            <a:spLocks noChangeShapeType="1"/>
+          </p:cNvSpPr>
+          <p:nvPr/>
+        </p:nvSpPr>
+        <p:spPr bwMode="auto">
+          <a:xfrm>
+            <a:off x="6274636" y="1905000"/>
+            <a:ext cx="430964" cy="609600"/>
+          </a:xfrm>
+          <a:prstGeom prst="line">
+            <a:avLst/>
+          </a:prstGeom>
+          <a:noFill/>
+          <a:ln w="9525">
+            <a:solidFill>
+              <a:schemeClr val="tx1"/>
+            </a:solidFill>
+            <a:round/>
+            <a:headEnd/>
+            <a:tailEnd type="triangle" w="med" len="med"/>
+          </a:ln>
+        </p:spPr>
+        <p:txBody>
+          <a:bodyPr wrap="none" anchor="ctr">
+            <a:prstTxWarp prst="textNoShape">
+              <a:avLst/>
+            </a:prstTxWarp>
+          </a:bodyPr>
+          <a:lstStyle/>
+          <a:p>
+            <a:endParaRPr lang="it-IT">
+              <a:latin typeface="Corbel" panose="020B0503020204020204" pitchFamily="34" charset="0"/>
+            </a:endParaRPr>
+          </a:p>
+        </p:txBody>
+      </p:sp>
+      <p:sp>
+        <p:nvSpPr>
+          <p:cNvPr id="59402" name="Line 10"/>
+          <p:cNvSpPr>
+            <a:spLocks noChangeShapeType="1"/>
+          </p:cNvSpPr>
+          <p:nvPr/>
+        </p:nvSpPr>
+        <p:spPr bwMode="auto">
+          <a:xfrm>
+            <a:off x="6705600" y="1792179"/>
+            <a:ext cx="1262608" cy="772725"/>
+          </a:xfrm>
+          <a:prstGeom prst="line">
+            <a:avLst/>
+          </a:prstGeom>
+          <a:noFill/>
+          <a:ln w="9525">
+            <a:solidFill>
+              <a:schemeClr val="tx1"/>
+            </a:solidFill>
+            <a:round/>
+            <a:headEnd/>
+            <a:tailEnd type="triangle" w="med" len="med"/>
+          </a:ln>
+        </p:spPr>
+        <p:txBody>
+          <a:bodyPr wrap="none" anchor="ctr">
+            <a:prstTxWarp prst="textNoShape">
+              <a:avLst/>
+            </a:prstTxWarp>
+          </a:bodyPr>
+          <a:lstStyle/>
+          <a:p>
+            <a:endParaRPr lang="it-IT">
+              <a:latin typeface="Corbel" panose="020B0503020204020204" pitchFamily="34" charset="0"/>
+            </a:endParaRPr>
+          </a:p>
+        </p:txBody>
+      </p:sp>
+      <p:sp>
+        <p:nvSpPr>
+          <p:cNvPr id="59403" name="Rectangle 11"/>
+          <p:cNvSpPr>
+            <a:spLocks noChangeArrowheads="1"/>
+          </p:cNvSpPr>
+          <p:nvPr/>
+        </p:nvSpPr>
+        <p:spPr bwMode="auto">
+          <a:xfrm>
+            <a:off x="797169" y="3130967"/>
+            <a:ext cx="10691445" cy="830997"/>
+          </a:xfrm>
+          <a:prstGeom prst="rect">
+            <a:avLst/>
+          </a:prstGeom>
+          <a:noFill/>
+          <a:ln w="9525">
+            <a:noFill/>
+            <a:miter lim="800000"/>
+            <a:headEnd/>
+            <a:tailEnd/>
+          </a:ln>
+        </p:spPr>
+        <p:txBody>
+          <a:bodyPr wrap="square">
+            <a:prstTxWarp prst="textNoShape">
+              <a:avLst/>
+            </a:prstTxWarp>
+            <a:spAutoFit/>
+          </a:bodyPr>
+          <a:lstStyle/>
+          <a:p>
+            <a:r>
+              <a:rPr lang="en-US" sz="2400" dirty="0">
+                <a:latin typeface="Corbel" panose="020B0503020204020204" pitchFamily="34" charset="0"/>
+              </a:rPr>
+              <a:t>Biological systems are either solid or liquid. Therefore they do not usually undergo volume or pressure changes</a:t>
+            </a:r>
+          </a:p>
+        </p:txBody>
+      </p:sp>
+      <p:sp>
+        <p:nvSpPr>
+          <p:cNvPr id="59404" name="Rectangle 12"/>
+          <p:cNvSpPr>
+            <a:spLocks noChangeArrowheads="1"/>
+          </p:cNvSpPr>
+          <p:nvPr/>
+        </p:nvSpPr>
+        <p:spPr bwMode="auto">
+          <a:xfrm>
+            <a:off x="4800600" y="5691336"/>
+            <a:ext cx="2074607" cy="769441"/>
+          </a:xfrm>
+          <a:prstGeom prst="rect">
+            <a:avLst/>
+          </a:prstGeom>
+          <a:noFill/>
+          <a:ln w="9525">
+            <a:noFill/>
+            <a:miter lim="800000"/>
+            <a:headEnd/>
+            <a:tailEnd/>
+          </a:ln>
+        </p:spPr>
+        <p:txBody>
+          <a:bodyPr wrap="none">
+            <a:prstTxWarp prst="textNoShape">
+              <a:avLst/>
+            </a:prstTxWarp>
+            <a:spAutoFit/>
+          </a:bodyPr>
+          <a:lstStyle/>
+          <a:p>
+            <a:r>
+              <a:rPr lang="en-US" sz="4400">
+                <a:latin typeface="Corbel" panose="020B0503020204020204" pitchFamily="34" charset="0"/>
+                <a:sym typeface="Symbol" pitchFamily="-84" charset="2"/>
+              </a:rPr>
+              <a:t>H ≈ E</a:t>
+            </a:r>
+          </a:p>
+        </p:txBody>
+      </p:sp>
+      <p:sp>
+        <p:nvSpPr>
+          <p:cNvPr id="59405" name="AutoShape 13"/>
+          <p:cNvSpPr>
+            <a:spLocks noChangeArrowheads="1"/>
+          </p:cNvSpPr>
+          <p:nvPr/>
+        </p:nvSpPr>
+        <p:spPr bwMode="auto">
+          <a:xfrm>
+            <a:off x="5638800" y="4929336"/>
+            <a:ext cx="609600" cy="685800"/>
+          </a:xfrm>
+          <a:prstGeom prst="downArrow">
+            <a:avLst>
+              <a:gd name="adj1" fmla="val 50000"/>
+              <a:gd name="adj2" fmla="val 28125"/>
+            </a:avLst>
+          </a:prstGeom>
+          <a:solidFill>
+            <a:schemeClr val="accent1"/>
+          </a:solidFill>
+          <a:ln w="9525">
+            <a:solidFill>
+              <a:schemeClr val="tx1"/>
+            </a:solidFill>
+            <a:miter lim="800000"/>
+            <a:headEnd/>
+            <a:tailEnd/>
+          </a:ln>
+        </p:spPr>
+        <p:txBody>
+          <a:bodyPr wrap="none" anchor="ctr">
+            <a:prstTxWarp prst="textNoShape">
+              <a:avLst/>
+            </a:prstTxWarp>
+          </a:bodyPr>
+          <a:lstStyle/>
+          <a:p>
+            <a:endParaRPr lang="it-IT">
+              <a:latin typeface="Corbel" panose="020B0503020204020204" pitchFamily="34" charset="0"/>
+            </a:endParaRPr>
+          </a:p>
+        </p:txBody>
+      </p:sp>
+      <p:sp>
+        <p:nvSpPr>
+          <p:cNvPr id="59406" name="Rectangle 14"/>
+          <p:cNvSpPr>
+            <a:spLocks noChangeArrowheads="1"/>
+          </p:cNvSpPr>
+          <p:nvPr/>
+        </p:nvSpPr>
+        <p:spPr bwMode="auto">
+          <a:xfrm>
+            <a:off x="1617049" y="701880"/>
+            <a:ext cx="8957901" cy="461665"/>
+          </a:xfrm>
+          <a:prstGeom prst="rect">
+            <a:avLst/>
+          </a:prstGeom>
+          <a:noFill/>
+          <a:ln w="9525">
+            <a:noFill/>
+            <a:miter lim="800000"/>
+            <a:headEnd/>
+            <a:tailEnd/>
+          </a:ln>
+        </p:spPr>
+        <p:txBody>
+          <a:bodyPr wrap="none">
+            <a:prstTxWarp prst="textNoShape">
+              <a:avLst/>
+            </a:prstTxWarp>
+            <a:spAutoFit/>
+          </a:bodyPr>
+          <a:lstStyle/>
+          <a:p>
+            <a:r>
+              <a:rPr lang="en-US" sz="2400" dirty="0">
+                <a:latin typeface="Corbel" panose="020B0503020204020204" pitchFamily="34" charset="0"/>
+              </a:rPr>
+              <a:t>Quantity of energy that a system can exchange with the environment</a:t>
+            </a:r>
+          </a:p>
+        </p:txBody>
+      </p:sp>
+      <p:sp>
+        <p:nvSpPr>
+          <p:cNvPr id="15" name="Rectangle 2"/>
+          <p:cNvSpPr>
+            <a:spLocks noChangeArrowheads="1"/>
+          </p:cNvSpPr>
+          <p:nvPr/>
+        </p:nvSpPr>
+        <p:spPr bwMode="auto">
+          <a:xfrm>
+            <a:off x="797169" y="4038164"/>
+            <a:ext cx="10468708" cy="830997"/>
+          </a:xfrm>
+          <a:prstGeom prst="rect">
+            <a:avLst/>
+          </a:prstGeom>
+          <a:solidFill>
+            <a:srgbClr val="CCFFFF"/>
+          </a:solidFill>
+          <a:ln w="9525">
+            <a:noFill/>
+            <a:miter lim="800000"/>
+            <a:headEnd/>
+            <a:tailEnd/>
+          </a:ln>
+        </p:spPr>
+        <p:txBody>
+          <a:bodyPr wrap="square">
+            <a:prstTxWarp prst="textNoShape">
+              <a:avLst/>
+            </a:prstTxWarp>
+            <a:spAutoFit/>
+          </a:bodyPr>
+          <a:lstStyle/>
+          <a:p>
+            <a:r>
+              <a:rPr lang="en-US" sz="2400" dirty="0">
+                <a:latin typeface="Corbel" panose="020B0503020204020204" pitchFamily="34" charset="0"/>
+              </a:rPr>
+              <a:t>Biological systems are not isolated: they exist in a state of</a:t>
+            </a:r>
+            <a:r>
+              <a:rPr lang="en-US" sz="2400" b="1" dirty="0">
+                <a:latin typeface="Corbel" panose="020B0503020204020204" pitchFamily="34" charset="0"/>
+              </a:rPr>
+              <a:t> constant temperature </a:t>
+            </a:r>
+            <a:r>
+              <a:rPr lang="en-US" sz="2400" dirty="0">
+                <a:latin typeface="Corbel" panose="020B0503020204020204" pitchFamily="34" charset="0"/>
+              </a:rPr>
+              <a:t>and</a:t>
+            </a:r>
+            <a:r>
+              <a:rPr lang="en-US" sz="2400" b="1" dirty="0">
+                <a:latin typeface="Corbel" panose="020B0503020204020204" pitchFamily="34" charset="0"/>
+              </a:rPr>
+              <a:t> pressure.</a:t>
+            </a:r>
+            <a:endParaRPr lang="en-US" sz="2400" dirty="0">
+              <a:latin typeface="Corbel" panose="020B0503020204020204" pitchFamily="34" charset="0"/>
+            </a:endParaRPr>
+          </a:p>
+        </p:txBody>
+      </p:sp>
+    </p:spTree>
+    <p:extLst>
+      <p:ext uri="{BB962C8B-B14F-4D97-AF65-F5344CB8AC3E}">
+        <p14:creationId xmlns:p14="http://schemas.microsoft.com/office/powerpoint/2010/main" val="3285708748"/>
       </p:ext>
     </p:extLst>
   </p:cSld>
@@ -12366,7 +12362,7 @@
       </p:grpSpPr>
       <p:sp>
         <p:nvSpPr>
-          <p:cNvPr id="59394" name="Rectangle 2"/>
+          <p:cNvPr id="60418" name="Rectangle 2"/>
           <p:cNvSpPr>
             <a:spLocks noChangeArrowheads="1"/>
           </p:cNvSpPr>
@@ -12374,8 +12370,8 @@
         </p:nvSpPr>
         <p:spPr bwMode="auto">
           <a:xfrm>
-            <a:off x="5015881" y="44624"/>
-            <a:ext cx="1800045" cy="523220"/>
+            <a:off x="4511824" y="116632"/>
+            <a:ext cx="2828018" cy="523220"/>
           </a:xfrm>
           <a:prstGeom prst="rect">
             <a:avLst/>
@@ -12398,15 +12394,17 @@
           <a:lstStyle/>
           <a:p>
             <a:r>
-              <a:rPr lang="en-US" sz="2800" b="1" dirty="0"/>
-              <a:t>Enthalpy H</a:t>
-            </a:r>
-          </a:p>
-        </p:txBody>
-      </p:sp>
-      <p:sp>
-        <p:nvSpPr>
-          <p:cNvPr id="59395" name="Line 3"/>
+              <a:rPr lang="en-US" sz="2800" b="1" dirty="0">
+                <a:latin typeface="Corbel" panose="020B0503020204020204" pitchFamily="34" charset="0"/>
+              </a:rPr>
+              <a:t>Internal energy E</a:t>
+            </a:r>
+          </a:p>
+        </p:txBody>
+      </p:sp>
+      <p:sp>
+        <p:nvSpPr>
+          <p:cNvPr id="60419" name="Line 3"/>
           <p:cNvSpPr>
             <a:spLocks noChangeShapeType="1"/>
           </p:cNvSpPr>
@@ -12414,7 +12412,7 @@
         </p:nvSpPr>
         <p:spPr bwMode="auto">
           <a:xfrm>
-            <a:off x="1524000" y="692696"/>
+            <a:off x="1524000" y="764704"/>
             <a:ext cx="9144000" cy="0"/>
           </a:xfrm>
           <a:prstGeom prst="line">
@@ -12438,13 +12436,15 @@
           </a:bodyPr>
           <a:lstStyle/>
           <a:p>
-            <a:endParaRPr lang="it-IT"/>
-          </a:p>
-        </p:txBody>
-      </p:sp>
-      <p:sp>
-        <p:nvSpPr>
-          <p:cNvPr id="59396" name="Rectangle 4"/>
+            <a:endParaRPr lang="it-IT">
+              <a:latin typeface="Corbel" panose="020B0503020204020204" pitchFamily="34" charset="0"/>
+            </a:endParaRPr>
+          </a:p>
+        </p:txBody>
+      </p:sp>
+      <p:sp>
+        <p:nvSpPr>
+          <p:cNvPr id="60420" name="Rectangle 4"/>
           <p:cNvSpPr>
             <a:spLocks noChangeArrowheads="1"/>
           </p:cNvSpPr>
@@ -12452,8 +12452,8 @@
         </p:nvSpPr>
         <p:spPr bwMode="auto">
           <a:xfrm>
-            <a:off x="4267200" y="1219201"/>
-            <a:ext cx="2495042" cy="769441"/>
+            <a:off x="4495801" y="914401"/>
+            <a:ext cx="2224776" cy="769441"/>
           </a:xfrm>
           <a:prstGeom prst="rect">
             <a:avLst/>
@@ -12476,15 +12476,17 @@
           <a:lstStyle/>
           <a:p>
             <a:r>
-              <a:rPr lang="en-US" sz="4400"/>
-              <a:t>H = E + PV</a:t>
-            </a:r>
-          </a:p>
-        </p:txBody>
-      </p:sp>
-      <p:sp>
-        <p:nvSpPr>
-          <p:cNvPr id="59397" name="Rectangle 5"/>
+              <a:rPr lang="en-US" sz="4400">
+                <a:latin typeface="Corbel" panose="020B0503020204020204" pitchFamily="34" charset="0"/>
+              </a:rPr>
+              <a:t>E = U + K</a:t>
+            </a:r>
+          </a:p>
+        </p:txBody>
+      </p:sp>
+      <p:sp>
+        <p:nvSpPr>
+          <p:cNvPr id="60421" name="Rectangle 5"/>
           <p:cNvSpPr>
             <a:spLocks noChangeArrowheads="1"/>
           </p:cNvSpPr>
@@ -12492,8 +12494,8 @@
         </p:nvSpPr>
         <p:spPr bwMode="auto">
           <a:xfrm>
-            <a:off x="4038600" y="2362201"/>
-            <a:ext cx="1936750" cy="646331"/>
+            <a:off x="3680864" y="2153391"/>
+            <a:ext cx="2667000" cy="461665"/>
           </a:xfrm>
           <a:prstGeom prst="rect">
             <a:avLst/>
@@ -12516,21 +12518,17 @@
           <a:lstStyle/>
           <a:p>
             <a:r>
-              <a:rPr lang="en-US" dirty="0"/>
-              <a:t>Internal energy</a:t>
-            </a:r>
-          </a:p>
-          <a:p>
-            <a:r>
-              <a:rPr lang="en-US" dirty="0"/>
-              <a:t>of the system</a:t>
-            </a:r>
-          </a:p>
-        </p:txBody>
-      </p:sp>
-      <p:sp>
-        <p:nvSpPr>
-          <p:cNvPr id="59398" name="Rectangle 6"/>
+              <a:rPr lang="en-US" sz="2400" dirty="0">
+                <a:latin typeface="Corbel" panose="020B0503020204020204" pitchFamily="34" charset="0"/>
+              </a:rPr>
+              <a:t>Potential energy</a:t>
+            </a:r>
+          </a:p>
+        </p:txBody>
+      </p:sp>
+      <p:sp>
+        <p:nvSpPr>
+          <p:cNvPr id="60422" name="Rectangle 6"/>
           <p:cNvSpPr>
             <a:spLocks noChangeArrowheads="1"/>
           </p:cNvSpPr>
@@ -12538,8 +12536,8 @@
         </p:nvSpPr>
         <p:spPr bwMode="auto">
           <a:xfrm>
-            <a:off x="6248400" y="2514600"/>
-            <a:ext cx="992964" cy="369332"/>
+            <a:off x="6780368" y="2117467"/>
+            <a:ext cx="2016899" cy="461665"/>
           </a:xfrm>
           <a:prstGeom prst="rect">
             <a:avLst/>
@@ -12562,55 +12560,17 @@
           <a:lstStyle/>
           <a:p>
             <a:r>
-              <a:rPr lang="en-US" dirty="0"/>
-              <a:t>pressure</a:t>
-            </a:r>
-          </a:p>
-        </p:txBody>
-      </p:sp>
-      <p:sp>
-        <p:nvSpPr>
-          <p:cNvPr id="59399" name="Rectangle 7"/>
-          <p:cNvSpPr>
-            <a:spLocks noChangeArrowheads="1"/>
-          </p:cNvSpPr>
-          <p:nvPr/>
-        </p:nvSpPr>
-        <p:spPr bwMode="auto">
-          <a:xfrm>
-            <a:off x="7696200" y="2514600"/>
-            <a:ext cx="883062" cy="369332"/>
-          </a:xfrm>
-          <a:prstGeom prst="rect">
-            <a:avLst/>
-          </a:prstGeom>
-          <a:noFill/>
-          <a:ln w="9525">
-            <a:noFill/>
-            <a:miter lim="800000"/>
-            <a:headEnd/>
-            <a:tailEnd/>
-          </a:ln>
-        </p:spPr>
-        <p:txBody>
-          <a:bodyPr wrap="none">
-            <a:prstTxWarp prst="textNoShape">
-              <a:avLst/>
-            </a:prstTxWarp>
-            <a:spAutoFit/>
-          </a:bodyPr>
-          <a:lstStyle/>
-          <a:p>
-            <a:r>
-              <a:rPr lang="en-US" dirty="0"/>
-              <a:t>volume</a:t>
-            </a:r>
-          </a:p>
-        </p:txBody>
-      </p:sp>
-      <p:sp>
-        <p:nvSpPr>
-          <p:cNvPr id="59400" name="Line 8"/>
+              <a:rPr lang="en-US" sz="2400" dirty="0">
+                <a:latin typeface="Corbel" panose="020B0503020204020204" pitchFamily="34" charset="0"/>
+              </a:rPr>
+              <a:t>Kinetic energy</a:t>
+            </a:r>
+          </a:p>
+        </p:txBody>
+      </p:sp>
+      <p:sp>
+        <p:nvSpPr>
+          <p:cNvPr id="60423" name="Line 7"/>
           <p:cNvSpPr>
             <a:spLocks noChangeShapeType="1"/>
           </p:cNvSpPr>
@@ -12618,7 +12578,7 @@
         </p:nvSpPr>
         <p:spPr bwMode="auto">
           <a:xfrm flipH="1">
-            <a:off x="5029200" y="1905000"/>
+            <a:off x="5181600" y="1600200"/>
             <a:ext cx="457200" cy="533400"/>
           </a:xfrm>
           <a:prstGeom prst="line">
@@ -12642,13 +12602,15 @@
           </a:bodyPr>
           <a:lstStyle/>
           <a:p>
-            <a:endParaRPr lang="it-IT"/>
-          </a:p>
-        </p:txBody>
-      </p:sp>
-      <p:sp>
-        <p:nvSpPr>
-          <p:cNvPr id="59401" name="Line 9"/>
+            <a:endParaRPr lang="it-IT">
+              <a:latin typeface="Corbel" panose="020B0503020204020204" pitchFamily="34" charset="0"/>
+            </a:endParaRPr>
+          </a:p>
+        </p:txBody>
+      </p:sp>
+      <p:sp>
+        <p:nvSpPr>
+          <p:cNvPr id="60424" name="Line 8"/>
           <p:cNvSpPr>
             <a:spLocks noChangeShapeType="1"/>
           </p:cNvSpPr>
@@ -12656,8 +12618,8 @@
         </p:nvSpPr>
         <p:spPr bwMode="auto">
           <a:xfrm>
-            <a:off x="6553200" y="1905000"/>
-            <a:ext cx="152400" cy="609600"/>
+            <a:off x="6934200" y="1600200"/>
+            <a:ext cx="533400" cy="457200"/>
           </a:xfrm>
           <a:prstGeom prst="line">
             <a:avLst/>
@@ -12680,22 +12642,72 @@
           </a:bodyPr>
           <a:lstStyle/>
           <a:p>
-            <a:endParaRPr lang="it-IT"/>
-          </a:p>
-        </p:txBody>
-      </p:sp>
-      <p:sp>
-        <p:nvSpPr>
-          <p:cNvPr id="59402" name="Line 10"/>
+            <a:endParaRPr lang="it-IT">
+              <a:latin typeface="Corbel" panose="020B0503020204020204" pitchFamily="34" charset="0"/>
+            </a:endParaRPr>
+          </a:p>
+        </p:txBody>
+      </p:sp>
+      <p:sp>
+        <p:nvSpPr>
+          <p:cNvPr id="60425" name="Rectangle 9"/>
+          <p:cNvSpPr>
+            <a:spLocks noChangeArrowheads="1"/>
+          </p:cNvSpPr>
+          <p:nvPr/>
+        </p:nvSpPr>
+        <p:spPr bwMode="auto">
+          <a:xfrm>
+            <a:off x="1735015" y="3048001"/>
+            <a:ext cx="4132385" cy="1323439"/>
+          </a:xfrm>
+          <a:prstGeom prst="rect">
+            <a:avLst/>
+          </a:prstGeom>
+          <a:noFill/>
+          <a:ln w="9525">
+            <a:noFill/>
+            <a:miter lim="800000"/>
+            <a:headEnd/>
+            <a:tailEnd/>
+          </a:ln>
+        </p:spPr>
+        <p:txBody>
+          <a:bodyPr wrap="square">
+            <a:prstTxWarp prst="textNoShape">
+              <a:avLst/>
+            </a:prstTxWarp>
+            <a:spAutoFit/>
+          </a:bodyPr>
+          <a:lstStyle/>
+          <a:p>
+            <a:r>
+              <a:rPr lang="en-US" sz="2000" u="sng" dirty="0">
+                <a:latin typeface="Corbel" panose="020B0503020204020204" pitchFamily="34" charset="0"/>
+              </a:rPr>
+              <a:t>Position energy</a:t>
+            </a:r>
+            <a:r>
+              <a:rPr lang="en-US" sz="2000" dirty="0">
+                <a:latin typeface="Corbel" panose="020B0503020204020204" pitchFamily="34" charset="0"/>
+              </a:rPr>
+              <a:t>: in a macromolecule the potential energy is the result of all field (electrostatic) effects of the atoms of the molecular system</a:t>
+            </a:r>
+          </a:p>
+        </p:txBody>
+      </p:sp>
+      <p:sp>
+        <p:nvSpPr>
+          <p:cNvPr id="60426" name="Line 10"/>
           <p:cNvSpPr>
             <a:spLocks noChangeShapeType="1"/>
           </p:cNvSpPr>
           <p:nvPr/>
         </p:nvSpPr>
         <p:spPr bwMode="auto">
-          <a:xfrm>
-            <a:off x="7130008" y="1879104"/>
-            <a:ext cx="838200" cy="685800"/>
+          <a:xfrm flipH="1">
+            <a:off x="4267200" y="2667000"/>
+            <a:ext cx="304800" cy="381000"/>
           </a:xfrm>
           <a:prstGeom prst="line">
             <a:avLst/>
@@ -12718,13 +12730,15 @@
           </a:bodyPr>
           <a:lstStyle/>
           <a:p>
-            <a:endParaRPr lang="it-IT"/>
-          </a:p>
-        </p:txBody>
-      </p:sp>
-      <p:sp>
-        <p:nvSpPr>
-          <p:cNvPr id="59403" name="Rectangle 11"/>
+            <a:endParaRPr lang="it-IT">
+              <a:latin typeface="Corbel" panose="020B0503020204020204" pitchFamily="34" charset="0"/>
+            </a:endParaRPr>
+          </a:p>
+        </p:txBody>
+      </p:sp>
+      <p:sp>
+        <p:nvSpPr>
+          <p:cNvPr id="60427" name="Rectangle 11"/>
           <p:cNvSpPr>
             <a:spLocks noChangeArrowheads="1"/>
           </p:cNvSpPr>
@@ -12732,8 +12746,8 @@
         </p:nvSpPr>
         <p:spPr bwMode="auto">
           <a:xfrm>
-            <a:off x="2133600" y="3212977"/>
-            <a:ext cx="7924800" cy="646331"/>
+            <a:off x="7010400" y="3316341"/>
+            <a:ext cx="3370385" cy="707886"/>
           </a:xfrm>
           <a:prstGeom prst="rect">
             <a:avLst/>
@@ -12747,7 +12761,7 @@
           </a:ln>
         </p:spPr>
         <p:txBody>
-          <a:bodyPr>
+          <a:bodyPr wrap="square">
             <a:prstTxWarp prst="textNoShape">
               <a:avLst/>
             </a:prstTxWarp>
@@ -12756,15 +12770,57 @@
           <a:lstStyle/>
           <a:p>
             <a:r>
-              <a:rPr lang="en-US" dirty="0"/>
-              <a:t>Biological systems are either solid or liquid. Therefore they do not usually undergo volume or pressure changes.</a:t>
-            </a:r>
-          </a:p>
-        </p:txBody>
-      </p:sp>
-      <p:sp>
-        <p:nvSpPr>
-          <p:cNvPr id="59404" name="Rectangle 12"/>
+              <a:rPr lang="en-US" sz="2000" dirty="0">
+                <a:latin typeface="Corbel" panose="020B0503020204020204" pitchFamily="34" charset="0"/>
+              </a:rPr>
+              <a:t>It is the result of the molecular motions induced by the heat</a:t>
+            </a:r>
+          </a:p>
+        </p:txBody>
+      </p:sp>
+      <p:sp>
+        <p:nvSpPr>
+          <p:cNvPr id="60428" name="Line 12"/>
+          <p:cNvSpPr>
+            <a:spLocks noChangeShapeType="1"/>
+          </p:cNvSpPr>
+          <p:nvPr/>
+        </p:nvSpPr>
+        <p:spPr bwMode="auto">
+          <a:xfrm>
+            <a:off x="7788818" y="2667000"/>
+            <a:ext cx="381000" cy="457200"/>
+          </a:xfrm>
+          <a:prstGeom prst="line">
+            <a:avLst/>
+          </a:prstGeom>
+          <a:noFill/>
+          <a:ln w="9525">
+            <a:solidFill>
+              <a:schemeClr val="tx1"/>
+            </a:solidFill>
+            <a:round/>
+            <a:headEnd/>
+            <a:tailEnd type="triangle" w="med" len="med"/>
+          </a:ln>
+        </p:spPr>
+        <p:txBody>
+          <a:bodyPr wrap="none" anchor="ctr">
+            <a:prstTxWarp prst="textNoShape">
+              <a:avLst/>
+            </a:prstTxWarp>
+          </a:bodyPr>
+          <a:lstStyle/>
+          <a:p>
+            <a:endParaRPr lang="it-IT">
+              <a:latin typeface="Corbel" panose="020B0503020204020204" pitchFamily="34" charset="0"/>
+            </a:endParaRPr>
+          </a:p>
+        </p:txBody>
+      </p:sp>
+      <p:sp>
+        <p:nvSpPr>
+          <p:cNvPr id="60429" name="Rectangle 13"/>
           <p:cNvSpPr>
             <a:spLocks noChangeArrowheads="1"/>
           </p:cNvSpPr>
@@ -12772,8 +12828,8 @@
         </p:nvSpPr>
         <p:spPr bwMode="auto">
           <a:xfrm>
-            <a:off x="4800600" y="5691336"/>
-            <a:ext cx="2197100" cy="762000"/>
+            <a:off x="1435895" y="5262299"/>
+            <a:ext cx="4489938" cy="830997"/>
           </a:xfrm>
           <a:prstGeom prst="rect">
             <a:avLst/>
@@ -12787,7 +12843,7 @@
           </a:ln>
         </p:spPr>
         <p:txBody>
-          <a:bodyPr wrap="none">
+          <a:bodyPr wrap="square">
             <a:prstTxWarp prst="textNoShape">
               <a:avLst/>
             </a:prstTxWarp>
@@ -12796,18 +12852,17 @@
           <a:lstStyle/>
           <a:p>
             <a:r>
-              <a:rPr lang="en-US" sz="4400">
-                <a:latin typeface="Times" pitchFamily="-84" charset="0"/>
-                <a:sym typeface="Symbol" pitchFamily="-84" charset="2"/>
-              </a:rPr>
-              <a:t>H ≈ E</a:t>
-            </a:r>
-          </a:p>
-        </p:txBody>
-      </p:sp>
-      <p:sp>
-        <p:nvSpPr>
-          <p:cNvPr id="59405" name="AutoShape 13"/>
+              <a:rPr lang="en-US" sz="2400" dirty="0">
+                <a:latin typeface="Corbel" panose="020B0503020204020204" pitchFamily="34" charset="0"/>
+              </a:rPr>
+              <a:t>Set of covalent and non-covalent interactions in a molecular system</a:t>
+            </a:r>
+          </a:p>
+        </p:txBody>
+      </p:sp>
+      <p:sp>
+        <p:nvSpPr>
+          <p:cNvPr id="60430" name="AutoShape 14"/>
           <p:cNvSpPr>
             <a:spLocks noChangeArrowheads="1"/>
           </p:cNvSpPr>
@@ -12815,13 +12870,13 @@
         </p:nvSpPr>
         <p:spPr bwMode="auto">
           <a:xfrm>
-            <a:off x="5638800" y="4929336"/>
-            <a:ext cx="609600" cy="685800"/>
+            <a:off x="3094892" y="4714986"/>
+            <a:ext cx="838200" cy="381000"/>
           </a:xfrm>
           <a:prstGeom prst="downArrow">
             <a:avLst>
               <a:gd name="adj1" fmla="val 50000"/>
-              <a:gd name="adj2" fmla="val 28125"/>
+              <a:gd name="adj2" fmla="val 25000"/>
             </a:avLst>
           </a:prstGeom>
           <a:solidFill>
@@ -12844,109 +12899,16 @@
           </a:bodyPr>
           <a:lstStyle/>
           <a:p>
-            <a:endParaRPr lang="it-IT"/>
-          </a:p>
-        </p:txBody>
-      </p:sp>
-      <p:sp>
-        <p:nvSpPr>
-          <p:cNvPr id="59406" name="Rectangle 14"/>
-          <p:cNvSpPr>
-            <a:spLocks noChangeArrowheads="1"/>
-          </p:cNvSpPr>
-          <p:nvPr/>
-        </p:nvSpPr>
-        <p:spPr bwMode="auto">
-          <a:xfrm>
-            <a:off x="2286001" y="796642"/>
-            <a:ext cx="6658361" cy="369332"/>
-          </a:xfrm>
-          <a:prstGeom prst="rect">
-            <a:avLst/>
-          </a:prstGeom>
-          <a:noFill/>
-          <a:ln w="9525">
-            <a:noFill/>
-            <a:miter lim="800000"/>
-            <a:headEnd/>
-            <a:tailEnd/>
-          </a:ln>
-        </p:spPr>
-        <p:txBody>
-          <a:bodyPr wrap="none">
-            <a:prstTxWarp prst="textNoShape">
-              <a:avLst/>
-            </a:prstTxWarp>
-            <a:spAutoFit/>
-          </a:bodyPr>
-          <a:lstStyle/>
-          <a:p>
-            <a:r>
-              <a:rPr lang="en-US" dirty="0"/>
-              <a:t>Quantity of energy that a system can exchange with the environment</a:t>
-            </a:r>
-          </a:p>
-        </p:txBody>
-      </p:sp>
-      <p:sp>
-        <p:nvSpPr>
-          <p:cNvPr id="15" name="Rectangle 2"/>
-          <p:cNvSpPr>
-            <a:spLocks noChangeArrowheads="1"/>
-          </p:cNvSpPr>
-          <p:nvPr/>
-        </p:nvSpPr>
-        <p:spPr bwMode="auto">
-          <a:xfrm>
-            <a:off x="1991544" y="4038164"/>
-            <a:ext cx="8534400" cy="830997"/>
-          </a:xfrm>
-          <a:prstGeom prst="rect">
-            <a:avLst/>
-          </a:prstGeom>
-          <a:solidFill>
-            <a:srgbClr val="CCFFFF"/>
-          </a:solidFill>
-          <a:ln w="9525">
-            <a:noFill/>
-            <a:miter lim="800000"/>
-            <a:headEnd/>
-            <a:tailEnd/>
-          </a:ln>
-        </p:spPr>
-        <p:txBody>
-          <a:bodyPr>
-            <a:prstTxWarp prst="textNoShape">
-              <a:avLst/>
-            </a:prstTxWarp>
-            <a:spAutoFit/>
-          </a:bodyPr>
-          <a:lstStyle/>
-          <a:p>
-            <a:r>
-              <a:rPr lang="en-US" sz="2400" dirty="0"/>
-              <a:t>Biological systems are not isolated: they exist in a state of</a:t>
-            </a:r>
-            <a:r>
-              <a:rPr lang="en-US" sz="2400" b="1" dirty="0"/>
-              <a:t> constant temperature </a:t>
-            </a:r>
-            <a:r>
-              <a:rPr lang="en-US" sz="2400" dirty="0"/>
-              <a:t>and</a:t>
-            </a:r>
-            <a:r>
-              <a:rPr lang="en-US" sz="2400" b="1" dirty="0"/>
-              <a:t> pressure.</a:t>
-            </a:r>
-            <a:endParaRPr lang="en-US" sz="2400" dirty="0"/>
+            <a:endParaRPr lang="it-IT">
+              <a:latin typeface="Corbel" panose="020B0503020204020204" pitchFamily="34" charset="0"/>
+            </a:endParaRPr>
           </a:p>
         </p:txBody>
       </p:sp>
     </p:spTree>
     <p:extLst>
       <p:ext uri="{BB962C8B-B14F-4D97-AF65-F5344CB8AC3E}">
-        <p14:creationId xmlns:p14="http://schemas.microsoft.com/office/powerpoint/2010/main" val="3285708748"/>
+        <p14:creationId xmlns:p14="http://schemas.microsoft.com/office/powerpoint/2010/main" val="3482596406"/>
       </p:ext>
     </p:extLst>
   </p:cSld>
@@ -12975,7 +12937,7 @@
       </p:grpSpPr>
       <p:sp>
         <p:nvSpPr>
-          <p:cNvPr id="60418" name="Rectangle 2"/>
+          <p:cNvPr id="61442" name="Rectangle 2"/>
           <p:cNvSpPr>
             <a:spLocks noChangeArrowheads="1"/>
           </p:cNvSpPr>
@@ -12983,15 +12945,17 @@
         </p:nvSpPr>
         <p:spPr bwMode="auto">
           <a:xfrm>
-            <a:off x="4511824" y="116632"/>
-            <a:ext cx="2715102" cy="523220"/>
+            <a:off x="4038601" y="381001"/>
+            <a:ext cx="3481915" cy="769441"/>
           </a:xfrm>
           <a:prstGeom prst="rect">
             <a:avLst/>
           </a:prstGeom>
           <a:noFill/>
           <a:ln w="9525">
-            <a:noFill/>
+            <a:solidFill>
+              <a:schemeClr val="tx1"/>
+            </a:solidFill>
             <a:miter lim="800000"/>
             <a:headEnd/>
             <a:tailEnd/>
@@ -13007,173 +12971,22 @@
           <a:lstStyle/>
           <a:p>
             <a:r>
-              <a:rPr lang="en-US" sz="2800" b="1" dirty="0"/>
-              <a:t>Internal energy E</a:t>
-            </a:r>
-          </a:p>
-        </p:txBody>
-      </p:sp>
-      <p:sp>
-        <p:nvSpPr>
-          <p:cNvPr id="60419" name="Line 3"/>
-          <p:cNvSpPr>
-            <a:spLocks noChangeShapeType="1"/>
-          </p:cNvSpPr>
-          <p:nvPr/>
-        </p:nvSpPr>
-        <p:spPr bwMode="auto">
-          <a:xfrm>
-            <a:off x="1524000" y="764704"/>
-            <a:ext cx="9144000" cy="0"/>
-          </a:xfrm>
-          <a:prstGeom prst="line">
-            <a:avLst/>
-          </a:prstGeom>
-          <a:noFill/>
-          <a:ln w="25400">
-            <a:solidFill>
-              <a:srgbClr val="800000"/>
-            </a:solidFill>
-            <a:round/>
-            <a:headEnd/>
-            <a:tailEnd/>
-          </a:ln>
-        </p:spPr>
-        <p:txBody>
-          <a:bodyPr wrap="none" anchor="ctr">
-            <a:prstTxWarp prst="textNoShape">
-              <a:avLst/>
-            </a:prstTxWarp>
-          </a:bodyPr>
-          <a:lstStyle/>
-          <a:p>
-            <a:endParaRPr lang="it-IT"/>
-          </a:p>
-        </p:txBody>
-      </p:sp>
-      <p:sp>
-        <p:nvSpPr>
-          <p:cNvPr id="60420" name="Rectangle 4"/>
-          <p:cNvSpPr>
-            <a:spLocks noChangeArrowheads="1"/>
-          </p:cNvSpPr>
-          <p:nvPr/>
-        </p:nvSpPr>
-        <p:spPr bwMode="auto">
-          <a:xfrm>
-            <a:off x="4495801" y="914401"/>
-            <a:ext cx="2190023" cy="769441"/>
-          </a:xfrm>
-          <a:prstGeom prst="rect">
-            <a:avLst/>
-          </a:prstGeom>
-          <a:noFill/>
-          <a:ln w="9525">
-            <a:noFill/>
-            <a:miter lim="800000"/>
-            <a:headEnd/>
-            <a:tailEnd/>
-          </a:ln>
-        </p:spPr>
-        <p:txBody>
-          <a:bodyPr wrap="none">
-            <a:prstTxWarp prst="textNoShape">
-              <a:avLst/>
-            </a:prstTxWarp>
-            <a:spAutoFit/>
-          </a:bodyPr>
-          <a:lstStyle/>
-          <a:p>
-            <a:r>
-              <a:rPr lang="en-US" sz="4400"/>
-              <a:t>E = U + K</a:t>
-            </a:r>
-          </a:p>
-        </p:txBody>
-      </p:sp>
-      <p:sp>
-        <p:nvSpPr>
-          <p:cNvPr id="60421" name="Rectangle 5"/>
-          <p:cNvSpPr>
-            <a:spLocks noChangeArrowheads="1"/>
-          </p:cNvSpPr>
-          <p:nvPr/>
-        </p:nvSpPr>
-        <p:spPr bwMode="auto">
-          <a:xfrm>
-            <a:off x="3810000" y="2209800"/>
-            <a:ext cx="2667000" cy="369332"/>
-          </a:xfrm>
-          <a:prstGeom prst="rect">
-            <a:avLst/>
-          </a:prstGeom>
-          <a:noFill/>
-          <a:ln w="9525">
-            <a:noFill/>
-            <a:miter lim="800000"/>
-            <a:headEnd/>
-            <a:tailEnd/>
-          </a:ln>
-        </p:spPr>
-        <p:txBody>
-          <a:bodyPr>
-            <a:prstTxWarp prst="textNoShape">
-              <a:avLst/>
-            </a:prstTxWarp>
-            <a:spAutoFit/>
-          </a:bodyPr>
-          <a:lstStyle/>
-          <a:p>
-            <a:r>
-              <a:rPr lang="en-US" dirty="0"/>
-              <a:t>Potential energy</a:t>
-            </a:r>
-          </a:p>
-        </p:txBody>
-      </p:sp>
-      <p:sp>
-        <p:nvSpPr>
-          <p:cNvPr id="60422" name="Rectangle 6"/>
-          <p:cNvSpPr>
-            <a:spLocks noChangeArrowheads="1"/>
-          </p:cNvSpPr>
-          <p:nvPr/>
-        </p:nvSpPr>
-        <p:spPr bwMode="auto">
-          <a:xfrm>
-            <a:off x="7010400" y="2209800"/>
-            <a:ext cx="1517210" cy="369332"/>
-          </a:xfrm>
-          <a:prstGeom prst="rect">
-            <a:avLst/>
-          </a:prstGeom>
-          <a:noFill/>
-          <a:ln w="9525">
-            <a:noFill/>
-            <a:miter lim="800000"/>
-            <a:headEnd/>
-            <a:tailEnd/>
-          </a:ln>
-        </p:spPr>
-        <p:txBody>
-          <a:bodyPr wrap="none">
-            <a:prstTxWarp prst="textNoShape">
-              <a:avLst/>
-            </a:prstTxWarp>
-            <a:spAutoFit/>
-          </a:bodyPr>
-          <a:lstStyle/>
-          <a:p>
-            <a:r>
-              <a:rPr lang="en-US" dirty="0"/>
-              <a:t>Kinetic energy</a:t>
-            </a:r>
-          </a:p>
-        </p:txBody>
-      </p:sp>
-      <p:sp>
-        <p:nvSpPr>
-          <p:cNvPr id="60423" name="Line 7"/>
+              <a:rPr lang="en-US" sz="4400">
+                <a:latin typeface="Corbel" panose="020B0503020204020204" pitchFamily="34" charset="0"/>
+                <a:sym typeface="Symbol" pitchFamily="-84" charset="2"/>
+              </a:rPr>
+              <a:t>G = H - TS</a:t>
+            </a:r>
+            <a:endParaRPr lang="en-US" sz="2400">
+              <a:latin typeface="Corbel" panose="020B0503020204020204" pitchFamily="34" charset="0"/>
+              <a:sym typeface="Symbol" pitchFamily="-84" charset="2"/>
+            </a:endParaRPr>
+          </a:p>
+        </p:txBody>
+      </p:sp>
+      <p:sp>
+        <p:nvSpPr>
+          <p:cNvPr id="61443" name="Line 3"/>
           <p:cNvSpPr>
             <a:spLocks noChangeShapeType="1"/>
           </p:cNvSpPr>
@@ -13181,8 +12994,8 @@
         </p:nvSpPr>
         <p:spPr bwMode="auto">
           <a:xfrm flipH="1">
-            <a:off x="5181600" y="1600200"/>
-            <a:ext cx="457200" cy="533400"/>
+            <a:off x="4876800" y="1066800"/>
+            <a:ext cx="685800" cy="533400"/>
           </a:xfrm>
           <a:prstGeom prst="line">
             <a:avLst/>
@@ -13205,60 +13018,24 @@
           </a:bodyPr>
           <a:lstStyle/>
           <a:p>
-            <a:endParaRPr lang="it-IT"/>
-          </a:p>
-        </p:txBody>
-      </p:sp>
-      <p:sp>
-        <p:nvSpPr>
-          <p:cNvPr id="60424" name="Line 8"/>
-          <p:cNvSpPr>
-            <a:spLocks noChangeShapeType="1"/>
+            <a:endParaRPr lang="it-IT">
+              <a:latin typeface="Corbel" panose="020B0503020204020204" pitchFamily="34" charset="0"/>
+            </a:endParaRPr>
+          </a:p>
+        </p:txBody>
+      </p:sp>
+      <p:sp>
+        <p:nvSpPr>
+          <p:cNvPr id="61444" name="Rectangle 4"/>
+          <p:cNvSpPr>
+            <a:spLocks noChangeArrowheads="1"/>
           </p:cNvSpPr>
           <p:nvPr/>
         </p:nvSpPr>
         <p:spPr bwMode="auto">
           <a:xfrm>
-            <a:off x="6934200" y="1600200"/>
-            <a:ext cx="533400" cy="457200"/>
-          </a:xfrm>
-          <a:prstGeom prst="line">
-            <a:avLst/>
-          </a:prstGeom>
-          <a:noFill/>
-          <a:ln w="9525">
-            <a:solidFill>
-              <a:schemeClr val="tx1"/>
-            </a:solidFill>
-            <a:round/>
-            <a:headEnd/>
-            <a:tailEnd type="triangle" w="med" len="med"/>
-          </a:ln>
-        </p:spPr>
-        <p:txBody>
-          <a:bodyPr wrap="none" anchor="ctr">
-            <a:prstTxWarp prst="textNoShape">
-              <a:avLst/>
-            </a:prstTxWarp>
-          </a:bodyPr>
-          <a:lstStyle/>
-          <a:p>
-            <a:endParaRPr lang="it-IT"/>
-          </a:p>
-        </p:txBody>
-      </p:sp>
-      <p:sp>
-        <p:nvSpPr>
-          <p:cNvPr id="60425" name="Rectangle 9"/>
-          <p:cNvSpPr>
-            <a:spLocks noChangeArrowheads="1"/>
-          </p:cNvSpPr>
-          <p:nvPr/>
-        </p:nvSpPr>
-        <p:spPr bwMode="auto">
-          <a:xfrm>
-            <a:off x="2209800" y="3048001"/>
-            <a:ext cx="3657600" cy="1200329"/>
+            <a:off x="2209800" y="1600200"/>
+            <a:ext cx="6080062" cy="923330"/>
           </a:xfrm>
           <a:prstGeom prst="rect">
             <a:avLst/>
@@ -13272,7 +13049,7 @@
           </a:ln>
         </p:spPr>
         <p:txBody>
-          <a:bodyPr>
+          <a:bodyPr wrap="none">
             <a:prstTxWarp prst="textNoShape">
               <a:avLst/>
             </a:prstTxWarp>
@@ -13280,67 +13057,55 @@
           </a:bodyPr>
           <a:lstStyle/>
           <a:p>
-            <a:r>
-              <a:rPr lang="en-US" u="sng" dirty="0"/>
-              <a:t>Position energy</a:t>
-            </a:r>
-            <a:r>
-              <a:rPr lang="en-US" dirty="0"/>
-              <a:t>: in a macromolecule the potential energy is the result of all field (electrostatic) effects of the atoms of the molecular system</a:t>
-            </a:r>
-          </a:p>
-        </p:txBody>
-      </p:sp>
-      <p:sp>
-        <p:nvSpPr>
-          <p:cNvPr id="60426" name="Line 10"/>
-          <p:cNvSpPr>
-            <a:spLocks noChangeShapeType="1"/>
+            <a:pPr marL="457200" indent="-457200">
+              <a:buFont typeface="Times" pitchFamily="-84" charset="0"/>
+              <a:buAutoNum type="alphaUcPeriod"/>
+            </a:pPr>
+            <a:r>
+              <a:rPr lang="en-US" dirty="0">
+                <a:latin typeface="Corbel" panose="020B0503020204020204" pitchFamily="34" charset="0"/>
+              </a:rPr>
+              <a:t>covalent bond breaking or making</a:t>
+            </a:r>
+          </a:p>
+          <a:p>
+            <a:pPr marL="457200" indent="-457200">
+              <a:buFont typeface="Times" pitchFamily="-84" charset="0"/>
+              <a:buAutoNum type="alphaUcPeriod"/>
+            </a:pPr>
+            <a:r>
+              <a:rPr lang="en-US" dirty="0">
+                <a:latin typeface="Corbel" panose="020B0503020204020204" pitchFamily="34" charset="0"/>
+              </a:rPr>
+              <a:t>Variation in the electrostatic or van der Waals interactions</a:t>
+            </a:r>
+          </a:p>
+          <a:p>
+            <a:pPr marL="457200" indent="-457200">
+              <a:buFont typeface="Times" pitchFamily="-84" charset="0"/>
+              <a:buAutoNum type="alphaUcPeriod"/>
+            </a:pPr>
+            <a:r>
+              <a:rPr lang="en-US" dirty="0">
+                <a:latin typeface="Corbel" panose="020B0503020204020204" pitchFamily="34" charset="0"/>
+              </a:rPr>
+              <a:t>Variations induced by the heat in the atomic motions</a:t>
+            </a:r>
+          </a:p>
+        </p:txBody>
+      </p:sp>
+      <p:sp>
+        <p:nvSpPr>
+          <p:cNvPr id="61445" name="Rectangle 5"/>
+          <p:cNvSpPr>
+            <a:spLocks noChangeArrowheads="1"/>
           </p:cNvSpPr>
           <p:nvPr/>
         </p:nvSpPr>
         <p:spPr bwMode="auto">
-          <a:xfrm flipH="1">
-            <a:off x="4267200" y="2667000"/>
-            <a:ext cx="304800" cy="381000"/>
-          </a:xfrm>
-          <a:prstGeom prst="line">
-            <a:avLst/>
-          </a:prstGeom>
-          <a:noFill/>
-          <a:ln w="9525">
-            <a:solidFill>
-              <a:schemeClr val="tx1"/>
-            </a:solidFill>
-            <a:round/>
-            <a:headEnd/>
-            <a:tailEnd type="triangle" w="med" len="med"/>
-          </a:ln>
-        </p:spPr>
-        <p:txBody>
-          <a:bodyPr wrap="none" anchor="ctr">
-            <a:prstTxWarp prst="textNoShape">
-              <a:avLst/>
-            </a:prstTxWarp>
-          </a:bodyPr>
-          <a:lstStyle/>
-          <a:p>
-            <a:endParaRPr lang="it-IT"/>
-          </a:p>
-        </p:txBody>
-      </p:sp>
-      <p:sp>
-        <p:nvSpPr>
-          <p:cNvPr id="60427" name="Rectangle 11"/>
-          <p:cNvSpPr>
-            <a:spLocks noChangeArrowheads="1"/>
-          </p:cNvSpPr>
-          <p:nvPr/>
-        </p:nvSpPr>
-        <p:spPr bwMode="auto">
-          <a:xfrm>
-            <a:off x="7086600" y="3352801"/>
-            <a:ext cx="3081338" cy="646331"/>
+          <a:xfrm>
+            <a:off x="4527877" y="3355252"/>
+            <a:ext cx="2690929" cy="584775"/>
           </a:xfrm>
           <a:prstGeom prst="rect">
             <a:avLst/>
@@ -13354,7 +13119,7 @@
           </a:ln>
         </p:spPr>
         <p:txBody>
-          <a:bodyPr>
+          <a:bodyPr wrap="none">
             <a:prstTxWarp prst="textNoShape">
               <a:avLst/>
             </a:prstTxWarp>
@@ -13363,62 +13128,41 @@
           <a:lstStyle/>
           <a:p>
             <a:r>
-              <a:rPr lang="en-US" dirty="0"/>
-              <a:t>It is the result of the molecular motions induced by the heat</a:t>
-            </a:r>
-          </a:p>
-        </p:txBody>
-      </p:sp>
-      <p:sp>
-        <p:nvSpPr>
-          <p:cNvPr id="60428" name="Line 12"/>
-          <p:cNvSpPr>
-            <a:spLocks noChangeShapeType="1"/>
+              <a:rPr lang="en-US" sz="3200" b="1" dirty="0">
+                <a:latin typeface="Corbel" panose="020B0503020204020204" pitchFamily="34" charset="0"/>
+                <a:sym typeface="Symbol" pitchFamily="-84" charset="2"/>
+              </a:rPr>
+              <a:t>Q</a:t>
+            </a:r>
+            <a:r>
+              <a:rPr lang="en-US" sz="3200" b="1" baseline="-25000" dirty="0">
+                <a:latin typeface="Corbel" panose="020B0503020204020204" pitchFamily="34" charset="0"/>
+                <a:sym typeface="Symbol" pitchFamily="-84" charset="2"/>
+              </a:rPr>
+              <a:t>(p)</a:t>
+            </a:r>
+            <a:r>
+              <a:rPr lang="en-US" sz="3200" b="1" dirty="0">
+                <a:latin typeface="Corbel" panose="020B0503020204020204" pitchFamily="34" charset="0"/>
+                <a:sym typeface="Symbol" pitchFamily="-84" charset="2"/>
+              </a:rPr>
+              <a:t> = H ≈ E </a:t>
+            </a:r>
+          </a:p>
+        </p:txBody>
+      </p:sp>
+      <p:sp>
+        <p:nvSpPr>
+          <p:cNvPr id="61446" name="Rectangle 6"/>
+          <p:cNvSpPr>
+            <a:spLocks noChangeArrowheads="1"/>
           </p:cNvSpPr>
           <p:nvPr/>
         </p:nvSpPr>
         <p:spPr bwMode="auto">
           <a:xfrm>
-            <a:off x="7772400" y="2743200"/>
-            <a:ext cx="381000" cy="457200"/>
-          </a:xfrm>
-          <a:prstGeom prst="line">
-            <a:avLst/>
-          </a:prstGeom>
-          <a:noFill/>
-          <a:ln w="9525">
-            <a:solidFill>
-              <a:schemeClr val="tx1"/>
-            </a:solidFill>
-            <a:round/>
-            <a:headEnd/>
-            <a:tailEnd type="triangle" w="med" len="med"/>
-          </a:ln>
-        </p:spPr>
-        <p:txBody>
-          <a:bodyPr wrap="none" anchor="ctr">
-            <a:prstTxWarp prst="textNoShape">
-              <a:avLst/>
-            </a:prstTxWarp>
-          </a:bodyPr>
-          <a:lstStyle/>
-          <a:p>
-            <a:endParaRPr lang="it-IT"/>
-          </a:p>
-        </p:txBody>
-      </p:sp>
-      <p:sp>
-        <p:nvSpPr>
-          <p:cNvPr id="60429" name="Rectangle 13"/>
-          <p:cNvSpPr>
-            <a:spLocks noChangeArrowheads="1"/>
-          </p:cNvSpPr>
-          <p:nvPr/>
-        </p:nvSpPr>
-        <p:spPr bwMode="auto">
-          <a:xfrm>
-            <a:off x="2333392" y="5439532"/>
-            <a:ext cx="3486615" cy="646331"/>
+            <a:off x="597877" y="2615717"/>
+            <a:ext cx="10996246" cy="707886"/>
           </a:xfrm>
           <a:prstGeom prst="rect">
             <a:avLst/>
@@ -13441,15 +13185,17 @@
           <a:lstStyle/>
           <a:p>
             <a:r>
-              <a:rPr lang="en-US" dirty="0"/>
-              <a:t>Set of covalent and non-covalent interactions in a molecular system</a:t>
-            </a:r>
-          </a:p>
-        </p:txBody>
-      </p:sp>
-      <p:sp>
-        <p:nvSpPr>
-          <p:cNvPr id="60430" name="AutoShape 14"/>
+              <a:rPr lang="en-US" sz="2000" dirty="0">
+                <a:latin typeface="Corbel" panose="020B0503020204020204" pitchFamily="34" charset="0"/>
+              </a:rPr>
+              <a:t>These variations at constant pressure entail heat transfer between the system and the environment. Therefore, we can write:</a:t>
+            </a:r>
+          </a:p>
+        </p:txBody>
+      </p:sp>
+      <p:sp>
+        <p:nvSpPr>
+          <p:cNvPr id="61447" name="Rectangle 7"/>
           <p:cNvSpPr>
             <a:spLocks noChangeArrowheads="1"/>
           </p:cNvSpPr>
@@ -13457,43 +13203,276 @@
         </p:nvSpPr>
         <p:spPr bwMode="auto">
           <a:xfrm>
-            <a:off x="3657600" y="4876800"/>
-            <a:ext cx="838200" cy="381000"/>
-          </a:xfrm>
-          <a:prstGeom prst="downArrow">
-            <a:avLst>
-              <a:gd name="adj1" fmla="val 50000"/>
-              <a:gd name="adj2" fmla="val 25000"/>
-            </a:avLst>
-          </a:prstGeom>
-          <a:solidFill>
-            <a:schemeClr val="accent1"/>
-          </a:solidFill>
+            <a:off x="3215680" y="5085185"/>
+            <a:ext cx="5025928" cy="461665"/>
+          </a:xfrm>
+          <a:prstGeom prst="rect">
+            <a:avLst/>
+          </a:prstGeom>
+          <a:noFill/>
           <a:ln w="9525">
-            <a:solidFill>
-              <a:schemeClr val="tx1"/>
-            </a:solidFill>
+            <a:noFill/>
             <a:miter lim="800000"/>
             <a:headEnd/>
             <a:tailEnd/>
           </a:ln>
         </p:spPr>
         <p:txBody>
-          <a:bodyPr wrap="none" anchor="ctr">
+          <a:bodyPr wrap="none">
             <a:prstTxWarp prst="textNoShape">
               <a:avLst/>
             </a:prstTxWarp>
+            <a:spAutoFit/>
           </a:bodyPr>
           <a:lstStyle/>
           <a:p>
-            <a:endParaRPr lang="it-IT"/>
+            <a:r>
+              <a:rPr lang="en-US" sz="2400" b="1" dirty="0">
+                <a:latin typeface="Corbel" panose="020B0503020204020204" pitchFamily="34" charset="0"/>
+                <a:cs typeface="Arial"/>
+                <a:sym typeface="Symbol" pitchFamily="-84" charset="2"/>
+              </a:rPr>
+              <a:t>Q</a:t>
+            </a:r>
+            <a:r>
+              <a:rPr lang="en-US" sz="2400" b="1" baseline="-25000" dirty="0">
+                <a:latin typeface="Corbel" panose="020B0503020204020204" pitchFamily="34" charset="0"/>
+                <a:cs typeface="Arial"/>
+                <a:sym typeface="Symbol" pitchFamily="-84" charset="2"/>
+              </a:rPr>
+              <a:t>(p)</a:t>
+            </a:r>
+            <a:r>
+              <a:rPr lang="en-US" sz="2400" b="1" dirty="0">
+                <a:latin typeface="Corbel" panose="020B0503020204020204" pitchFamily="34" charset="0"/>
+                <a:cs typeface="Arial"/>
+                <a:sym typeface="Symbol" pitchFamily="-84" charset="2"/>
+              </a:rPr>
+              <a:t> can be experimentally measured</a:t>
+            </a:r>
+            <a:endParaRPr lang="en-US" sz="2400" b="1" dirty="0">
+              <a:latin typeface="Corbel" panose="020B0503020204020204" pitchFamily="34" charset="0"/>
+              <a:cs typeface="Arial"/>
+            </a:endParaRPr>
+          </a:p>
+        </p:txBody>
+      </p:sp>
+      <p:sp>
+        <p:nvSpPr>
+          <p:cNvPr id="61448" name="Rectangle 8"/>
+          <p:cNvSpPr>
+            <a:spLocks noChangeArrowheads="1"/>
+          </p:cNvSpPr>
+          <p:nvPr/>
+        </p:nvSpPr>
+        <p:spPr bwMode="auto">
+          <a:xfrm>
+            <a:off x="1703512" y="4077073"/>
+            <a:ext cx="8820472" cy="707886"/>
+          </a:xfrm>
+          <a:prstGeom prst="rect">
+            <a:avLst/>
+          </a:prstGeom>
+          <a:solidFill>
+            <a:srgbClr val="CCFFFF"/>
+          </a:solidFill>
+          <a:ln w="9525">
+            <a:noFill/>
+            <a:miter lim="800000"/>
+            <a:headEnd/>
+            <a:tailEnd/>
+          </a:ln>
+        </p:spPr>
+        <p:txBody>
+          <a:bodyPr wrap="square">
+            <a:prstTxWarp prst="textNoShape">
+              <a:avLst/>
+            </a:prstTxWarp>
+            <a:spAutoFit/>
+          </a:bodyPr>
+          <a:lstStyle/>
+          <a:p>
+            <a:r>
+              <a:rPr lang="en-US" sz="2000" dirty="0">
+                <a:latin typeface="Corbel" panose="020B0503020204020204" pitchFamily="34" charset="0"/>
+              </a:rPr>
+              <a:t>Therefore, </a:t>
+            </a:r>
+            <a:r>
+              <a:rPr lang="en-US" sz="2000" u="sng" dirty="0">
+                <a:latin typeface="Corbel" panose="020B0503020204020204" pitchFamily="34" charset="0"/>
+              </a:rPr>
+              <a:t>at constant pressure and volume</a:t>
+            </a:r>
+            <a:r>
+              <a:rPr lang="en-US" sz="2000" dirty="0">
+                <a:latin typeface="Corbel" panose="020B0503020204020204" pitchFamily="34" charset="0"/>
+              </a:rPr>
+              <a:t>, the enthalpy variation coincides with both the heat and the variation of internal energy occurred during the process.</a:t>
+            </a:r>
+          </a:p>
+        </p:txBody>
+      </p:sp>
+      <p:sp>
+        <p:nvSpPr>
+          <p:cNvPr id="12" name="Rectangle 9"/>
+          <p:cNvSpPr>
+            <a:spLocks noChangeArrowheads="1"/>
+          </p:cNvSpPr>
+          <p:nvPr/>
+        </p:nvSpPr>
+        <p:spPr bwMode="auto">
+          <a:xfrm>
+            <a:off x="4304634" y="5733257"/>
+            <a:ext cx="4653838" cy="461665"/>
+          </a:xfrm>
+          <a:prstGeom prst="rect">
+            <a:avLst/>
+          </a:prstGeom>
+          <a:noFill/>
+          <a:ln w="9525">
+            <a:noFill/>
+            <a:miter lim="800000"/>
+            <a:headEnd/>
+            <a:tailEnd/>
+          </a:ln>
+        </p:spPr>
+        <p:txBody>
+          <a:bodyPr wrap="none">
+            <a:prstTxWarp prst="textNoShape">
+              <a:avLst/>
+            </a:prstTxWarp>
+            <a:spAutoFit/>
+          </a:bodyPr>
+          <a:lstStyle/>
+          <a:p>
+            <a:r>
+              <a:rPr lang="en-US" sz="2400" dirty="0">
+                <a:latin typeface="Corbel" panose="020B0503020204020204" pitchFamily="34" charset="0"/>
+                <a:sym typeface="Symbol" pitchFamily="-84" charset="2"/>
+              </a:rPr>
+              <a:t>H &gt; 0 in a reaction </a:t>
+            </a:r>
+            <a:r>
+              <a:rPr lang="en-US" sz="2400" b="1" dirty="0">
+                <a:latin typeface="Corbel" panose="020B0503020204020204" pitchFamily="34" charset="0"/>
+                <a:sym typeface="Symbol" pitchFamily="-84" charset="2"/>
+              </a:rPr>
+              <a:t>adsorbing</a:t>
+            </a:r>
+            <a:r>
+              <a:rPr lang="en-US" sz="2400" dirty="0">
+                <a:latin typeface="Corbel" panose="020B0503020204020204" pitchFamily="34" charset="0"/>
+                <a:sym typeface="Symbol" pitchFamily="-84" charset="2"/>
+              </a:rPr>
+              <a:t> heat</a:t>
+            </a:r>
+          </a:p>
+        </p:txBody>
+      </p:sp>
+      <p:sp>
+        <p:nvSpPr>
+          <p:cNvPr id="13" name="Rectangle 10"/>
+          <p:cNvSpPr>
+            <a:spLocks noChangeArrowheads="1"/>
+          </p:cNvSpPr>
+          <p:nvPr/>
+        </p:nvSpPr>
+        <p:spPr bwMode="auto">
+          <a:xfrm>
+            <a:off x="4312571" y="6190457"/>
+            <a:ext cx="4532010" cy="461665"/>
+          </a:xfrm>
+          <a:prstGeom prst="rect">
+            <a:avLst/>
+          </a:prstGeom>
+          <a:noFill/>
+          <a:ln w="9525">
+            <a:noFill/>
+            <a:miter lim="800000"/>
+            <a:headEnd/>
+            <a:tailEnd/>
+          </a:ln>
+        </p:spPr>
+        <p:txBody>
+          <a:bodyPr wrap="none">
+            <a:prstTxWarp prst="textNoShape">
+              <a:avLst/>
+            </a:prstTxWarp>
+            <a:spAutoFit/>
+          </a:bodyPr>
+          <a:lstStyle/>
+          <a:p>
+            <a:r>
+              <a:rPr lang="en-US" sz="2400" dirty="0">
+                <a:latin typeface="Corbel" panose="020B0503020204020204" pitchFamily="34" charset="0"/>
+                <a:sym typeface="Symbol" pitchFamily="-84" charset="2"/>
+              </a:rPr>
+              <a:t>H &lt; 0 in a reaction </a:t>
+            </a:r>
+            <a:r>
+              <a:rPr lang="en-US" sz="2400" b="1" dirty="0">
+                <a:latin typeface="Corbel" panose="020B0503020204020204" pitchFamily="34" charset="0"/>
+                <a:sym typeface="Symbol" pitchFamily="-84" charset="2"/>
+              </a:rPr>
+              <a:t>releasing</a:t>
+            </a:r>
+            <a:r>
+              <a:rPr lang="en-US" sz="2400" dirty="0">
+                <a:latin typeface="Corbel" panose="020B0503020204020204" pitchFamily="34" charset="0"/>
+                <a:sym typeface="Symbol" pitchFamily="-84" charset="2"/>
+              </a:rPr>
+              <a:t> heat</a:t>
+            </a:r>
+          </a:p>
+        </p:txBody>
+      </p:sp>
+      <p:sp>
+        <p:nvSpPr>
+          <p:cNvPr id="14" name="Rectangle 11"/>
+          <p:cNvSpPr>
+            <a:spLocks noChangeArrowheads="1"/>
+          </p:cNvSpPr>
+          <p:nvPr/>
+        </p:nvSpPr>
+        <p:spPr bwMode="auto">
+          <a:xfrm>
+            <a:off x="2068693" y="6019800"/>
+            <a:ext cx="1619354" cy="369332"/>
+          </a:xfrm>
+          <a:prstGeom prst="rect">
+            <a:avLst/>
+          </a:prstGeom>
+          <a:noFill/>
+          <a:ln w="9525">
+            <a:noFill/>
+            <a:miter lim="800000"/>
+            <a:headEnd/>
+            <a:tailEnd/>
+          </a:ln>
+        </p:spPr>
+        <p:txBody>
+          <a:bodyPr wrap="none">
+            <a:prstTxWarp prst="textNoShape">
+              <a:avLst/>
+            </a:prstTxWarp>
+            <a:spAutoFit/>
+          </a:bodyPr>
+          <a:lstStyle/>
+          <a:p>
+            <a:r>
+              <a:rPr lang="en-US" dirty="0">
+                <a:latin typeface="Corbel" panose="020B0503020204020204" pitchFamily="34" charset="0"/>
+              </a:rPr>
+              <a:t>Conventionally</a:t>
+            </a:r>
           </a:p>
         </p:txBody>
       </p:sp>
     </p:spTree>
     <p:extLst>
       <p:ext uri="{BB962C8B-B14F-4D97-AF65-F5344CB8AC3E}">
-        <p14:creationId xmlns:p14="http://schemas.microsoft.com/office/powerpoint/2010/main" val="3482596406"/>
+        <p14:creationId xmlns:p14="http://schemas.microsoft.com/office/powerpoint/2010/main" val="4126286161"/>
       </p:ext>
     </p:extLst>
   </p:cSld>
